--- a/Guided Walkthrough.pptx
+++ b/Guided Walkthrough.pptx
@@ -6,29 +6,36 @@
     <p:sldMasterId id="2147484250" r:id="rId2"/>
   </p:sldMasterIdLst>
   <p:notesMasterIdLst>
-    <p:notesMasterId r:id="rId23"/>
+    <p:notesMasterId r:id="rId30"/>
   </p:notesMasterIdLst>
   <p:sldIdLst>
     <p:sldId id="275" r:id="rId3"/>
-    <p:sldId id="276" r:id="rId4"/>
-    <p:sldId id="257" r:id="rId5"/>
-    <p:sldId id="258" r:id="rId6"/>
-    <p:sldId id="259" r:id="rId7"/>
-    <p:sldId id="260" r:id="rId8"/>
-    <p:sldId id="261" r:id="rId9"/>
-    <p:sldId id="262" r:id="rId10"/>
-    <p:sldId id="263" r:id="rId11"/>
-    <p:sldId id="264" r:id="rId12"/>
-    <p:sldId id="265" r:id="rId13"/>
-    <p:sldId id="266" r:id="rId14"/>
-    <p:sldId id="267" r:id="rId15"/>
-    <p:sldId id="268" r:id="rId16"/>
-    <p:sldId id="269" r:id="rId17"/>
-    <p:sldId id="270" r:id="rId18"/>
-    <p:sldId id="271" r:id="rId19"/>
-    <p:sldId id="272" r:id="rId20"/>
-    <p:sldId id="273" r:id="rId21"/>
-    <p:sldId id="274" r:id="rId22"/>
+    <p:sldId id="277" r:id="rId4"/>
+    <p:sldId id="278" r:id="rId5"/>
+    <p:sldId id="279" r:id="rId6"/>
+    <p:sldId id="280" r:id="rId7"/>
+    <p:sldId id="281" r:id="rId8"/>
+    <p:sldId id="276" r:id="rId9"/>
+    <p:sldId id="282" r:id="rId10"/>
+    <p:sldId id="283" r:id="rId11"/>
+    <p:sldId id="284" r:id="rId12"/>
+    <p:sldId id="285" r:id="rId13"/>
+    <p:sldId id="259" r:id="rId14"/>
+    <p:sldId id="260" r:id="rId15"/>
+    <p:sldId id="261" r:id="rId16"/>
+    <p:sldId id="262" r:id="rId17"/>
+    <p:sldId id="286" r:id="rId18"/>
+    <p:sldId id="264" r:id="rId19"/>
+    <p:sldId id="287" r:id="rId20"/>
+    <p:sldId id="288" r:id="rId21"/>
+    <p:sldId id="289" r:id="rId22"/>
+    <p:sldId id="290" r:id="rId23"/>
+    <p:sldId id="269" r:id="rId24"/>
+    <p:sldId id="270" r:id="rId25"/>
+    <p:sldId id="271" r:id="rId26"/>
+    <p:sldId id="272" r:id="rId27"/>
+    <p:sldId id="273" r:id="rId28"/>
+    <p:sldId id="274" r:id="rId29"/>
   </p:sldIdLst>
   <p:sldSz cx="12192000" cy="6858000"/>
   <p:notesSz cx="6858000" cy="9144000"/>
@@ -217,7 +224,7 @@
           <a:p>
             <a:fld id="{F94A764D-34E0-4DE6-BD38-10CB7935947D}" type="datetimeFigureOut">
               <a:rPr lang="en-US" smtClean="0"/>
-              <a:t>9/17/2019</a:t>
+              <a:t>1/31/2020</a:t>
             </a:fld>
             <a:endParaRPr lang="en-US"/>
           </a:p>
@@ -528,6 +535,24 @@
           <a:bodyPr/>
           <a:lstStyle/>
           <a:p>
+            <a:r>
+              <a:rPr lang="en-US" sz="882" b="0" i="1" kern="1200" dirty="0">
+                <a:solidFill>
+                  <a:schemeClr val="tx1"/>
+                </a:solidFill>
+                <a:effectLst/>
+                <a:latin typeface="Segoe UI Light" pitchFamily="34" charset="0"/>
+                <a:ea typeface="+mn-ea"/>
+                <a:cs typeface="+mn-cs"/>
+              </a:rPr>
+              <a:t>https://docs.microsoft.com/en-us/learn/modules/intro-to-azure-virtual-machines/3-create-a-vm</a:t>
+            </a:r>
+          </a:p>
+          <a:p>
+            <a:pPr marL="171450" lvl="0" indent="-171450">
+              <a:buFont typeface="Arial" panose="020B0604020202020204" pitchFamily="34" charset="0"/>
+              <a:buChar char="•"/>
+            </a:pPr>
             <a:endParaRPr lang="en-US" sz="1200" kern="1200" dirty="0">
               <a:solidFill>
                 <a:schemeClr val="tx1"/>
@@ -614,7 +639,7 @@
           <a:p>
             <a:fld id="{386CE63F-9E7F-4C04-9D0D-FCA25A8E9E86}" type="datetime8">
               <a:rPr lang="en-US" smtClean="0"/>
-              <a:t>9/17/2019 12:50 PM</a:t>
+              <a:t>1/31/2020 1:38 PM</a:t>
             </a:fld>
             <a:endParaRPr lang="en-US" dirty="0"/>
           </a:p>
@@ -638,7 +663,7 @@
             <a:fld id="{B4008EB6-D09E-4580-8CD6-DDB14511944F}" type="slidenum">
               <a:rPr lang="en-US" smtClean="0"/>
               <a:pPr/>
-              <a:t>3</a:t>
+              <a:t>2</a:t>
             </a:fld>
             <a:endParaRPr lang="en-US" dirty="0"/>
           </a:p>
@@ -647,7 +672,7 @@
     </p:spTree>
     <p:extLst>
       <p:ext uri="{BB962C8B-B14F-4D97-AF65-F5344CB8AC3E}">
-        <p14:creationId xmlns:p14="http://schemas.microsoft.com/office/powerpoint/2010/main" val="114592720"/>
+        <p14:creationId xmlns:p14="http://schemas.microsoft.com/office/powerpoint/2010/main" val="2225357903"/>
       </p:ext>
     </p:extLst>
   </p:cSld>
@@ -701,98 +726,15 @@
           <a:bodyPr/>
           <a:lstStyle/>
           <a:p>
-            <a:r>
-              <a:rPr lang="en-US" sz="882" b="0" i="1" kern="1200" dirty="0">
-                <a:solidFill>
-                  <a:schemeClr val="tx1"/>
-                </a:solidFill>
-                <a:effectLst/>
-                <a:latin typeface="Segoe UI Light" pitchFamily="34" charset="0"/>
-                <a:ea typeface="+mn-ea"/>
-                <a:cs typeface="+mn-cs"/>
-              </a:rPr>
-              <a:t>This tutorial shows how to use the Azure portal to add an API manually to the API Management (APIM) instance that you created earlier. Mocking the API is a common scenario where you would want to create a blank API and define it manually.</a:t>
-            </a:r>
-          </a:p>
-          <a:p>
-            <a:r>
-              <a:rPr lang="en-US" sz="1200" kern="1200" dirty="0">
-                <a:solidFill>
-                  <a:schemeClr val="tx1"/>
-                </a:solidFill>
-                <a:effectLst/>
-                <a:latin typeface="+mn-lt"/>
-                <a:ea typeface="+mn-ea"/>
-                <a:cs typeface="+mn-cs"/>
-              </a:rPr>
-              <a:t> </a:t>
-            </a:r>
-          </a:p>
-          <a:p>
-            <a:r>
-              <a:rPr lang="en-US" sz="1200" kern="1200" dirty="0">
-                <a:solidFill>
-                  <a:schemeClr val="tx1"/>
-                </a:solidFill>
-                <a:effectLst/>
-                <a:latin typeface="+mn-lt"/>
-                <a:ea typeface="+mn-ea"/>
-                <a:cs typeface="+mn-cs"/>
-              </a:rPr>
-              <a:t>This revision of the course does not ship with demo instructions. For each demo, you will be given a list of specific tasks you should demonstrate to your students. The flow, content and structure of your demo is left to you to decide as an instructor.</a:t>
-            </a:r>
-          </a:p>
-          <a:p>
-            <a:r>
-              <a:rPr lang="en-US" sz="1200" kern="1200" dirty="0">
-                <a:solidFill>
-                  <a:schemeClr val="tx1"/>
-                </a:solidFill>
-                <a:effectLst/>
-                <a:latin typeface="+mn-lt"/>
-                <a:ea typeface="+mn-ea"/>
-                <a:cs typeface="+mn-cs"/>
-              </a:rPr>
-              <a:t> </a:t>
-            </a:r>
-          </a:p>
-          <a:p>
-            <a:r>
-              <a:rPr lang="en-US" sz="1200" kern="1200" dirty="0">
-                <a:solidFill>
-                  <a:schemeClr val="tx1"/>
-                </a:solidFill>
-                <a:effectLst/>
-                <a:latin typeface="+mn-lt"/>
-                <a:ea typeface="+mn-ea"/>
-                <a:cs typeface="+mn-cs"/>
-              </a:rPr>
-              <a:t>In this demo, you should show students how to:</a:t>
-            </a:r>
-          </a:p>
-          <a:p>
-            <a:pPr marL="171450" indent="-171450">
-              <a:buFont typeface="Arial" panose="020B0604020202020204" pitchFamily="34" charset="0"/>
-              <a:buChar char="•"/>
-            </a:pPr>
-            <a:r>
-              <a:rPr lang="en-US" dirty="0"/>
-              <a:t>Create a new blank API</a:t>
-            </a:r>
-          </a:p>
-          <a:p>
-            <a:pPr marL="171450" indent="-171450">
-              <a:buFont typeface="Arial" panose="020B0604020202020204" pitchFamily="34" charset="0"/>
-              <a:buChar char="•"/>
-            </a:pPr>
-            <a:r>
-              <a:rPr lang="en-US" dirty="0"/>
-              <a:t>Add API endpoints</a:t>
-            </a:r>
-            <a:br>
-              <a:rPr lang="en-US" dirty="0"/>
-            </a:br>
-            <a:endParaRPr lang="en-US" dirty="0"/>
+            <a:endParaRPr lang="en-US" sz="882" b="0" i="0" kern="1200" dirty="0">
+              <a:solidFill>
+                <a:schemeClr val="tx1"/>
+              </a:solidFill>
+              <a:effectLst/>
+              <a:latin typeface="Segoe UI Light" pitchFamily="34" charset="0"/>
+              <a:ea typeface="+mn-ea"/>
+              <a:cs typeface="+mn-cs"/>
+            </a:endParaRPr>
           </a:p>
         </p:txBody>
       </p:sp>
@@ -870,7 +812,7 @@
           <a:p>
             <a:fld id="{386CE63F-9E7F-4C04-9D0D-FCA25A8E9E86}" type="datetime8">
               <a:rPr lang="en-US" smtClean="0"/>
-              <a:t>9/17/2019 12:50 PM</a:t>
+              <a:t>1/31/2020 1:35 PM</a:t>
             </a:fld>
             <a:endParaRPr lang="en-US" dirty="0"/>
           </a:p>
@@ -903,7 +845,7 @@
     </p:spTree>
     <p:extLst>
       <p:ext uri="{BB962C8B-B14F-4D97-AF65-F5344CB8AC3E}">
-        <p14:creationId xmlns:p14="http://schemas.microsoft.com/office/powerpoint/2010/main" val="3891413874"/>
+        <p14:creationId xmlns:p14="http://schemas.microsoft.com/office/powerpoint/2010/main" val="1491814872"/>
       </p:ext>
     </p:extLst>
   </p:cSld>
@@ -957,31 +899,39 @@
           <a:bodyPr/>
           <a:lstStyle/>
           <a:p>
+            <a:endParaRPr lang="en-US" sz="882" b="0" i="0" kern="1200" dirty="0">
+              <a:solidFill>
+                <a:schemeClr val="tx1"/>
+              </a:solidFill>
+              <a:effectLst/>
+              <a:latin typeface="Segoe UI Light" pitchFamily="34" charset="0"/>
+              <a:ea typeface="+mn-ea"/>
+              <a:cs typeface="+mn-cs"/>
+            </a:endParaRPr>
+          </a:p>
+        </p:txBody>
+      </p:sp>
+      <p:sp>
+        <p:nvSpPr>
+          <p:cNvPr id="4" name="Header Placeholder 3"/>
+          <p:cNvSpPr>
+            <a:spLocks noGrp="1"/>
+          </p:cNvSpPr>
+          <p:nvPr>
+            <p:ph type="hdr" sz="quarter"/>
+          </p:nvPr>
+        </p:nvSpPr>
+        <p:spPr/>
+        <p:txBody>
+          <a:bodyPr/>
+          <a:lstStyle/>
+          <a:p>
             <a:endParaRPr lang="en-US" dirty="0"/>
           </a:p>
         </p:txBody>
       </p:sp>
       <p:sp>
         <p:nvSpPr>
-          <p:cNvPr id="4" name="Header Placeholder 3"/>
-          <p:cNvSpPr>
-            <a:spLocks noGrp="1"/>
-          </p:cNvSpPr>
-          <p:nvPr>
-            <p:ph type="hdr" sz="quarter"/>
-          </p:nvPr>
-        </p:nvSpPr>
-        <p:spPr/>
-        <p:txBody>
-          <a:bodyPr/>
-          <a:lstStyle/>
-          <a:p>
-            <a:endParaRPr lang="en-US"/>
-          </a:p>
-        </p:txBody>
-      </p:sp>
-      <p:sp>
-        <p:nvSpPr>
           <p:cNvPr id="5" name="Footer Placeholder 4"/>
           <p:cNvSpPr>
             <a:spLocks noGrp="1"/>
@@ -997,7 +947,7 @@
           <a:p>
             <a:pPr defTabSz="914099" eaLnBrk="0" hangingPunct="0"/>
             <a:r>
-              <a:rPr lang="en-US" sz="400">
+              <a:rPr lang="en-US" sz="400" dirty="0">
                 <a:gradFill>
                   <a:gsLst>
                     <a:gs pos="0">
@@ -1035,9 +985,9 @@
           <a:p>
             <a:fld id="{386CE63F-9E7F-4C04-9D0D-FCA25A8E9E86}" type="datetime8">
               <a:rPr lang="en-US" smtClean="0"/>
-              <a:t>9/17/2019 12:50 PM</a:t>
+              <a:t>1/31/2020 1:35 PM</a:t>
             </a:fld>
-            <a:endParaRPr lang="en-US"/>
+            <a:endParaRPr lang="en-US" dirty="0"/>
           </a:p>
         </p:txBody>
       </p:sp>
@@ -1061,14 +1011,14 @@
               <a:pPr/>
               <a:t>13</a:t>
             </a:fld>
-            <a:endParaRPr lang="en-US"/>
+            <a:endParaRPr lang="en-US" dirty="0"/>
           </a:p>
         </p:txBody>
       </p:sp>
     </p:spTree>
     <p:extLst>
       <p:ext uri="{BB962C8B-B14F-4D97-AF65-F5344CB8AC3E}">
-        <p14:creationId xmlns:p14="http://schemas.microsoft.com/office/powerpoint/2010/main" val="2027244350"/>
+        <p14:creationId xmlns:p14="http://schemas.microsoft.com/office/powerpoint/2010/main" val="3703823651"/>
       </p:ext>
     </p:extLst>
   </p:cSld>
@@ -1122,10 +1072,6 @@
           <a:bodyPr/>
           <a:lstStyle/>
           <a:p>
-            <a:pPr marL="171450" indent="-171450">
-              <a:buFont typeface="Arial" panose="020B0604020202020204" pitchFamily="34" charset="0"/>
-              <a:buChar char="•"/>
-            </a:pPr>
             <a:endParaRPr lang="en-US" sz="882" b="0" i="0" kern="1200" dirty="0">
               <a:solidFill>
                 <a:schemeClr val="tx1"/>
@@ -1153,7 +1099,7 @@
           <a:bodyPr/>
           <a:lstStyle/>
           <a:p>
-            <a:endParaRPr lang="en-US"/>
+            <a:endParaRPr lang="en-US" dirty="0"/>
           </a:p>
         </p:txBody>
       </p:sp>
@@ -1174,7 +1120,7 @@
           <a:p>
             <a:pPr defTabSz="914099" eaLnBrk="0" hangingPunct="0"/>
             <a:r>
-              <a:rPr lang="en-US" sz="400">
+              <a:rPr lang="en-US" sz="400" dirty="0">
                 <a:gradFill>
                   <a:gsLst>
                     <a:gs pos="0">
@@ -1212,9 +1158,9 @@
           <a:p>
             <a:fld id="{386CE63F-9E7F-4C04-9D0D-FCA25A8E9E86}" type="datetime8">
               <a:rPr lang="en-US" smtClean="0"/>
-              <a:t>9/17/2019 12:50 PM</a:t>
+              <a:t>1/31/2020 1:35 PM</a:t>
             </a:fld>
-            <a:endParaRPr lang="en-US"/>
+            <a:endParaRPr lang="en-US" dirty="0"/>
           </a:p>
         </p:txBody>
       </p:sp>
@@ -1238,14 +1184,14 @@
               <a:pPr/>
               <a:t>14</a:t>
             </a:fld>
-            <a:endParaRPr lang="en-US"/>
+            <a:endParaRPr lang="en-US" dirty="0"/>
           </a:p>
         </p:txBody>
       </p:sp>
     </p:spTree>
     <p:extLst>
       <p:ext uri="{BB962C8B-B14F-4D97-AF65-F5344CB8AC3E}">
-        <p14:creationId xmlns:p14="http://schemas.microsoft.com/office/powerpoint/2010/main" val="3024714810"/>
+        <p14:creationId xmlns:p14="http://schemas.microsoft.com/office/powerpoint/2010/main" val="3413265991"/>
       </p:ext>
     </p:extLst>
   </p:cSld>
@@ -1299,72 +1245,101 @@
           <a:bodyPr/>
           <a:lstStyle/>
           <a:p>
-            <a:r>
-              <a:rPr lang="en-US" sz="1200" kern="1200" dirty="0">
-                <a:solidFill>
-                  <a:schemeClr val="tx1"/>
-                </a:solidFill>
-                <a:effectLst/>
-                <a:latin typeface="+mn-lt"/>
-                <a:ea typeface="+mn-ea"/>
-                <a:cs typeface="+mn-cs"/>
+            <a:endParaRPr lang="en-US" sz="882" b="0" i="0" kern="1200" dirty="0">
+              <a:solidFill>
+                <a:schemeClr val="tx1"/>
+              </a:solidFill>
+              <a:effectLst/>
+              <a:latin typeface="Segoe UI Light" pitchFamily="34" charset="0"/>
+              <a:ea typeface="+mn-ea"/>
+              <a:cs typeface="+mn-cs"/>
+            </a:endParaRPr>
+          </a:p>
+        </p:txBody>
+      </p:sp>
+      <p:sp>
+        <p:nvSpPr>
+          <p:cNvPr id="4" name="Header Placeholder 3"/>
+          <p:cNvSpPr>
+            <a:spLocks noGrp="1"/>
+          </p:cNvSpPr>
+          <p:nvPr>
+            <p:ph type="hdr" sz="quarter"/>
+          </p:nvPr>
+        </p:nvSpPr>
+        <p:spPr/>
+        <p:txBody>
+          <a:bodyPr/>
+          <a:lstStyle/>
+          <a:p>
+            <a:endParaRPr lang="en-US" dirty="0"/>
+          </a:p>
+        </p:txBody>
+      </p:sp>
+      <p:sp>
+        <p:nvSpPr>
+          <p:cNvPr id="5" name="Footer Placeholder 4"/>
+          <p:cNvSpPr>
+            <a:spLocks noGrp="1"/>
+          </p:cNvSpPr>
+          <p:nvPr>
+            <p:ph type="ftr" sz="quarter" idx="4"/>
+          </p:nvPr>
+        </p:nvSpPr>
+        <p:spPr/>
+        <p:txBody>
+          <a:bodyPr/>
+          <a:lstStyle/>
+          <a:p>
+            <a:pPr defTabSz="914099" eaLnBrk="0" hangingPunct="0"/>
+            <a:r>
+              <a:rPr lang="en-US" sz="400" dirty="0">
+                <a:gradFill>
+                  <a:gsLst>
+                    <a:gs pos="0">
+                      <a:prstClr val="black"/>
+                    </a:gs>
+                    <a:gs pos="100000">
+                      <a:prstClr val="black"/>
+                    </a:gs>
+                  </a:gsLst>
+                  <a:lin ang="5400000" scaled="0"/>
+                </a:gradFill>
+                <a:latin typeface="Segoe UI" pitchFamily="34" charset="0"/>
+                <a:ea typeface="Segoe UI" pitchFamily="34" charset="0"/>
+                <a:cs typeface="Segoe UI" pitchFamily="34" charset="0"/>
               </a:rPr>
-              <a:t>This revision of the course does not ship with demo instructions. For each demo, you will be given a list of specific tasks you should demonstrate to your students. The flow, content and structure of your demo is left to you to decide as an instructor.</a:t>
-            </a:r>
-          </a:p>
-          <a:p>
-            <a:r>
-              <a:rPr lang="en-US" sz="1200" kern="1200" dirty="0">
-                <a:solidFill>
-                  <a:schemeClr val="tx1"/>
-                </a:solidFill>
-                <a:effectLst/>
-                <a:latin typeface="+mn-lt"/>
-                <a:ea typeface="+mn-ea"/>
-                <a:cs typeface="+mn-cs"/>
-              </a:rPr>
-              <a:t> </a:t>
-            </a:r>
-          </a:p>
-          <a:p>
-            <a:r>
-              <a:rPr lang="en-US" sz="1200" kern="1200" dirty="0">
-                <a:solidFill>
-                  <a:schemeClr val="tx1"/>
-                </a:solidFill>
-                <a:effectLst/>
-                <a:latin typeface="+mn-lt"/>
-                <a:ea typeface="+mn-ea"/>
-                <a:cs typeface="+mn-cs"/>
-              </a:rPr>
-              <a:t>In this demo, you should show students how to:</a:t>
-            </a:r>
-          </a:p>
-          <a:p>
-            <a:pPr marL="171450" indent="-171450">
-              <a:buFont typeface="Arial" panose="020B0604020202020204" pitchFamily="34" charset="0"/>
-              <a:buChar char="•"/>
-            </a:pPr>
-            <a:r>
-              <a:rPr lang="en-US" dirty="0"/>
-              <a:t>Use the Azure Storage SDK for .NET to create and validate tables in Azure Storage</a:t>
-            </a:r>
-          </a:p>
-          <a:p>
-            <a:pPr marL="171450" indent="-171450">
-              <a:buFont typeface="Arial" panose="020B0604020202020204" pitchFamily="34" charset="0"/>
-              <a:buChar char="•"/>
-            </a:pPr>
-            <a:r>
-              <a:rPr lang="en-US" dirty="0"/>
-              <a:t>Manage the table by creating, querying and deleting table entities using the Azure Storage SDK for .NET</a:t>
-            </a:r>
-          </a:p>
-        </p:txBody>
-      </p:sp>
-      <p:sp>
-        <p:nvSpPr>
-          <p:cNvPr id="4" name="Slide Number Placeholder 3"/>
+              <a:t>© Microsoft Corporation. All rights reserved. MICROSOFT MAKES NO WARRANTIES, EXPRESS, IMPLIED OR STATUTORY, AS TO THE INFORMATION IN THIS PRESENTATION.</a:t>
+            </a:r>
+          </a:p>
+        </p:txBody>
+      </p:sp>
+      <p:sp>
+        <p:nvSpPr>
+          <p:cNvPr id="6" name="Date Placeholder 5"/>
+          <p:cNvSpPr>
+            <a:spLocks noGrp="1"/>
+          </p:cNvSpPr>
+          <p:nvPr>
+            <p:ph type="dt" idx="1"/>
+          </p:nvPr>
+        </p:nvSpPr>
+        <p:spPr/>
+        <p:txBody>
+          <a:bodyPr/>
+          <a:lstStyle/>
+          <a:p>
+            <a:fld id="{386CE63F-9E7F-4C04-9D0D-FCA25A8E9E86}" type="datetime8">
+              <a:rPr lang="en-US" smtClean="0"/>
+              <a:t>1/31/2020 1:35 PM</a:t>
+            </a:fld>
+            <a:endParaRPr lang="en-US" dirty="0"/>
+          </a:p>
+        </p:txBody>
+      </p:sp>
+      <p:sp>
+        <p:nvSpPr>
+          <p:cNvPr id="7" name="Slide Number Placeholder 6"/>
           <p:cNvSpPr>
             <a:spLocks noGrp="1"/>
           </p:cNvSpPr>
@@ -1377,8 +1352,9 @@
           <a:bodyPr/>
           <a:lstStyle/>
           <a:p>
-            <a:fld id="{C36DE848-917B-4977-8FFB-D5973E30E536}" type="slidenum">
+            <a:fld id="{B4008EB6-D09E-4580-8CD6-DDB14511944F}" type="slidenum">
               <a:rPr lang="en-US" smtClean="0"/>
+              <a:pPr/>
               <a:t>15</a:t>
             </a:fld>
             <a:endParaRPr lang="en-US" dirty="0"/>
@@ -1388,7 +1364,7 @@
     </p:spTree>
     <p:extLst>
       <p:ext uri="{BB962C8B-B14F-4D97-AF65-F5344CB8AC3E}">
-        <p14:creationId xmlns:p14="http://schemas.microsoft.com/office/powerpoint/2010/main" val="2709600508"/>
+        <p14:creationId xmlns:p14="http://schemas.microsoft.com/office/powerpoint/2010/main" val="2433567656"/>
       </p:ext>
     </p:extLst>
   </p:cSld>
@@ -1442,82 +1418,93 @@
           <a:bodyPr/>
           <a:lstStyle/>
           <a:p>
-            <a:r>
-              <a:rPr lang="en-US" sz="1200" kern="1200" dirty="0">
-                <a:solidFill>
-                  <a:schemeClr val="tx1"/>
-                </a:solidFill>
-                <a:effectLst/>
-                <a:latin typeface="+mn-lt"/>
-                <a:ea typeface="+mn-ea"/>
-                <a:cs typeface="+mn-cs"/>
+            <a:endParaRPr lang="en-US" dirty="0"/>
+          </a:p>
+        </p:txBody>
+      </p:sp>
+      <p:sp>
+        <p:nvSpPr>
+          <p:cNvPr id="4" name="Header Placeholder 3"/>
+          <p:cNvSpPr>
+            <a:spLocks noGrp="1"/>
+          </p:cNvSpPr>
+          <p:nvPr>
+            <p:ph type="hdr" sz="quarter"/>
+          </p:nvPr>
+        </p:nvSpPr>
+        <p:spPr/>
+        <p:txBody>
+          <a:bodyPr/>
+          <a:lstStyle/>
+          <a:p>
+            <a:endParaRPr lang="en-US"/>
+          </a:p>
+        </p:txBody>
+      </p:sp>
+      <p:sp>
+        <p:nvSpPr>
+          <p:cNvPr id="5" name="Footer Placeholder 4"/>
+          <p:cNvSpPr>
+            <a:spLocks noGrp="1"/>
+          </p:cNvSpPr>
+          <p:nvPr>
+            <p:ph type="ftr" sz="quarter" idx="4"/>
+          </p:nvPr>
+        </p:nvSpPr>
+        <p:spPr/>
+        <p:txBody>
+          <a:bodyPr/>
+          <a:lstStyle/>
+          <a:p>
+            <a:pPr defTabSz="914099" eaLnBrk="0" hangingPunct="0"/>
+            <a:r>
+              <a:rPr lang="en-US" sz="400">
+                <a:gradFill>
+                  <a:gsLst>
+                    <a:gs pos="0">
+                      <a:prstClr val="black"/>
+                    </a:gs>
+                    <a:gs pos="100000">
+                      <a:prstClr val="black"/>
+                    </a:gs>
+                  </a:gsLst>
+                  <a:lin ang="5400000" scaled="0"/>
+                </a:gradFill>
+                <a:latin typeface="Segoe UI" pitchFamily="34" charset="0"/>
+                <a:ea typeface="Segoe UI" pitchFamily="34" charset="0"/>
+                <a:cs typeface="Segoe UI" pitchFamily="34" charset="0"/>
               </a:rPr>
-              <a:t>This revision of the course does not ship with demo instructions. For each demo, you will be given a list of specific tasks you should demonstrate to your students. The flow, content and structure of your demo is left to you to decide as an instructor.</a:t>
-            </a:r>
-          </a:p>
-          <a:p>
-            <a:r>
-              <a:rPr lang="en-US" sz="1200" kern="1200" dirty="0">
-                <a:solidFill>
-                  <a:schemeClr val="tx1"/>
-                </a:solidFill>
-                <a:effectLst/>
-                <a:latin typeface="+mn-lt"/>
-                <a:ea typeface="+mn-ea"/>
-                <a:cs typeface="+mn-cs"/>
-              </a:rPr>
-              <a:t> </a:t>
-            </a:r>
-          </a:p>
-          <a:p>
-            <a:r>
-              <a:rPr lang="en-US" sz="1200" kern="1200" dirty="0">
-                <a:solidFill>
-                  <a:schemeClr val="tx1"/>
-                </a:solidFill>
-                <a:effectLst/>
-                <a:latin typeface="+mn-lt"/>
-                <a:ea typeface="+mn-ea"/>
-                <a:cs typeface="+mn-cs"/>
-              </a:rPr>
-              <a:t>In this demo, you should show students how to:</a:t>
-            </a:r>
-          </a:p>
-          <a:p>
-            <a:pPr marL="171450" indent="-171450">
-              <a:buFont typeface="Arial" panose="020B0604020202020204" pitchFamily="34" charset="0"/>
-              <a:buChar char="•"/>
-            </a:pPr>
-            <a:r>
-              <a:rPr lang="en-US" dirty="0"/>
-              <a:t>Create a new SQL Server instance using the portal.</a:t>
-            </a:r>
-          </a:p>
-          <a:p>
-            <a:pPr marL="171450" indent="-171450">
-              <a:buFont typeface="Arial" panose="020B0604020202020204" pitchFamily="34" charset="0"/>
-              <a:buChar char="•"/>
-            </a:pPr>
-            <a:r>
-              <a:rPr lang="en-US" dirty="0"/>
-              <a:t>Create a new SQL database instance using the portal and the existing server.</a:t>
-            </a:r>
-          </a:p>
-          <a:p>
-            <a:pPr marL="171450" indent="-171450">
-              <a:buFont typeface="Arial" panose="020B0604020202020204" pitchFamily="34" charset="0"/>
-              <a:buChar char="•"/>
-            </a:pPr>
-            <a:r>
-              <a:rPr lang="en-US" dirty="0"/>
-              <a:t>Query the SQL database instances using the Azure CLI.</a:t>
-            </a:r>
-          </a:p>
-        </p:txBody>
-      </p:sp>
-      <p:sp>
-        <p:nvSpPr>
-          <p:cNvPr id="4" name="Slide Number Placeholder 3"/>
+              <a:t>© Microsoft Corporation. All rights reserved. MICROSOFT MAKES NO WARRANTIES, EXPRESS, IMPLIED OR STATUTORY, AS TO THE INFORMATION IN THIS PRESENTATION.</a:t>
+            </a:r>
+          </a:p>
+        </p:txBody>
+      </p:sp>
+      <p:sp>
+        <p:nvSpPr>
+          <p:cNvPr id="6" name="Date Placeholder 5"/>
+          <p:cNvSpPr>
+            <a:spLocks noGrp="1"/>
+          </p:cNvSpPr>
+          <p:nvPr>
+            <p:ph type="dt" idx="1"/>
+          </p:nvPr>
+        </p:nvSpPr>
+        <p:spPr/>
+        <p:txBody>
+          <a:bodyPr/>
+          <a:lstStyle/>
+          <a:p>
+            <a:fld id="{386CE63F-9E7F-4C04-9D0D-FCA25A8E9E86}" type="datetime8">
+              <a:rPr lang="en-US" smtClean="0"/>
+              <a:t>1/31/2020 2:10 PM</a:t>
+            </a:fld>
+            <a:endParaRPr lang="en-US"/>
+          </a:p>
+        </p:txBody>
+      </p:sp>
+      <p:sp>
+        <p:nvSpPr>
+          <p:cNvPr id="7" name="Slide Number Placeholder 6"/>
           <p:cNvSpPr>
             <a:spLocks noGrp="1"/>
           </p:cNvSpPr>
@@ -1530,8 +1517,9 @@
           <a:bodyPr/>
           <a:lstStyle/>
           <a:p>
-            <a:fld id="{C36DE848-917B-4977-8FFB-D5973E30E536}" type="slidenum">
+            <a:fld id="{B4008EB6-D09E-4580-8CD6-DDB14511944F}" type="slidenum">
               <a:rPr lang="en-US" smtClean="0"/>
+              <a:pPr/>
               <a:t>16</a:t>
             </a:fld>
             <a:endParaRPr lang="en-US"/>
@@ -1541,7 +1529,7 @@
     </p:spTree>
     <p:extLst>
       <p:ext uri="{BB962C8B-B14F-4D97-AF65-F5344CB8AC3E}">
-        <p14:creationId xmlns:p14="http://schemas.microsoft.com/office/powerpoint/2010/main" val="1390199000"/>
+        <p14:creationId xmlns:p14="http://schemas.microsoft.com/office/powerpoint/2010/main" val="3854430924"/>
       </p:ext>
     </p:extLst>
   </p:cSld>
@@ -1595,59 +1583,93 @@
           <a:bodyPr/>
           <a:lstStyle/>
           <a:p>
-            <a:r>
-              <a:rPr lang="en-US" sz="1200" kern="1200" dirty="0">
-                <a:solidFill>
-                  <a:schemeClr val="tx1"/>
-                </a:solidFill>
-                <a:effectLst/>
-                <a:latin typeface="+mn-lt"/>
-                <a:ea typeface="+mn-ea"/>
-                <a:cs typeface="+mn-cs"/>
+            <a:endParaRPr lang="en-US" dirty="0"/>
+          </a:p>
+        </p:txBody>
+      </p:sp>
+      <p:sp>
+        <p:nvSpPr>
+          <p:cNvPr id="4" name="Header Placeholder 3"/>
+          <p:cNvSpPr>
+            <a:spLocks noGrp="1"/>
+          </p:cNvSpPr>
+          <p:nvPr>
+            <p:ph type="hdr" sz="quarter"/>
+          </p:nvPr>
+        </p:nvSpPr>
+        <p:spPr/>
+        <p:txBody>
+          <a:bodyPr/>
+          <a:lstStyle/>
+          <a:p>
+            <a:endParaRPr lang="en-US"/>
+          </a:p>
+        </p:txBody>
+      </p:sp>
+      <p:sp>
+        <p:nvSpPr>
+          <p:cNvPr id="5" name="Footer Placeholder 4"/>
+          <p:cNvSpPr>
+            <a:spLocks noGrp="1"/>
+          </p:cNvSpPr>
+          <p:nvPr>
+            <p:ph type="ftr" sz="quarter" idx="4"/>
+          </p:nvPr>
+        </p:nvSpPr>
+        <p:spPr/>
+        <p:txBody>
+          <a:bodyPr/>
+          <a:lstStyle/>
+          <a:p>
+            <a:pPr defTabSz="914099" eaLnBrk="0" hangingPunct="0"/>
+            <a:r>
+              <a:rPr lang="en-US" sz="400">
+                <a:gradFill>
+                  <a:gsLst>
+                    <a:gs pos="0">
+                      <a:prstClr val="black"/>
+                    </a:gs>
+                    <a:gs pos="100000">
+                      <a:prstClr val="black"/>
+                    </a:gs>
+                  </a:gsLst>
+                  <a:lin ang="5400000" scaled="0"/>
+                </a:gradFill>
+                <a:latin typeface="Segoe UI" pitchFamily="34" charset="0"/>
+                <a:ea typeface="Segoe UI" pitchFamily="34" charset="0"/>
+                <a:cs typeface="Segoe UI" pitchFamily="34" charset="0"/>
               </a:rPr>
-              <a:t>This revision of the course does not ship with demo instructions. For each demo, you will be given a list of specific tasks you should demonstrate to your students. The flow, content and structure of your demo is left to you to decide as an instructor.</a:t>
-            </a:r>
-          </a:p>
-          <a:p>
-            <a:r>
-              <a:rPr lang="en-US" sz="1200" kern="1200" dirty="0">
-                <a:solidFill>
-                  <a:schemeClr val="tx1"/>
-                </a:solidFill>
-                <a:effectLst/>
-                <a:latin typeface="+mn-lt"/>
-                <a:ea typeface="+mn-ea"/>
-                <a:cs typeface="+mn-cs"/>
-              </a:rPr>
-              <a:t> </a:t>
-            </a:r>
-          </a:p>
-          <a:p>
-            <a:r>
-              <a:rPr lang="en-US" sz="1200" kern="1200" dirty="0">
-                <a:solidFill>
-                  <a:schemeClr val="tx1"/>
-                </a:solidFill>
-                <a:effectLst/>
-                <a:latin typeface="+mn-lt"/>
-                <a:ea typeface="+mn-ea"/>
-                <a:cs typeface="+mn-cs"/>
-              </a:rPr>
-              <a:t>In this demo, you should show students how to:</a:t>
-            </a:r>
-          </a:p>
-          <a:p>
-            <a:pPr marL="171450" indent="-171450">
-              <a:buFont typeface="Arial" panose="020B0604020202020204" pitchFamily="34" charset="0"/>
-              <a:buChar char="•"/>
-            </a:pPr>
-            <a:endParaRPr lang="en-US" dirty="0"/>
-          </a:p>
-        </p:txBody>
-      </p:sp>
-      <p:sp>
-        <p:nvSpPr>
-          <p:cNvPr id="4" name="Slide Number Placeholder 3"/>
+              <a:t>© Microsoft Corporation. All rights reserved. MICROSOFT MAKES NO WARRANTIES, EXPRESS, IMPLIED OR STATUTORY, AS TO THE INFORMATION IN THIS PRESENTATION.</a:t>
+            </a:r>
+          </a:p>
+        </p:txBody>
+      </p:sp>
+      <p:sp>
+        <p:nvSpPr>
+          <p:cNvPr id="6" name="Date Placeholder 5"/>
+          <p:cNvSpPr>
+            <a:spLocks noGrp="1"/>
+          </p:cNvSpPr>
+          <p:nvPr>
+            <p:ph type="dt" idx="1"/>
+          </p:nvPr>
+        </p:nvSpPr>
+        <p:spPr/>
+        <p:txBody>
+          <a:bodyPr/>
+          <a:lstStyle/>
+          <a:p>
+            <a:fld id="{386CE63F-9E7F-4C04-9D0D-FCA25A8E9E86}" type="datetime8">
+              <a:rPr lang="en-US" smtClean="0"/>
+              <a:t>1/31/2020 1:35 PM</a:t>
+            </a:fld>
+            <a:endParaRPr lang="en-US"/>
+          </a:p>
+        </p:txBody>
+      </p:sp>
+      <p:sp>
+        <p:nvSpPr>
+          <p:cNvPr id="7" name="Slide Number Placeholder 6"/>
           <p:cNvSpPr>
             <a:spLocks noGrp="1"/>
           </p:cNvSpPr>
@@ -1660,8 +1682,9 @@
           <a:bodyPr/>
           <a:lstStyle/>
           <a:p>
-            <a:fld id="{C36DE848-917B-4977-8FFB-D5973E30E536}" type="slidenum">
+            <a:fld id="{B4008EB6-D09E-4580-8CD6-DDB14511944F}" type="slidenum">
               <a:rPr lang="en-US" smtClean="0"/>
+              <a:pPr/>
               <a:t>17</a:t>
             </a:fld>
             <a:endParaRPr lang="en-US"/>
@@ -1671,7 +1694,7 @@
     </p:spTree>
     <p:extLst>
       <p:ext uri="{BB962C8B-B14F-4D97-AF65-F5344CB8AC3E}">
-        <p14:creationId xmlns:p14="http://schemas.microsoft.com/office/powerpoint/2010/main" val="470786286"/>
+        <p14:creationId xmlns:p14="http://schemas.microsoft.com/office/powerpoint/2010/main" val="1672194018"/>
       </p:ext>
     </p:extLst>
   </p:cSld>
@@ -1725,6 +1748,52 @@
           <a:bodyPr/>
           <a:lstStyle/>
           <a:p>
+            <a:pPr marL="0" marR="0" lvl="0" indent="0" algn="l" defTabSz="914367" rtl="0" eaLnBrk="1" fontAlgn="auto" latinLnBrk="0" hangingPunct="1">
+              <a:lnSpc>
+                <a:spcPct val="90000"/>
+              </a:lnSpc>
+              <a:spcBef>
+                <a:spcPts val="0"/>
+              </a:spcBef>
+              <a:spcAft>
+                <a:spcPts val="333"/>
+              </a:spcAft>
+              <a:buClrTx/>
+              <a:buSzTx/>
+              <a:buFontTx/>
+              <a:buNone/>
+              <a:tabLst/>
+              <a:defRPr/>
+            </a:pPr>
+            <a:r>
+              <a:rPr lang="en-US" sz="882" b="0" i="1" kern="1200" dirty="0">
+                <a:solidFill>
+                  <a:schemeClr val="tx1"/>
+                </a:solidFill>
+                <a:effectLst/>
+                <a:latin typeface="Segoe UI Light" pitchFamily="34" charset="0"/>
+                <a:ea typeface="+mn-ea"/>
+                <a:cs typeface="+mn-cs"/>
+              </a:rPr>
+              <a:t>API Management provides the core competencies to ensure a successful API program through developer engagement, business insights, analytics, security, and protection. APIM enables you to create and manage modern API gateways for existing back-end services hosted anywhere.</a:t>
+            </a:r>
+            <a:endParaRPr lang="en-US" i="1" dirty="0"/>
+          </a:p>
+          <a:p>
+            <a:r>
+              <a:rPr lang="en-US" sz="1200" kern="1200" dirty="0">
+                <a:solidFill>
+                  <a:schemeClr val="tx1"/>
+                </a:solidFill>
+                <a:effectLst/>
+                <a:latin typeface="+mn-lt"/>
+                <a:ea typeface="+mn-ea"/>
+                <a:cs typeface="+mn-cs"/>
+              </a:rPr>
+              <a:t> </a:t>
+            </a:r>
+          </a:p>
+          <a:p>
             <a:r>
               <a:rPr lang="en-US" sz="1200" kern="1200" dirty="0">
                 <a:solidFill>
@@ -1767,17 +1836,123 @@
             </a:r>
           </a:p>
           <a:p>
+            <a:pPr marL="171450" marR="0" lvl="0" indent="-171450" algn="l" defTabSz="914400" rtl="0" eaLnBrk="1" fontAlgn="auto" latinLnBrk="0" hangingPunct="1">
+              <a:lnSpc>
+                <a:spcPct val="100000"/>
+              </a:lnSpc>
+              <a:spcBef>
+                <a:spcPts val="0"/>
+              </a:spcBef>
+              <a:spcAft>
+                <a:spcPts val="0"/>
+              </a:spcAft>
+              <a:buClrTx/>
+              <a:buSzTx/>
+              <a:buFont typeface="Arial" panose="020B0604020202020204" pitchFamily="34" charset="0"/>
+              <a:buChar char="•"/>
+              <a:tabLst/>
+              <a:defRPr/>
+            </a:pPr>
+            <a:r>
+              <a:rPr lang="en-US" dirty="0"/>
+              <a:t>Create a new API Management instance</a:t>
+            </a:r>
+          </a:p>
+          <a:p>
             <a:pPr marL="171450" indent="-171450">
               <a:buFont typeface="Arial" panose="020B0604020202020204" pitchFamily="34" charset="0"/>
               <a:buChar char="•"/>
             </a:pPr>
+            <a:r>
+              <a:rPr lang="en-US" dirty="0"/>
+              <a:t>Observe the developer and publisher portals</a:t>
+            </a:r>
+          </a:p>
+        </p:txBody>
+      </p:sp>
+      <p:sp>
+        <p:nvSpPr>
+          <p:cNvPr id="4" name="Header Placeholder 3"/>
+          <p:cNvSpPr>
+            <a:spLocks noGrp="1"/>
+          </p:cNvSpPr>
+          <p:nvPr>
+            <p:ph type="hdr" sz="quarter"/>
+          </p:nvPr>
+        </p:nvSpPr>
+        <p:spPr/>
+        <p:txBody>
+          <a:bodyPr/>
+          <a:lstStyle/>
+          <a:p>
             <a:endParaRPr lang="en-US" dirty="0"/>
           </a:p>
         </p:txBody>
       </p:sp>
       <p:sp>
         <p:nvSpPr>
-          <p:cNvPr id="4" name="Slide Number Placeholder 3"/>
+          <p:cNvPr id="5" name="Footer Placeholder 4"/>
+          <p:cNvSpPr>
+            <a:spLocks noGrp="1"/>
+          </p:cNvSpPr>
+          <p:nvPr>
+            <p:ph type="ftr" sz="quarter" idx="4"/>
+          </p:nvPr>
+        </p:nvSpPr>
+        <p:spPr/>
+        <p:txBody>
+          <a:bodyPr/>
+          <a:lstStyle/>
+          <a:p>
+            <a:pPr defTabSz="914099" eaLnBrk="0" hangingPunct="0"/>
+            <a:r>
+              <a:rPr lang="en-US" sz="400" dirty="0">
+                <a:gradFill>
+                  <a:gsLst>
+                    <a:gs pos="0">
+                      <a:prstClr val="black"/>
+                    </a:gs>
+                    <a:gs pos="100000">
+                      <a:prstClr val="black"/>
+                    </a:gs>
+                  </a:gsLst>
+                  <a:lin ang="5400000" scaled="0"/>
+                </a:gradFill>
+                <a:latin typeface="Segoe UI" pitchFamily="34" charset="0"/>
+                <a:ea typeface="Segoe UI" pitchFamily="34" charset="0"/>
+                <a:cs typeface="Segoe UI" pitchFamily="34" charset="0"/>
+              </a:rPr>
+              <a:t>© Microsoft Corporation. All rights reserved. MICROSOFT MAKES NO WARRANTIES, EXPRESS, IMPLIED OR STATUTORY, AS TO THE INFORMATION IN THIS PRESENTATION.</a:t>
+            </a:r>
+          </a:p>
+        </p:txBody>
+      </p:sp>
+      <p:sp>
+        <p:nvSpPr>
+          <p:cNvPr id="6" name="Date Placeholder 5"/>
+          <p:cNvSpPr>
+            <a:spLocks noGrp="1"/>
+          </p:cNvSpPr>
+          <p:nvPr>
+            <p:ph type="dt" idx="1"/>
+          </p:nvPr>
+        </p:nvSpPr>
+        <p:spPr/>
+        <p:txBody>
+          <a:bodyPr/>
+          <a:lstStyle/>
+          <a:p>
+            <a:fld id="{386CE63F-9E7F-4C04-9D0D-FCA25A8E9E86}" type="datetime8">
+              <a:rPr lang="en-US" smtClean="0"/>
+              <a:t>1/31/2020 2:12 PM</a:t>
+            </a:fld>
+            <a:endParaRPr lang="en-US" dirty="0"/>
+          </a:p>
+        </p:txBody>
+      </p:sp>
+      <p:sp>
+        <p:nvSpPr>
+          <p:cNvPr id="7" name="Slide Number Placeholder 6"/>
           <p:cNvSpPr>
             <a:spLocks noGrp="1"/>
           </p:cNvSpPr>
@@ -1790,18 +1965,19 @@
           <a:bodyPr/>
           <a:lstStyle/>
           <a:p>
-            <a:fld id="{C36DE848-917B-4977-8FFB-D5973E30E536}" type="slidenum">
+            <a:fld id="{B4008EB6-D09E-4580-8CD6-DDB14511944F}" type="slidenum">
               <a:rPr lang="en-US" smtClean="0"/>
+              <a:pPr/>
               <a:t>18</a:t>
             </a:fld>
-            <a:endParaRPr lang="en-US"/>
+            <a:endParaRPr lang="en-US" dirty="0"/>
           </a:p>
         </p:txBody>
       </p:sp>
     </p:spTree>
     <p:extLst>
       <p:ext uri="{BB962C8B-B14F-4D97-AF65-F5344CB8AC3E}">
-        <p14:creationId xmlns:p14="http://schemas.microsoft.com/office/powerpoint/2010/main" val="3700663609"/>
+        <p14:creationId xmlns:p14="http://schemas.microsoft.com/office/powerpoint/2010/main" val="3900692679"/>
       </p:ext>
     </p:extLst>
   </p:cSld>
@@ -1856,6 +2032,34 @@
           <a:lstStyle/>
           <a:p>
             <a:r>
+              <a:rPr lang="en-US" sz="882" b="0" i="1" kern="1200" dirty="0">
+                <a:solidFill>
+                  <a:schemeClr val="tx1"/>
+                </a:solidFill>
+                <a:effectLst/>
+                <a:latin typeface="Segoe UI Light" pitchFamily="34" charset="0"/>
+                <a:ea typeface="+mn-ea"/>
+                <a:cs typeface="+mn-cs"/>
+              </a:rPr>
+              <a:t>This tutorial shows how to use the Azure portal to add an API manually to the API Management (APIM) instance that you created earlier. Mocking the API is a common scenario where you would want to create a blank API and define it manually.</a:t>
+            </a:r>
+          </a:p>
+          <a:p>
+            <a:r>
+              <a:rPr lang="en-US" sz="1200" kern="1200" dirty="0">
+                <a:solidFill>
+                  <a:schemeClr val="tx1"/>
+                </a:solidFill>
+                <a:effectLst/>
+                <a:latin typeface="+mn-lt"/>
+                <a:ea typeface="+mn-ea"/>
+                <a:cs typeface="+mn-cs"/>
+              </a:rPr>
+              <a:t> </a:t>
+            </a:r>
+          </a:p>
+          <a:p>
+            <a:r>
               <a:rPr lang="en-US" sz="1200" kern="1200" dirty="0">
                 <a:solidFill>
                   <a:schemeClr val="tx1"/>
@@ -1903,7 +2107,7 @@
             </a:pPr>
             <a:r>
               <a:rPr lang="en-US" dirty="0"/>
-              <a:t>Create a App Service plan resource.</a:t>
+              <a:t>Create a new blank API</a:t>
             </a:r>
           </a:p>
           <a:p>
@@ -1913,32 +2117,98 @@
             </a:pPr>
             <a:r>
               <a:rPr lang="en-US" dirty="0"/>
-              <a:t>Define a new custom metric using Application Insights.</a:t>
-            </a:r>
-          </a:p>
-          <a:p>
-            <a:pPr marL="171450" indent="-171450">
-              <a:buFont typeface="Arial" panose="020B0604020202020204" pitchFamily="34" charset="0"/>
-              <a:buChar char="•"/>
-            </a:pPr>
-            <a:r>
+              <a:t>Add API endpoints</a:t>
+            </a:r>
+            <a:br>
               <a:rPr lang="en-US" dirty="0"/>
-              <a:t>Create a new </a:t>
-            </a:r>
-            <a:r>
-              <a:rPr lang="en-US" dirty="0" err="1"/>
-              <a:t>autoscale</a:t>
-            </a:r>
-            <a:r>
-              <a:rPr lang="en-US" dirty="0"/>
-              <a:t> rule in the App Service plan using the custom metric as criteria.</a:t>
-            </a:r>
-          </a:p>
-        </p:txBody>
-      </p:sp>
-      <p:sp>
-        <p:nvSpPr>
-          <p:cNvPr id="4" name="Slide Number Placeholder 3"/>
+            </a:br>
+            <a:endParaRPr lang="en-US" dirty="0"/>
+          </a:p>
+        </p:txBody>
+      </p:sp>
+      <p:sp>
+        <p:nvSpPr>
+          <p:cNvPr id="4" name="Header Placeholder 3"/>
+          <p:cNvSpPr>
+            <a:spLocks noGrp="1"/>
+          </p:cNvSpPr>
+          <p:nvPr>
+            <p:ph type="hdr" sz="quarter"/>
+          </p:nvPr>
+        </p:nvSpPr>
+        <p:spPr/>
+        <p:txBody>
+          <a:bodyPr/>
+          <a:lstStyle/>
+          <a:p>
+            <a:endParaRPr lang="en-US" dirty="0"/>
+          </a:p>
+        </p:txBody>
+      </p:sp>
+      <p:sp>
+        <p:nvSpPr>
+          <p:cNvPr id="5" name="Footer Placeholder 4"/>
+          <p:cNvSpPr>
+            <a:spLocks noGrp="1"/>
+          </p:cNvSpPr>
+          <p:nvPr>
+            <p:ph type="ftr" sz="quarter" idx="4"/>
+          </p:nvPr>
+        </p:nvSpPr>
+        <p:spPr/>
+        <p:txBody>
+          <a:bodyPr/>
+          <a:lstStyle/>
+          <a:p>
+            <a:pPr defTabSz="914099" eaLnBrk="0" hangingPunct="0"/>
+            <a:r>
+              <a:rPr lang="en-US" sz="400" dirty="0">
+                <a:gradFill>
+                  <a:gsLst>
+                    <a:gs pos="0">
+                      <a:prstClr val="black"/>
+                    </a:gs>
+                    <a:gs pos="100000">
+                      <a:prstClr val="black"/>
+                    </a:gs>
+                  </a:gsLst>
+                  <a:lin ang="5400000" scaled="0"/>
+                </a:gradFill>
+                <a:latin typeface="Segoe UI" pitchFamily="34" charset="0"/>
+                <a:ea typeface="Segoe UI" pitchFamily="34" charset="0"/>
+                <a:cs typeface="Segoe UI" pitchFamily="34" charset="0"/>
+              </a:rPr>
+              <a:t>© Microsoft Corporation. All rights reserved. MICROSOFT MAKES NO WARRANTIES, EXPRESS, IMPLIED OR STATUTORY, AS TO THE INFORMATION IN THIS PRESENTATION.</a:t>
+            </a:r>
+          </a:p>
+        </p:txBody>
+      </p:sp>
+      <p:sp>
+        <p:nvSpPr>
+          <p:cNvPr id="6" name="Date Placeholder 5"/>
+          <p:cNvSpPr>
+            <a:spLocks noGrp="1"/>
+          </p:cNvSpPr>
+          <p:nvPr>
+            <p:ph type="dt" idx="1"/>
+          </p:nvPr>
+        </p:nvSpPr>
+        <p:spPr/>
+        <p:txBody>
+          <a:bodyPr/>
+          <a:lstStyle/>
+          <a:p>
+            <a:fld id="{386CE63F-9E7F-4C04-9D0D-FCA25A8E9E86}" type="datetime8">
+              <a:rPr lang="en-US" smtClean="0"/>
+              <a:t>1/31/2020 2:13 PM</a:t>
+            </a:fld>
+            <a:endParaRPr lang="en-US" dirty="0"/>
+          </a:p>
+        </p:txBody>
+      </p:sp>
+      <p:sp>
+        <p:nvSpPr>
+          <p:cNvPr id="7" name="Slide Number Placeholder 6"/>
           <p:cNvSpPr>
             <a:spLocks noGrp="1"/>
           </p:cNvSpPr>
@@ -1951,18 +2221,19 @@
           <a:bodyPr/>
           <a:lstStyle/>
           <a:p>
-            <a:fld id="{C36DE848-917B-4977-8FFB-D5973E30E536}" type="slidenum">
+            <a:fld id="{B4008EB6-D09E-4580-8CD6-DDB14511944F}" type="slidenum">
               <a:rPr lang="en-US" smtClean="0"/>
+              <a:pPr/>
               <a:t>19</a:t>
             </a:fld>
-            <a:endParaRPr lang="en-US"/>
+            <a:endParaRPr lang="en-US" dirty="0"/>
           </a:p>
         </p:txBody>
       </p:sp>
     </p:spTree>
     <p:extLst>
       <p:ext uri="{BB962C8B-B14F-4D97-AF65-F5344CB8AC3E}">
-        <p14:creationId xmlns:p14="http://schemas.microsoft.com/office/powerpoint/2010/main" val="61797639"/>
+        <p14:creationId xmlns:p14="http://schemas.microsoft.com/office/powerpoint/2010/main" val="3168064446"/>
       </p:ext>
     </p:extLst>
   </p:cSld>
@@ -2016,104 +2287,7 @@
           <a:bodyPr/>
           <a:lstStyle/>
           <a:p>
-            <a:r>
-              <a:rPr lang="en-US" sz="882" b="0" i="1" kern="1200" dirty="0">
-                <a:solidFill>
-                  <a:schemeClr val="tx1"/>
-                </a:solidFill>
-                <a:effectLst/>
-                <a:latin typeface="Segoe UI Light" pitchFamily="34" charset="0"/>
-                <a:ea typeface="+mn-ea"/>
-                <a:cs typeface="+mn-cs"/>
-              </a:rPr>
-              <a:t>We'll be creating a logic app that monitors a website's RSS feed and sends email for each new item posted on the site. </a:t>
-            </a:r>
-          </a:p>
-          <a:p>
-            <a:endParaRPr lang="en-US" sz="882" b="0" i="0" kern="1200" dirty="0">
-              <a:solidFill>
-                <a:schemeClr val="tx1"/>
-              </a:solidFill>
-              <a:effectLst/>
-              <a:latin typeface="Segoe UI Light" pitchFamily="34" charset="0"/>
-              <a:ea typeface="+mn-ea"/>
-              <a:cs typeface="+mn-cs"/>
-            </a:endParaRPr>
-          </a:p>
-          <a:p>
-            <a:r>
-              <a:rPr lang="en-US" sz="900" kern="1200" dirty="0">
-                <a:solidFill>
-                  <a:schemeClr val="tx1"/>
-                </a:solidFill>
-                <a:effectLst/>
-                <a:latin typeface="+mn-lt"/>
-                <a:ea typeface="+mn-ea"/>
-                <a:cs typeface="+mn-cs"/>
-              </a:rPr>
-              <a:t>This revision of the course does not ship with demo instructions. For each demo, you will be given a list of specific tasks you should demonstrate to your students. The flow, content and structure of your demo is left to you to decide as an instructor.</a:t>
-            </a:r>
-          </a:p>
-          <a:p>
-            <a:r>
-              <a:rPr lang="en-US" sz="900" kern="1200" dirty="0">
-                <a:solidFill>
-                  <a:schemeClr val="tx1"/>
-                </a:solidFill>
-                <a:effectLst/>
-                <a:latin typeface="+mn-lt"/>
-                <a:ea typeface="+mn-ea"/>
-                <a:cs typeface="+mn-cs"/>
-              </a:rPr>
-              <a:t> </a:t>
-            </a:r>
-          </a:p>
-          <a:p>
-            <a:r>
-              <a:rPr lang="en-US" sz="900" kern="1200" dirty="0">
-                <a:solidFill>
-                  <a:schemeClr val="tx1"/>
-                </a:solidFill>
-                <a:effectLst/>
-                <a:latin typeface="+mn-lt"/>
-                <a:ea typeface="+mn-ea"/>
-                <a:cs typeface="+mn-cs"/>
-              </a:rPr>
-              <a:t>In this demo, you should show students how to:</a:t>
-            </a:r>
-          </a:p>
-          <a:p>
-            <a:pPr marL="171450" indent="-171450">
-              <a:buFont typeface="Arial" panose="020B0604020202020204" pitchFamily="34" charset="0"/>
-              <a:buChar char="•"/>
-            </a:pPr>
-            <a:r>
-              <a:rPr lang="en-US" sz="900" dirty="0"/>
-              <a:t>Build a new logic app using the graphical designer.</a:t>
-            </a:r>
-          </a:p>
-          <a:p>
-            <a:pPr marL="171450" indent="-171450">
-              <a:buFont typeface="Arial" panose="020B0604020202020204" pitchFamily="34" charset="0"/>
-              <a:buChar char="•"/>
-            </a:pPr>
-            <a:r>
-              <a:rPr lang="en-US" sz="900" dirty="0"/>
-              <a:t>Use an RSS trigger and connector to monitor an existing feed.</a:t>
-            </a:r>
-          </a:p>
-          <a:p>
-            <a:pPr marL="171450" indent="-171450">
-              <a:buFont typeface="Arial" panose="020B0604020202020204" pitchFamily="34" charset="0"/>
-              <a:buChar char="•"/>
-            </a:pPr>
-            <a:r>
-              <a:rPr lang="en-US" sz="900" dirty="0"/>
-              <a:t>Use a SendGrid action to send an e-mail.</a:t>
-            </a:r>
-          </a:p>
-          <a:p>
-            <a:endParaRPr lang="en-US" sz="900" dirty="0"/>
+            <a:endParaRPr lang="en-US" dirty="0"/>
           </a:p>
         </p:txBody>
       </p:sp>
@@ -2132,7 +2306,7 @@
           <a:bodyPr/>
           <a:lstStyle/>
           <a:p>
-            <a:endParaRPr lang="en-US" dirty="0"/>
+            <a:endParaRPr lang="en-US"/>
           </a:p>
         </p:txBody>
       </p:sp>
@@ -2153,7 +2327,7 @@
           <a:p>
             <a:pPr defTabSz="914099" eaLnBrk="0" hangingPunct="0"/>
             <a:r>
-              <a:rPr lang="en-US" sz="400" dirty="0">
+              <a:rPr lang="en-US" sz="400">
                 <a:gradFill>
                   <a:gsLst>
                     <a:gs pos="0">
@@ -2191,9 +2365,9 @@
           <a:p>
             <a:fld id="{386CE63F-9E7F-4C04-9D0D-FCA25A8E9E86}" type="datetime8">
               <a:rPr lang="en-US" smtClean="0"/>
-              <a:t>9/17/2019 12:50 PM</a:t>
+              <a:t>1/31/2020 2:14 PM</a:t>
             </a:fld>
-            <a:endParaRPr lang="en-US" dirty="0"/>
+            <a:endParaRPr lang="en-US"/>
           </a:p>
         </p:txBody>
       </p:sp>
@@ -2217,14 +2391,191 @@
               <a:pPr/>
               <a:t>20</a:t>
             </a:fld>
-            <a:endParaRPr lang="en-US" dirty="0"/>
+            <a:endParaRPr lang="en-US"/>
           </a:p>
         </p:txBody>
       </p:sp>
     </p:spTree>
     <p:extLst>
       <p:ext uri="{BB962C8B-B14F-4D97-AF65-F5344CB8AC3E}">
-        <p14:creationId xmlns:p14="http://schemas.microsoft.com/office/powerpoint/2010/main" val="152957676"/>
+        <p14:creationId xmlns:p14="http://schemas.microsoft.com/office/powerpoint/2010/main" val="4261754309"/>
+      </p:ext>
+    </p:extLst>
+  </p:cSld>
+  <p:clrMapOvr>
+    <a:masterClrMapping/>
+  </p:clrMapOvr>
+</p:notes>
+</file>
+
+<file path=ppt/notesSlides/notesSlide19.xml><?xml version="1.0" encoding="utf-8"?>
+<p:notes xmlns:a="http://schemas.openxmlformats.org/drawingml/2006/main" xmlns:r="http://schemas.openxmlformats.org/officeDocument/2006/relationships" xmlns:p="http://schemas.openxmlformats.org/presentationml/2006/main">
+  <p:cSld>
+    <p:spTree>
+      <p:nvGrpSpPr>
+        <p:cNvPr id="1" name=""/>
+        <p:cNvGrpSpPr/>
+        <p:nvPr/>
+      </p:nvGrpSpPr>
+      <p:grpSpPr>
+        <a:xfrm>
+          <a:off x="0" y="0"/>
+          <a:ext cx="0" cy="0"/>
+          <a:chOff x="0" y="0"/>
+          <a:chExt cx="0" cy="0"/>
+        </a:xfrm>
+      </p:grpSpPr>
+      <p:sp>
+        <p:nvSpPr>
+          <p:cNvPr id="2" name="Slide Image Placeholder 1"/>
+          <p:cNvSpPr>
+            <a:spLocks noGrp="1" noRot="1" noChangeAspect="1"/>
+          </p:cNvSpPr>
+          <p:nvPr>
+            <p:ph type="sldImg"/>
+          </p:nvPr>
+        </p:nvSpPr>
+        <p:spPr/>
+      </p:sp>
+      <p:sp>
+        <p:nvSpPr>
+          <p:cNvPr id="3" name="Notes Placeholder 2"/>
+          <p:cNvSpPr>
+            <a:spLocks noGrp="1"/>
+          </p:cNvSpPr>
+          <p:nvPr>
+            <p:ph type="body" idx="1"/>
+          </p:nvPr>
+        </p:nvSpPr>
+        <p:spPr/>
+        <p:txBody>
+          <a:bodyPr/>
+          <a:lstStyle/>
+          <a:p>
+            <a:pPr marL="171450" indent="-171450">
+              <a:buFont typeface="Arial" panose="020B0604020202020204" pitchFamily="34" charset="0"/>
+              <a:buChar char="•"/>
+            </a:pPr>
+            <a:endParaRPr lang="en-US" sz="882" b="0" i="0" kern="1200" dirty="0">
+              <a:solidFill>
+                <a:schemeClr val="tx1"/>
+              </a:solidFill>
+              <a:effectLst/>
+              <a:latin typeface="Segoe UI Light" pitchFamily="34" charset="0"/>
+              <a:ea typeface="+mn-ea"/>
+              <a:cs typeface="+mn-cs"/>
+            </a:endParaRPr>
+          </a:p>
+        </p:txBody>
+      </p:sp>
+      <p:sp>
+        <p:nvSpPr>
+          <p:cNvPr id="4" name="Header Placeholder 3"/>
+          <p:cNvSpPr>
+            <a:spLocks noGrp="1"/>
+          </p:cNvSpPr>
+          <p:nvPr>
+            <p:ph type="hdr" sz="quarter"/>
+          </p:nvPr>
+        </p:nvSpPr>
+        <p:spPr/>
+        <p:txBody>
+          <a:bodyPr/>
+          <a:lstStyle/>
+          <a:p>
+            <a:endParaRPr lang="en-US"/>
+          </a:p>
+        </p:txBody>
+      </p:sp>
+      <p:sp>
+        <p:nvSpPr>
+          <p:cNvPr id="5" name="Footer Placeholder 4"/>
+          <p:cNvSpPr>
+            <a:spLocks noGrp="1"/>
+          </p:cNvSpPr>
+          <p:nvPr>
+            <p:ph type="ftr" sz="quarter" idx="4"/>
+          </p:nvPr>
+        </p:nvSpPr>
+        <p:spPr/>
+        <p:txBody>
+          <a:bodyPr/>
+          <a:lstStyle/>
+          <a:p>
+            <a:pPr defTabSz="914099" eaLnBrk="0" hangingPunct="0"/>
+            <a:r>
+              <a:rPr lang="en-US" sz="400">
+                <a:gradFill>
+                  <a:gsLst>
+                    <a:gs pos="0">
+                      <a:prstClr val="black"/>
+                    </a:gs>
+                    <a:gs pos="100000">
+                      <a:prstClr val="black"/>
+                    </a:gs>
+                  </a:gsLst>
+                  <a:lin ang="5400000" scaled="0"/>
+                </a:gradFill>
+                <a:latin typeface="Segoe UI" pitchFamily="34" charset="0"/>
+                <a:ea typeface="Segoe UI" pitchFamily="34" charset="0"/>
+                <a:cs typeface="Segoe UI" pitchFamily="34" charset="0"/>
+              </a:rPr>
+              <a:t>© Microsoft Corporation. All rights reserved. MICROSOFT MAKES NO WARRANTIES, EXPRESS, IMPLIED OR STATUTORY, AS TO THE INFORMATION IN THIS PRESENTATION.</a:t>
+            </a:r>
+          </a:p>
+        </p:txBody>
+      </p:sp>
+      <p:sp>
+        <p:nvSpPr>
+          <p:cNvPr id="6" name="Date Placeholder 5"/>
+          <p:cNvSpPr>
+            <a:spLocks noGrp="1"/>
+          </p:cNvSpPr>
+          <p:nvPr>
+            <p:ph type="dt" idx="1"/>
+          </p:nvPr>
+        </p:nvSpPr>
+        <p:spPr/>
+        <p:txBody>
+          <a:bodyPr/>
+          <a:lstStyle/>
+          <a:p>
+            <a:fld id="{386CE63F-9E7F-4C04-9D0D-FCA25A8E9E86}" type="datetime8">
+              <a:rPr lang="en-US" smtClean="0"/>
+              <a:t>1/31/2020 2:15 PM</a:t>
+            </a:fld>
+            <a:endParaRPr lang="en-US"/>
+          </a:p>
+        </p:txBody>
+      </p:sp>
+      <p:sp>
+        <p:nvSpPr>
+          <p:cNvPr id="7" name="Slide Number Placeholder 6"/>
+          <p:cNvSpPr>
+            <a:spLocks noGrp="1"/>
+          </p:cNvSpPr>
+          <p:nvPr>
+            <p:ph type="sldNum" sz="quarter" idx="5"/>
+          </p:nvPr>
+        </p:nvSpPr>
+        <p:spPr/>
+        <p:txBody>
+          <a:bodyPr/>
+          <a:lstStyle/>
+          <a:p>
+            <a:fld id="{B4008EB6-D09E-4580-8CD6-DDB14511944F}" type="slidenum">
+              <a:rPr lang="en-US" smtClean="0"/>
+              <a:pPr/>
+              <a:t>21</a:t>
+            </a:fld>
+            <a:endParaRPr lang="en-US"/>
+          </a:p>
+        </p:txBody>
+      </p:sp>
+    </p:spTree>
+    <p:extLst>
+      <p:ext uri="{BB962C8B-B14F-4D97-AF65-F5344CB8AC3E}">
+        <p14:creationId xmlns:p14="http://schemas.microsoft.com/office/powerpoint/2010/main" val="1099536652"/>
       </p:ext>
     </p:extLst>
   </p:cSld>
@@ -2278,7 +2629,989 @@
           <a:bodyPr/>
           <a:lstStyle/>
           <a:p>
-            <a:endParaRPr lang="en-US" i="0" dirty="0"/>
+            <a:r>
+              <a:rPr lang="en-US" dirty="0"/>
+              <a:t>https://docs.microsoft.com/en-us/azure/virtual-machines/windows/tutorial-manage-vm</a:t>
+            </a:r>
+          </a:p>
+        </p:txBody>
+      </p:sp>
+      <p:sp>
+        <p:nvSpPr>
+          <p:cNvPr id="4" name="Header Placeholder 3"/>
+          <p:cNvSpPr>
+            <a:spLocks noGrp="1"/>
+          </p:cNvSpPr>
+          <p:nvPr>
+            <p:ph type="hdr" sz="quarter"/>
+          </p:nvPr>
+        </p:nvSpPr>
+        <p:spPr/>
+        <p:txBody>
+          <a:bodyPr/>
+          <a:lstStyle/>
+          <a:p>
+            <a:endParaRPr lang="en-US"/>
+          </a:p>
+        </p:txBody>
+      </p:sp>
+      <p:sp>
+        <p:nvSpPr>
+          <p:cNvPr id="5" name="Footer Placeholder 4"/>
+          <p:cNvSpPr>
+            <a:spLocks noGrp="1"/>
+          </p:cNvSpPr>
+          <p:nvPr>
+            <p:ph type="ftr" sz="quarter" idx="4"/>
+          </p:nvPr>
+        </p:nvSpPr>
+        <p:spPr/>
+        <p:txBody>
+          <a:bodyPr/>
+          <a:lstStyle/>
+          <a:p>
+            <a:pPr defTabSz="914099" eaLnBrk="0" hangingPunct="0"/>
+            <a:r>
+              <a:rPr lang="en-US" sz="400">
+                <a:gradFill>
+                  <a:gsLst>
+                    <a:gs pos="0">
+                      <a:prstClr val="black"/>
+                    </a:gs>
+                    <a:gs pos="100000">
+                      <a:prstClr val="black"/>
+                    </a:gs>
+                  </a:gsLst>
+                  <a:lin ang="5400000" scaled="0"/>
+                </a:gradFill>
+                <a:latin typeface="Segoe UI" pitchFamily="34" charset="0"/>
+                <a:ea typeface="Segoe UI" pitchFamily="34" charset="0"/>
+                <a:cs typeface="Segoe UI" pitchFamily="34" charset="0"/>
+              </a:rPr>
+              <a:t>© Microsoft Corporation. All rights reserved. MICROSOFT MAKES NO WARRANTIES, EXPRESS, IMPLIED OR STATUTORY, AS TO THE INFORMATION IN THIS PRESENTATION.</a:t>
+            </a:r>
+          </a:p>
+        </p:txBody>
+      </p:sp>
+      <p:sp>
+        <p:nvSpPr>
+          <p:cNvPr id="6" name="Date Placeholder 5"/>
+          <p:cNvSpPr>
+            <a:spLocks noGrp="1"/>
+          </p:cNvSpPr>
+          <p:nvPr>
+            <p:ph type="dt" idx="1"/>
+          </p:nvPr>
+        </p:nvSpPr>
+        <p:spPr/>
+        <p:txBody>
+          <a:bodyPr/>
+          <a:lstStyle/>
+          <a:p>
+            <a:fld id="{386CE63F-9E7F-4C04-9D0D-FCA25A8E9E86}" type="datetime8">
+              <a:rPr lang="en-US" smtClean="0"/>
+              <a:t>1/31/2020 1:38 PM</a:t>
+            </a:fld>
+            <a:endParaRPr lang="en-US"/>
+          </a:p>
+        </p:txBody>
+      </p:sp>
+      <p:sp>
+        <p:nvSpPr>
+          <p:cNvPr id="7" name="Slide Number Placeholder 6"/>
+          <p:cNvSpPr>
+            <a:spLocks noGrp="1"/>
+          </p:cNvSpPr>
+          <p:nvPr>
+            <p:ph type="sldNum" sz="quarter" idx="5"/>
+          </p:nvPr>
+        </p:nvSpPr>
+        <p:spPr/>
+        <p:txBody>
+          <a:bodyPr/>
+          <a:lstStyle/>
+          <a:p>
+            <a:fld id="{B4008EB6-D09E-4580-8CD6-DDB14511944F}" type="slidenum">
+              <a:rPr lang="en-US" smtClean="0"/>
+              <a:pPr/>
+              <a:t>3</a:t>
+            </a:fld>
+            <a:endParaRPr lang="en-US"/>
+          </a:p>
+        </p:txBody>
+      </p:sp>
+    </p:spTree>
+    <p:extLst>
+      <p:ext uri="{BB962C8B-B14F-4D97-AF65-F5344CB8AC3E}">
+        <p14:creationId xmlns:p14="http://schemas.microsoft.com/office/powerpoint/2010/main" val="2440451184"/>
+      </p:ext>
+    </p:extLst>
+  </p:cSld>
+  <p:clrMapOvr>
+    <a:masterClrMapping/>
+  </p:clrMapOvr>
+</p:notes>
+</file>
+
+<file path=ppt/notesSlides/notesSlide20.xml><?xml version="1.0" encoding="utf-8"?>
+<p:notes xmlns:a="http://schemas.openxmlformats.org/drawingml/2006/main" xmlns:r="http://schemas.openxmlformats.org/officeDocument/2006/relationships" xmlns:p="http://schemas.openxmlformats.org/presentationml/2006/main">
+  <p:cSld>
+    <p:spTree>
+      <p:nvGrpSpPr>
+        <p:cNvPr id="1" name=""/>
+        <p:cNvGrpSpPr/>
+        <p:nvPr/>
+      </p:nvGrpSpPr>
+      <p:grpSpPr>
+        <a:xfrm>
+          <a:off x="0" y="0"/>
+          <a:ext cx="0" cy="0"/>
+          <a:chOff x="0" y="0"/>
+          <a:chExt cx="0" cy="0"/>
+        </a:xfrm>
+      </p:grpSpPr>
+      <p:sp>
+        <p:nvSpPr>
+          <p:cNvPr id="2" name="Slide Image Placeholder 1"/>
+          <p:cNvSpPr>
+            <a:spLocks noGrp="1" noRot="1" noChangeAspect="1"/>
+          </p:cNvSpPr>
+          <p:nvPr>
+            <p:ph type="sldImg"/>
+          </p:nvPr>
+        </p:nvSpPr>
+        <p:spPr/>
+      </p:sp>
+      <p:sp>
+        <p:nvSpPr>
+          <p:cNvPr id="3" name="Notes Placeholder 2"/>
+          <p:cNvSpPr>
+            <a:spLocks noGrp="1"/>
+          </p:cNvSpPr>
+          <p:nvPr>
+            <p:ph type="body" idx="1"/>
+          </p:nvPr>
+        </p:nvSpPr>
+        <p:spPr/>
+        <p:txBody>
+          <a:bodyPr/>
+          <a:lstStyle/>
+          <a:p>
+            <a:r>
+              <a:rPr lang="en-US" sz="1200" kern="1200" dirty="0">
+                <a:solidFill>
+                  <a:schemeClr val="tx1"/>
+                </a:solidFill>
+                <a:effectLst/>
+                <a:latin typeface="+mn-lt"/>
+                <a:ea typeface="+mn-ea"/>
+                <a:cs typeface="+mn-cs"/>
+              </a:rPr>
+              <a:t>This revision of the course does not ship with demo instructions. For each demo, you will be given a list of specific tasks you should demonstrate to your students. The flow, content and structure of your demo is left to you to decide as an instructor.</a:t>
+            </a:r>
+          </a:p>
+          <a:p>
+            <a:r>
+              <a:rPr lang="en-US" sz="1200" kern="1200" dirty="0">
+                <a:solidFill>
+                  <a:schemeClr val="tx1"/>
+                </a:solidFill>
+                <a:effectLst/>
+                <a:latin typeface="+mn-lt"/>
+                <a:ea typeface="+mn-ea"/>
+                <a:cs typeface="+mn-cs"/>
+              </a:rPr>
+              <a:t> </a:t>
+            </a:r>
+          </a:p>
+          <a:p>
+            <a:r>
+              <a:rPr lang="en-US" sz="1200" kern="1200" dirty="0">
+                <a:solidFill>
+                  <a:schemeClr val="tx1"/>
+                </a:solidFill>
+                <a:effectLst/>
+                <a:latin typeface="+mn-lt"/>
+                <a:ea typeface="+mn-ea"/>
+                <a:cs typeface="+mn-cs"/>
+              </a:rPr>
+              <a:t>In this demo, you should show students how to:</a:t>
+            </a:r>
+          </a:p>
+          <a:p>
+            <a:pPr marL="171450" indent="-171450">
+              <a:buFont typeface="Arial" panose="020B0604020202020204" pitchFamily="34" charset="0"/>
+              <a:buChar char="•"/>
+            </a:pPr>
+            <a:r>
+              <a:rPr lang="en-US" dirty="0"/>
+              <a:t>Use the Azure Storage SDK for .NET to create and validate tables in Azure Storage</a:t>
+            </a:r>
+          </a:p>
+          <a:p>
+            <a:pPr marL="171450" indent="-171450">
+              <a:buFont typeface="Arial" panose="020B0604020202020204" pitchFamily="34" charset="0"/>
+              <a:buChar char="•"/>
+            </a:pPr>
+            <a:r>
+              <a:rPr lang="en-US" dirty="0"/>
+              <a:t>Manage the table by creating, querying and deleting table entities using the Azure Storage SDK for .NET</a:t>
+            </a:r>
+          </a:p>
+        </p:txBody>
+      </p:sp>
+      <p:sp>
+        <p:nvSpPr>
+          <p:cNvPr id="4" name="Slide Number Placeholder 3"/>
+          <p:cNvSpPr>
+            <a:spLocks noGrp="1"/>
+          </p:cNvSpPr>
+          <p:nvPr>
+            <p:ph type="sldNum" sz="quarter" idx="5"/>
+          </p:nvPr>
+        </p:nvSpPr>
+        <p:spPr/>
+        <p:txBody>
+          <a:bodyPr/>
+          <a:lstStyle/>
+          <a:p>
+            <a:fld id="{C36DE848-917B-4977-8FFB-D5973E30E536}" type="slidenum">
+              <a:rPr lang="en-US" smtClean="0"/>
+              <a:t>22</a:t>
+            </a:fld>
+            <a:endParaRPr lang="en-US" dirty="0"/>
+          </a:p>
+        </p:txBody>
+      </p:sp>
+    </p:spTree>
+    <p:extLst>
+      <p:ext uri="{BB962C8B-B14F-4D97-AF65-F5344CB8AC3E}">
+        <p14:creationId xmlns:p14="http://schemas.microsoft.com/office/powerpoint/2010/main" val="2709600508"/>
+      </p:ext>
+    </p:extLst>
+  </p:cSld>
+  <p:clrMapOvr>
+    <a:masterClrMapping/>
+  </p:clrMapOvr>
+</p:notes>
+</file>
+
+<file path=ppt/notesSlides/notesSlide21.xml><?xml version="1.0" encoding="utf-8"?>
+<p:notes xmlns:a="http://schemas.openxmlformats.org/drawingml/2006/main" xmlns:r="http://schemas.openxmlformats.org/officeDocument/2006/relationships" xmlns:p="http://schemas.openxmlformats.org/presentationml/2006/main">
+  <p:cSld>
+    <p:spTree>
+      <p:nvGrpSpPr>
+        <p:cNvPr id="1" name=""/>
+        <p:cNvGrpSpPr/>
+        <p:nvPr/>
+      </p:nvGrpSpPr>
+      <p:grpSpPr>
+        <a:xfrm>
+          <a:off x="0" y="0"/>
+          <a:ext cx="0" cy="0"/>
+          <a:chOff x="0" y="0"/>
+          <a:chExt cx="0" cy="0"/>
+        </a:xfrm>
+      </p:grpSpPr>
+      <p:sp>
+        <p:nvSpPr>
+          <p:cNvPr id="2" name="Slide Image Placeholder 1"/>
+          <p:cNvSpPr>
+            <a:spLocks noGrp="1" noRot="1" noChangeAspect="1"/>
+          </p:cNvSpPr>
+          <p:nvPr>
+            <p:ph type="sldImg"/>
+          </p:nvPr>
+        </p:nvSpPr>
+        <p:spPr/>
+      </p:sp>
+      <p:sp>
+        <p:nvSpPr>
+          <p:cNvPr id="3" name="Notes Placeholder 2"/>
+          <p:cNvSpPr>
+            <a:spLocks noGrp="1"/>
+          </p:cNvSpPr>
+          <p:nvPr>
+            <p:ph type="body" idx="1"/>
+          </p:nvPr>
+        </p:nvSpPr>
+        <p:spPr/>
+        <p:txBody>
+          <a:bodyPr/>
+          <a:lstStyle/>
+          <a:p>
+            <a:r>
+              <a:rPr lang="en-US" sz="1200" kern="1200" dirty="0">
+                <a:solidFill>
+                  <a:schemeClr val="tx1"/>
+                </a:solidFill>
+                <a:effectLst/>
+                <a:latin typeface="+mn-lt"/>
+                <a:ea typeface="+mn-ea"/>
+                <a:cs typeface="+mn-cs"/>
+              </a:rPr>
+              <a:t>This revision of the course does not ship with demo instructions. For each demo, you will be given a list of specific tasks you should demonstrate to your students. The flow, content and structure of your demo is left to you to decide as an instructor.</a:t>
+            </a:r>
+          </a:p>
+          <a:p>
+            <a:r>
+              <a:rPr lang="en-US" sz="1200" kern="1200" dirty="0">
+                <a:solidFill>
+                  <a:schemeClr val="tx1"/>
+                </a:solidFill>
+                <a:effectLst/>
+                <a:latin typeface="+mn-lt"/>
+                <a:ea typeface="+mn-ea"/>
+                <a:cs typeface="+mn-cs"/>
+              </a:rPr>
+              <a:t> </a:t>
+            </a:r>
+          </a:p>
+          <a:p>
+            <a:r>
+              <a:rPr lang="en-US" sz="1200" kern="1200" dirty="0">
+                <a:solidFill>
+                  <a:schemeClr val="tx1"/>
+                </a:solidFill>
+                <a:effectLst/>
+                <a:latin typeface="+mn-lt"/>
+                <a:ea typeface="+mn-ea"/>
+                <a:cs typeface="+mn-cs"/>
+              </a:rPr>
+              <a:t>In this demo, you should show students how to:</a:t>
+            </a:r>
+          </a:p>
+          <a:p>
+            <a:pPr marL="171450" indent="-171450">
+              <a:buFont typeface="Arial" panose="020B0604020202020204" pitchFamily="34" charset="0"/>
+              <a:buChar char="•"/>
+            </a:pPr>
+            <a:r>
+              <a:rPr lang="en-US" dirty="0"/>
+              <a:t>Create a new SQL Server instance using the portal.</a:t>
+            </a:r>
+          </a:p>
+          <a:p>
+            <a:pPr marL="171450" indent="-171450">
+              <a:buFont typeface="Arial" panose="020B0604020202020204" pitchFamily="34" charset="0"/>
+              <a:buChar char="•"/>
+            </a:pPr>
+            <a:r>
+              <a:rPr lang="en-US" dirty="0"/>
+              <a:t>Create a new SQL database instance using the portal and the existing server.</a:t>
+            </a:r>
+          </a:p>
+          <a:p>
+            <a:pPr marL="171450" indent="-171450">
+              <a:buFont typeface="Arial" panose="020B0604020202020204" pitchFamily="34" charset="0"/>
+              <a:buChar char="•"/>
+            </a:pPr>
+            <a:r>
+              <a:rPr lang="en-US" dirty="0"/>
+              <a:t>Query the SQL database instances using the Azure CLI.</a:t>
+            </a:r>
+          </a:p>
+        </p:txBody>
+      </p:sp>
+      <p:sp>
+        <p:nvSpPr>
+          <p:cNvPr id="4" name="Slide Number Placeholder 3"/>
+          <p:cNvSpPr>
+            <a:spLocks noGrp="1"/>
+          </p:cNvSpPr>
+          <p:nvPr>
+            <p:ph type="sldNum" sz="quarter" idx="5"/>
+          </p:nvPr>
+        </p:nvSpPr>
+        <p:spPr/>
+        <p:txBody>
+          <a:bodyPr/>
+          <a:lstStyle/>
+          <a:p>
+            <a:fld id="{C36DE848-917B-4977-8FFB-D5973E30E536}" type="slidenum">
+              <a:rPr lang="en-US" smtClean="0"/>
+              <a:t>23</a:t>
+            </a:fld>
+            <a:endParaRPr lang="en-US"/>
+          </a:p>
+        </p:txBody>
+      </p:sp>
+    </p:spTree>
+    <p:extLst>
+      <p:ext uri="{BB962C8B-B14F-4D97-AF65-F5344CB8AC3E}">
+        <p14:creationId xmlns:p14="http://schemas.microsoft.com/office/powerpoint/2010/main" val="1390199000"/>
+      </p:ext>
+    </p:extLst>
+  </p:cSld>
+  <p:clrMapOvr>
+    <a:masterClrMapping/>
+  </p:clrMapOvr>
+</p:notes>
+</file>
+
+<file path=ppt/notesSlides/notesSlide22.xml><?xml version="1.0" encoding="utf-8"?>
+<p:notes xmlns:a="http://schemas.openxmlformats.org/drawingml/2006/main" xmlns:r="http://schemas.openxmlformats.org/officeDocument/2006/relationships" xmlns:p="http://schemas.openxmlformats.org/presentationml/2006/main">
+  <p:cSld>
+    <p:spTree>
+      <p:nvGrpSpPr>
+        <p:cNvPr id="1" name=""/>
+        <p:cNvGrpSpPr/>
+        <p:nvPr/>
+      </p:nvGrpSpPr>
+      <p:grpSpPr>
+        <a:xfrm>
+          <a:off x="0" y="0"/>
+          <a:ext cx="0" cy="0"/>
+          <a:chOff x="0" y="0"/>
+          <a:chExt cx="0" cy="0"/>
+        </a:xfrm>
+      </p:grpSpPr>
+      <p:sp>
+        <p:nvSpPr>
+          <p:cNvPr id="2" name="Slide Image Placeholder 1"/>
+          <p:cNvSpPr>
+            <a:spLocks noGrp="1" noRot="1" noChangeAspect="1"/>
+          </p:cNvSpPr>
+          <p:nvPr>
+            <p:ph type="sldImg"/>
+          </p:nvPr>
+        </p:nvSpPr>
+        <p:spPr/>
+      </p:sp>
+      <p:sp>
+        <p:nvSpPr>
+          <p:cNvPr id="3" name="Notes Placeholder 2"/>
+          <p:cNvSpPr>
+            <a:spLocks noGrp="1"/>
+          </p:cNvSpPr>
+          <p:nvPr>
+            <p:ph type="body" idx="1"/>
+          </p:nvPr>
+        </p:nvSpPr>
+        <p:spPr/>
+        <p:txBody>
+          <a:bodyPr/>
+          <a:lstStyle/>
+          <a:p>
+            <a:r>
+              <a:rPr lang="en-US" sz="1200" kern="1200" dirty="0">
+                <a:solidFill>
+                  <a:schemeClr val="tx1"/>
+                </a:solidFill>
+                <a:effectLst/>
+                <a:latin typeface="+mn-lt"/>
+                <a:ea typeface="+mn-ea"/>
+                <a:cs typeface="+mn-cs"/>
+              </a:rPr>
+              <a:t>This revision of the course does not ship with demo instructions. For each demo, you will be given a list of specific tasks you should demonstrate to your students. The flow, content and structure of your demo is left to you to decide as an instructor.</a:t>
+            </a:r>
+          </a:p>
+          <a:p>
+            <a:r>
+              <a:rPr lang="en-US" sz="1200" kern="1200" dirty="0">
+                <a:solidFill>
+                  <a:schemeClr val="tx1"/>
+                </a:solidFill>
+                <a:effectLst/>
+                <a:latin typeface="+mn-lt"/>
+                <a:ea typeface="+mn-ea"/>
+                <a:cs typeface="+mn-cs"/>
+              </a:rPr>
+              <a:t> </a:t>
+            </a:r>
+          </a:p>
+          <a:p>
+            <a:r>
+              <a:rPr lang="en-US" sz="1200" kern="1200" dirty="0">
+                <a:solidFill>
+                  <a:schemeClr val="tx1"/>
+                </a:solidFill>
+                <a:effectLst/>
+                <a:latin typeface="+mn-lt"/>
+                <a:ea typeface="+mn-ea"/>
+                <a:cs typeface="+mn-cs"/>
+              </a:rPr>
+              <a:t>In this demo, you should show students how to:</a:t>
+            </a:r>
+          </a:p>
+          <a:p>
+            <a:pPr marL="171450" indent="-171450">
+              <a:buFont typeface="Arial" panose="020B0604020202020204" pitchFamily="34" charset="0"/>
+              <a:buChar char="•"/>
+            </a:pPr>
+            <a:endParaRPr lang="en-US" dirty="0"/>
+          </a:p>
+        </p:txBody>
+      </p:sp>
+      <p:sp>
+        <p:nvSpPr>
+          <p:cNvPr id="4" name="Slide Number Placeholder 3"/>
+          <p:cNvSpPr>
+            <a:spLocks noGrp="1"/>
+          </p:cNvSpPr>
+          <p:nvPr>
+            <p:ph type="sldNum" sz="quarter" idx="5"/>
+          </p:nvPr>
+        </p:nvSpPr>
+        <p:spPr/>
+        <p:txBody>
+          <a:bodyPr/>
+          <a:lstStyle/>
+          <a:p>
+            <a:fld id="{C36DE848-917B-4977-8FFB-D5973E30E536}" type="slidenum">
+              <a:rPr lang="en-US" smtClean="0"/>
+              <a:t>24</a:t>
+            </a:fld>
+            <a:endParaRPr lang="en-US"/>
+          </a:p>
+        </p:txBody>
+      </p:sp>
+    </p:spTree>
+    <p:extLst>
+      <p:ext uri="{BB962C8B-B14F-4D97-AF65-F5344CB8AC3E}">
+        <p14:creationId xmlns:p14="http://schemas.microsoft.com/office/powerpoint/2010/main" val="470786286"/>
+      </p:ext>
+    </p:extLst>
+  </p:cSld>
+  <p:clrMapOvr>
+    <a:masterClrMapping/>
+  </p:clrMapOvr>
+</p:notes>
+</file>
+
+<file path=ppt/notesSlides/notesSlide23.xml><?xml version="1.0" encoding="utf-8"?>
+<p:notes xmlns:a="http://schemas.openxmlformats.org/drawingml/2006/main" xmlns:r="http://schemas.openxmlformats.org/officeDocument/2006/relationships" xmlns:p="http://schemas.openxmlformats.org/presentationml/2006/main">
+  <p:cSld>
+    <p:spTree>
+      <p:nvGrpSpPr>
+        <p:cNvPr id="1" name=""/>
+        <p:cNvGrpSpPr/>
+        <p:nvPr/>
+      </p:nvGrpSpPr>
+      <p:grpSpPr>
+        <a:xfrm>
+          <a:off x="0" y="0"/>
+          <a:ext cx="0" cy="0"/>
+          <a:chOff x="0" y="0"/>
+          <a:chExt cx="0" cy="0"/>
+        </a:xfrm>
+      </p:grpSpPr>
+      <p:sp>
+        <p:nvSpPr>
+          <p:cNvPr id="2" name="Slide Image Placeholder 1"/>
+          <p:cNvSpPr>
+            <a:spLocks noGrp="1" noRot="1" noChangeAspect="1"/>
+          </p:cNvSpPr>
+          <p:nvPr>
+            <p:ph type="sldImg"/>
+          </p:nvPr>
+        </p:nvSpPr>
+        <p:spPr/>
+      </p:sp>
+      <p:sp>
+        <p:nvSpPr>
+          <p:cNvPr id="3" name="Notes Placeholder 2"/>
+          <p:cNvSpPr>
+            <a:spLocks noGrp="1"/>
+          </p:cNvSpPr>
+          <p:nvPr>
+            <p:ph type="body" idx="1"/>
+          </p:nvPr>
+        </p:nvSpPr>
+        <p:spPr/>
+        <p:txBody>
+          <a:bodyPr/>
+          <a:lstStyle/>
+          <a:p>
+            <a:r>
+              <a:rPr lang="en-US" sz="1200" kern="1200" dirty="0">
+                <a:solidFill>
+                  <a:schemeClr val="tx1"/>
+                </a:solidFill>
+                <a:effectLst/>
+                <a:latin typeface="+mn-lt"/>
+                <a:ea typeface="+mn-ea"/>
+                <a:cs typeface="+mn-cs"/>
+              </a:rPr>
+              <a:t>This revision of the course does not ship with demo instructions. For each demo, you will be given a list of specific tasks you should demonstrate to your students. The flow, content and structure of your demo is left to you to decide as an instructor.</a:t>
+            </a:r>
+          </a:p>
+          <a:p>
+            <a:r>
+              <a:rPr lang="en-US" sz="1200" kern="1200" dirty="0">
+                <a:solidFill>
+                  <a:schemeClr val="tx1"/>
+                </a:solidFill>
+                <a:effectLst/>
+                <a:latin typeface="+mn-lt"/>
+                <a:ea typeface="+mn-ea"/>
+                <a:cs typeface="+mn-cs"/>
+              </a:rPr>
+              <a:t> </a:t>
+            </a:r>
+          </a:p>
+          <a:p>
+            <a:r>
+              <a:rPr lang="en-US" sz="1200" kern="1200" dirty="0">
+                <a:solidFill>
+                  <a:schemeClr val="tx1"/>
+                </a:solidFill>
+                <a:effectLst/>
+                <a:latin typeface="+mn-lt"/>
+                <a:ea typeface="+mn-ea"/>
+                <a:cs typeface="+mn-cs"/>
+              </a:rPr>
+              <a:t>In this demo, you should show students how to:</a:t>
+            </a:r>
+          </a:p>
+          <a:p>
+            <a:pPr marL="171450" indent="-171450">
+              <a:buFont typeface="Arial" panose="020B0604020202020204" pitchFamily="34" charset="0"/>
+              <a:buChar char="•"/>
+            </a:pPr>
+            <a:endParaRPr lang="en-US" dirty="0"/>
+          </a:p>
+        </p:txBody>
+      </p:sp>
+      <p:sp>
+        <p:nvSpPr>
+          <p:cNvPr id="4" name="Slide Number Placeholder 3"/>
+          <p:cNvSpPr>
+            <a:spLocks noGrp="1"/>
+          </p:cNvSpPr>
+          <p:nvPr>
+            <p:ph type="sldNum" sz="quarter" idx="5"/>
+          </p:nvPr>
+        </p:nvSpPr>
+        <p:spPr/>
+        <p:txBody>
+          <a:bodyPr/>
+          <a:lstStyle/>
+          <a:p>
+            <a:fld id="{C36DE848-917B-4977-8FFB-D5973E30E536}" type="slidenum">
+              <a:rPr lang="en-US" smtClean="0"/>
+              <a:t>25</a:t>
+            </a:fld>
+            <a:endParaRPr lang="en-US"/>
+          </a:p>
+        </p:txBody>
+      </p:sp>
+    </p:spTree>
+    <p:extLst>
+      <p:ext uri="{BB962C8B-B14F-4D97-AF65-F5344CB8AC3E}">
+        <p14:creationId xmlns:p14="http://schemas.microsoft.com/office/powerpoint/2010/main" val="3700663609"/>
+      </p:ext>
+    </p:extLst>
+  </p:cSld>
+  <p:clrMapOvr>
+    <a:masterClrMapping/>
+  </p:clrMapOvr>
+</p:notes>
+</file>
+
+<file path=ppt/notesSlides/notesSlide24.xml><?xml version="1.0" encoding="utf-8"?>
+<p:notes xmlns:a="http://schemas.openxmlformats.org/drawingml/2006/main" xmlns:r="http://schemas.openxmlformats.org/officeDocument/2006/relationships" xmlns:p="http://schemas.openxmlformats.org/presentationml/2006/main">
+  <p:cSld>
+    <p:spTree>
+      <p:nvGrpSpPr>
+        <p:cNvPr id="1" name=""/>
+        <p:cNvGrpSpPr/>
+        <p:nvPr/>
+      </p:nvGrpSpPr>
+      <p:grpSpPr>
+        <a:xfrm>
+          <a:off x="0" y="0"/>
+          <a:ext cx="0" cy="0"/>
+          <a:chOff x="0" y="0"/>
+          <a:chExt cx="0" cy="0"/>
+        </a:xfrm>
+      </p:grpSpPr>
+      <p:sp>
+        <p:nvSpPr>
+          <p:cNvPr id="2" name="Slide Image Placeholder 1"/>
+          <p:cNvSpPr>
+            <a:spLocks noGrp="1" noRot="1" noChangeAspect="1"/>
+          </p:cNvSpPr>
+          <p:nvPr>
+            <p:ph type="sldImg"/>
+          </p:nvPr>
+        </p:nvSpPr>
+        <p:spPr/>
+      </p:sp>
+      <p:sp>
+        <p:nvSpPr>
+          <p:cNvPr id="3" name="Notes Placeholder 2"/>
+          <p:cNvSpPr>
+            <a:spLocks noGrp="1"/>
+          </p:cNvSpPr>
+          <p:nvPr>
+            <p:ph type="body" idx="1"/>
+          </p:nvPr>
+        </p:nvSpPr>
+        <p:spPr/>
+        <p:txBody>
+          <a:bodyPr/>
+          <a:lstStyle/>
+          <a:p>
+            <a:r>
+              <a:rPr lang="en-US" sz="1200" kern="1200" dirty="0">
+                <a:solidFill>
+                  <a:schemeClr val="tx1"/>
+                </a:solidFill>
+                <a:effectLst/>
+                <a:latin typeface="+mn-lt"/>
+                <a:ea typeface="+mn-ea"/>
+                <a:cs typeface="+mn-cs"/>
+              </a:rPr>
+              <a:t>This revision of the course does not ship with demo instructions. For each demo, you will be given a list of specific tasks you should demonstrate to your students. The flow, content and structure of your demo is left to you to decide as an instructor.</a:t>
+            </a:r>
+          </a:p>
+          <a:p>
+            <a:r>
+              <a:rPr lang="en-US" sz="1200" kern="1200" dirty="0">
+                <a:solidFill>
+                  <a:schemeClr val="tx1"/>
+                </a:solidFill>
+                <a:effectLst/>
+                <a:latin typeface="+mn-lt"/>
+                <a:ea typeface="+mn-ea"/>
+                <a:cs typeface="+mn-cs"/>
+              </a:rPr>
+              <a:t> </a:t>
+            </a:r>
+          </a:p>
+          <a:p>
+            <a:r>
+              <a:rPr lang="en-US" sz="1200" kern="1200" dirty="0">
+                <a:solidFill>
+                  <a:schemeClr val="tx1"/>
+                </a:solidFill>
+                <a:effectLst/>
+                <a:latin typeface="+mn-lt"/>
+                <a:ea typeface="+mn-ea"/>
+                <a:cs typeface="+mn-cs"/>
+              </a:rPr>
+              <a:t>In this demo, you should show students how to:</a:t>
+            </a:r>
+          </a:p>
+          <a:p>
+            <a:pPr marL="171450" indent="-171450">
+              <a:buFont typeface="Arial" panose="020B0604020202020204" pitchFamily="34" charset="0"/>
+              <a:buChar char="•"/>
+            </a:pPr>
+            <a:r>
+              <a:rPr lang="en-US" dirty="0"/>
+              <a:t>Create a App Service plan resource.</a:t>
+            </a:r>
+          </a:p>
+          <a:p>
+            <a:pPr marL="171450" indent="-171450">
+              <a:buFont typeface="Arial" panose="020B0604020202020204" pitchFamily="34" charset="0"/>
+              <a:buChar char="•"/>
+            </a:pPr>
+            <a:r>
+              <a:rPr lang="en-US" dirty="0"/>
+              <a:t>Define a new custom metric using Application Insights.</a:t>
+            </a:r>
+          </a:p>
+          <a:p>
+            <a:pPr marL="171450" indent="-171450">
+              <a:buFont typeface="Arial" panose="020B0604020202020204" pitchFamily="34" charset="0"/>
+              <a:buChar char="•"/>
+            </a:pPr>
+            <a:r>
+              <a:rPr lang="en-US" dirty="0"/>
+              <a:t>Create a new </a:t>
+            </a:r>
+            <a:r>
+              <a:rPr lang="en-US" dirty="0" err="1"/>
+              <a:t>autoscale</a:t>
+            </a:r>
+            <a:r>
+              <a:rPr lang="en-US" dirty="0"/>
+              <a:t> rule in the App Service plan using the custom metric as criteria.</a:t>
+            </a:r>
+          </a:p>
+        </p:txBody>
+      </p:sp>
+      <p:sp>
+        <p:nvSpPr>
+          <p:cNvPr id="4" name="Slide Number Placeholder 3"/>
+          <p:cNvSpPr>
+            <a:spLocks noGrp="1"/>
+          </p:cNvSpPr>
+          <p:nvPr>
+            <p:ph type="sldNum" sz="quarter" idx="5"/>
+          </p:nvPr>
+        </p:nvSpPr>
+        <p:spPr/>
+        <p:txBody>
+          <a:bodyPr/>
+          <a:lstStyle/>
+          <a:p>
+            <a:fld id="{C36DE848-917B-4977-8FFB-D5973E30E536}" type="slidenum">
+              <a:rPr lang="en-US" smtClean="0"/>
+              <a:t>26</a:t>
+            </a:fld>
+            <a:endParaRPr lang="en-US"/>
+          </a:p>
+        </p:txBody>
+      </p:sp>
+    </p:spTree>
+    <p:extLst>
+      <p:ext uri="{BB962C8B-B14F-4D97-AF65-F5344CB8AC3E}">
+        <p14:creationId xmlns:p14="http://schemas.microsoft.com/office/powerpoint/2010/main" val="61797639"/>
+      </p:ext>
+    </p:extLst>
+  </p:cSld>
+  <p:clrMapOvr>
+    <a:masterClrMapping/>
+  </p:clrMapOvr>
+</p:notes>
+</file>
+
+<file path=ppt/notesSlides/notesSlide25.xml><?xml version="1.0" encoding="utf-8"?>
+<p:notes xmlns:a="http://schemas.openxmlformats.org/drawingml/2006/main" xmlns:r="http://schemas.openxmlformats.org/officeDocument/2006/relationships" xmlns:p="http://schemas.openxmlformats.org/presentationml/2006/main">
+  <p:cSld>
+    <p:spTree>
+      <p:nvGrpSpPr>
+        <p:cNvPr id="1" name=""/>
+        <p:cNvGrpSpPr/>
+        <p:nvPr/>
+      </p:nvGrpSpPr>
+      <p:grpSpPr>
+        <a:xfrm>
+          <a:off x="0" y="0"/>
+          <a:ext cx="0" cy="0"/>
+          <a:chOff x="0" y="0"/>
+          <a:chExt cx="0" cy="0"/>
+        </a:xfrm>
+      </p:grpSpPr>
+      <p:sp>
+        <p:nvSpPr>
+          <p:cNvPr id="2" name="Slide Image Placeholder 1"/>
+          <p:cNvSpPr>
+            <a:spLocks noGrp="1" noRot="1" noChangeAspect="1"/>
+          </p:cNvSpPr>
+          <p:nvPr>
+            <p:ph type="sldImg"/>
+          </p:nvPr>
+        </p:nvSpPr>
+        <p:spPr/>
+      </p:sp>
+      <p:sp>
+        <p:nvSpPr>
+          <p:cNvPr id="3" name="Notes Placeholder 2"/>
+          <p:cNvSpPr>
+            <a:spLocks noGrp="1"/>
+          </p:cNvSpPr>
+          <p:nvPr>
+            <p:ph type="body" idx="1"/>
+          </p:nvPr>
+        </p:nvSpPr>
+        <p:spPr/>
+        <p:txBody>
+          <a:bodyPr/>
+          <a:lstStyle/>
+          <a:p>
+            <a:r>
+              <a:rPr lang="en-US" sz="882" b="0" i="1" kern="1200" dirty="0">
+                <a:solidFill>
+                  <a:schemeClr val="tx1"/>
+                </a:solidFill>
+                <a:effectLst/>
+                <a:latin typeface="Segoe UI Light" pitchFamily="34" charset="0"/>
+                <a:ea typeface="+mn-ea"/>
+                <a:cs typeface="+mn-cs"/>
+              </a:rPr>
+              <a:t>We'll be creating a logic app that monitors a website's RSS feed and sends email for each new item posted on the site. </a:t>
+            </a:r>
+          </a:p>
+          <a:p>
+            <a:endParaRPr lang="en-US" sz="882" b="0" i="0" kern="1200" dirty="0">
+              <a:solidFill>
+                <a:schemeClr val="tx1"/>
+              </a:solidFill>
+              <a:effectLst/>
+              <a:latin typeface="Segoe UI Light" pitchFamily="34" charset="0"/>
+              <a:ea typeface="+mn-ea"/>
+              <a:cs typeface="+mn-cs"/>
+            </a:endParaRPr>
+          </a:p>
+          <a:p>
+            <a:r>
+              <a:rPr lang="en-US" sz="900" kern="1200" dirty="0">
+                <a:solidFill>
+                  <a:schemeClr val="tx1"/>
+                </a:solidFill>
+                <a:effectLst/>
+                <a:latin typeface="+mn-lt"/>
+                <a:ea typeface="+mn-ea"/>
+                <a:cs typeface="+mn-cs"/>
+              </a:rPr>
+              <a:t>This revision of the course does not ship with demo instructions. For each demo, you will be given a list of specific tasks you should demonstrate to your students. The flow, content and structure of your demo is left to you to decide as an instructor.</a:t>
+            </a:r>
+          </a:p>
+          <a:p>
+            <a:r>
+              <a:rPr lang="en-US" sz="900" kern="1200" dirty="0">
+                <a:solidFill>
+                  <a:schemeClr val="tx1"/>
+                </a:solidFill>
+                <a:effectLst/>
+                <a:latin typeface="+mn-lt"/>
+                <a:ea typeface="+mn-ea"/>
+                <a:cs typeface="+mn-cs"/>
+              </a:rPr>
+              <a:t> </a:t>
+            </a:r>
+          </a:p>
+          <a:p>
+            <a:r>
+              <a:rPr lang="en-US" sz="900" kern="1200" dirty="0">
+                <a:solidFill>
+                  <a:schemeClr val="tx1"/>
+                </a:solidFill>
+                <a:effectLst/>
+                <a:latin typeface="+mn-lt"/>
+                <a:ea typeface="+mn-ea"/>
+                <a:cs typeface="+mn-cs"/>
+              </a:rPr>
+              <a:t>In this demo, you should show students how to:</a:t>
+            </a:r>
+          </a:p>
+          <a:p>
+            <a:pPr marL="171450" indent="-171450">
+              <a:buFont typeface="Arial" panose="020B0604020202020204" pitchFamily="34" charset="0"/>
+              <a:buChar char="•"/>
+            </a:pPr>
+            <a:r>
+              <a:rPr lang="en-US" sz="900" dirty="0"/>
+              <a:t>Build a new logic app using the graphical designer.</a:t>
+            </a:r>
+          </a:p>
+          <a:p>
+            <a:pPr marL="171450" indent="-171450">
+              <a:buFont typeface="Arial" panose="020B0604020202020204" pitchFamily="34" charset="0"/>
+              <a:buChar char="•"/>
+            </a:pPr>
+            <a:r>
+              <a:rPr lang="en-US" sz="900" dirty="0"/>
+              <a:t>Use an RSS trigger and connector to monitor an existing feed.</a:t>
+            </a:r>
+          </a:p>
+          <a:p>
+            <a:pPr marL="171450" indent="-171450">
+              <a:buFont typeface="Arial" panose="020B0604020202020204" pitchFamily="34" charset="0"/>
+              <a:buChar char="•"/>
+            </a:pPr>
+            <a:r>
+              <a:rPr lang="en-US" sz="900" dirty="0"/>
+              <a:t>Use a SendGrid action to send an e-mail.</a:t>
+            </a:r>
+          </a:p>
+          <a:p>
+            <a:endParaRPr lang="en-US" sz="900" dirty="0"/>
           </a:p>
         </p:txBody>
       </p:sp>
@@ -2356,7 +3689,7 @@
           <a:p>
             <a:fld id="{386CE63F-9E7F-4C04-9D0D-FCA25A8E9E86}" type="datetime8">
               <a:rPr lang="en-US" smtClean="0"/>
-              <a:t>9/17/2019 12:50 PM</a:t>
+              <a:t>1/31/2020 1:35 PM</a:t>
             </a:fld>
             <a:endParaRPr lang="en-US" dirty="0"/>
           </a:p>
@@ -2380,7 +3713,7 @@
             <a:fld id="{B4008EB6-D09E-4580-8CD6-DDB14511944F}" type="slidenum">
               <a:rPr lang="en-US" smtClean="0"/>
               <a:pPr/>
-              <a:t>4</a:t>
+              <a:t>27</a:t>
             </a:fld>
             <a:endParaRPr lang="en-US" dirty="0"/>
           </a:p>
@@ -2389,7 +3722,7 @@
     </p:spTree>
     <p:extLst>
       <p:ext uri="{BB962C8B-B14F-4D97-AF65-F5344CB8AC3E}">
-        <p14:creationId xmlns:p14="http://schemas.microsoft.com/office/powerpoint/2010/main" val="4193150023"/>
+        <p14:creationId xmlns:p14="http://schemas.microsoft.com/office/powerpoint/2010/main" val="152957676"/>
       </p:ext>
     </p:extLst>
   </p:cSld>
@@ -2443,15 +3776,18 @@
           <a:bodyPr/>
           <a:lstStyle/>
           <a:p>
-            <a:endParaRPr lang="en-US" sz="882" b="0" i="0" kern="1200" dirty="0">
-              <a:solidFill>
-                <a:schemeClr val="tx1"/>
-              </a:solidFill>
-              <a:effectLst/>
-              <a:latin typeface="Segoe UI Light" pitchFamily="34" charset="0"/>
-              <a:ea typeface="+mn-ea"/>
-              <a:cs typeface="+mn-cs"/>
-            </a:endParaRPr>
+            <a:r>
+              <a:rPr lang="en-US" sz="882" b="0" i="1" kern="1200" dirty="0">
+                <a:solidFill>
+                  <a:schemeClr val="tx1"/>
+                </a:solidFill>
+                <a:effectLst/>
+                <a:latin typeface="Segoe UI Light" pitchFamily="34" charset="0"/>
+                <a:ea typeface="+mn-ea"/>
+                <a:cs typeface="+mn-cs"/>
+              </a:rPr>
+              <a:t>https://docs.microsoft.com/en-us/azure/azure-resource-manager/resource-manager-quickstart-create-templates-use-the-portal</a:t>
+            </a:r>
           </a:p>
         </p:txBody>
       </p:sp>
@@ -2529,7 +3865,7 @@
           <a:p>
             <a:fld id="{386CE63F-9E7F-4C04-9D0D-FCA25A8E9E86}" type="datetime8">
               <a:rPr lang="en-US" smtClean="0"/>
-              <a:t>9/17/2019 12:50 PM</a:t>
+              <a:t>1/31/2020 1:39 PM</a:t>
             </a:fld>
             <a:endParaRPr lang="en-US" dirty="0"/>
           </a:p>
@@ -2553,7 +3889,7 @@
             <a:fld id="{B4008EB6-D09E-4580-8CD6-DDB14511944F}" type="slidenum">
               <a:rPr lang="en-US" smtClean="0"/>
               <a:pPr/>
-              <a:t>5</a:t>
+              <a:t>4</a:t>
             </a:fld>
             <a:endParaRPr lang="en-US" dirty="0"/>
           </a:p>
@@ -2562,7 +3898,7 @@
     </p:spTree>
     <p:extLst>
       <p:ext uri="{BB962C8B-B14F-4D97-AF65-F5344CB8AC3E}">
-        <p14:creationId xmlns:p14="http://schemas.microsoft.com/office/powerpoint/2010/main" val="1491814872"/>
+        <p14:creationId xmlns:p14="http://schemas.microsoft.com/office/powerpoint/2010/main" val="1809319411"/>
       </p:ext>
     </p:extLst>
   </p:cSld>
@@ -2616,15 +3952,110 @@
           <a:bodyPr/>
           <a:lstStyle/>
           <a:p>
-            <a:endParaRPr lang="en-US" sz="882" b="0" i="0" kern="1200" dirty="0">
-              <a:solidFill>
-                <a:schemeClr val="tx1"/>
-              </a:solidFill>
-              <a:effectLst/>
-              <a:latin typeface="Segoe UI Light" pitchFamily="34" charset="0"/>
-              <a:ea typeface="+mn-ea"/>
-              <a:cs typeface="+mn-cs"/>
-            </a:endParaRPr>
+            <a:r>
+              <a:rPr lang="en-US" sz="882" b="0" i="1" kern="1200" dirty="0">
+                <a:solidFill>
+                  <a:schemeClr val="tx1"/>
+                </a:solidFill>
+                <a:effectLst/>
+                <a:latin typeface="Segoe UI Light" pitchFamily="34" charset="0"/>
+                <a:ea typeface="+mn-ea"/>
+                <a:cs typeface="+mn-cs"/>
+              </a:rPr>
+              <a:t>Learn how to use Visual Studio Code and the Azure Resource Manager Tools extension to create and edit Azure Resource Manager templates. You can create Resource Manager templates in Visual Studio Code without the extension, but the extension provides autocomplete options that simplify template development.</a:t>
+            </a:r>
+          </a:p>
+          <a:p>
+            <a:r>
+              <a:rPr lang="en-US" sz="1200" i="1" kern="1200" dirty="0">
+                <a:solidFill>
+                  <a:schemeClr val="tx1"/>
+                </a:solidFill>
+                <a:effectLst/>
+                <a:latin typeface="+mn-lt"/>
+                <a:ea typeface="+mn-ea"/>
+                <a:cs typeface="+mn-cs"/>
+              </a:rPr>
+              <a:t> </a:t>
+            </a:r>
+          </a:p>
+          <a:p>
+            <a:r>
+              <a:rPr lang="en-US" sz="1200" kern="1200" dirty="0">
+                <a:solidFill>
+                  <a:schemeClr val="tx1"/>
+                </a:solidFill>
+                <a:effectLst/>
+                <a:latin typeface="+mn-lt"/>
+                <a:ea typeface="+mn-ea"/>
+                <a:cs typeface="+mn-cs"/>
+              </a:rPr>
+              <a:t>This revision of the course does not ship with demo instructions. For each demo, you will be given a list of specific tasks you should demonstrate to your students. The flow, content and structure of your demo is left to you to decide as an instructor.</a:t>
+            </a:r>
+          </a:p>
+          <a:p>
+            <a:r>
+              <a:rPr lang="en-US" sz="1200" kern="1200" dirty="0">
+                <a:solidFill>
+                  <a:schemeClr val="tx1"/>
+                </a:solidFill>
+                <a:effectLst/>
+                <a:latin typeface="+mn-lt"/>
+                <a:ea typeface="+mn-ea"/>
+                <a:cs typeface="+mn-cs"/>
+              </a:rPr>
+              <a:t> </a:t>
+            </a:r>
+          </a:p>
+          <a:p>
+            <a:r>
+              <a:rPr lang="en-US" sz="1200" kern="1200" dirty="0">
+                <a:solidFill>
+                  <a:schemeClr val="tx1"/>
+                </a:solidFill>
+                <a:effectLst/>
+                <a:latin typeface="+mn-lt"/>
+                <a:ea typeface="+mn-ea"/>
+                <a:cs typeface="+mn-cs"/>
+              </a:rPr>
+              <a:t>In this demo, you should show students how to:</a:t>
+            </a:r>
+          </a:p>
+          <a:p>
+            <a:pPr marL="171450" indent="-171450">
+              <a:buFont typeface="Arial" panose="020B0604020202020204" pitchFamily="34" charset="0"/>
+              <a:buChar char="•"/>
+            </a:pPr>
+            <a:r>
+              <a:rPr lang="en-US" sz="882" b="0" i="0" kern="1200" dirty="0">
+                <a:solidFill>
+                  <a:schemeClr val="tx1"/>
+                </a:solidFill>
+                <a:effectLst/>
+                <a:latin typeface="Segoe UI Light" pitchFamily="34" charset="0"/>
+                <a:ea typeface="+mn-ea"/>
+                <a:cs typeface="+mn-cs"/>
+              </a:rPr>
+              <a:t>Create a new ARM template file in Visual Studio Code</a:t>
+            </a:r>
+          </a:p>
+          <a:p>
+            <a:pPr marL="171450" indent="-171450">
+              <a:buFont typeface="Arial" panose="020B0604020202020204" pitchFamily="34" charset="0"/>
+              <a:buChar char="•"/>
+            </a:pPr>
+            <a:r>
+              <a:rPr lang="en-US" sz="882" b="0" i="0" kern="1200" dirty="0">
+                <a:solidFill>
+                  <a:schemeClr val="tx1"/>
+                </a:solidFill>
+                <a:effectLst/>
+                <a:latin typeface="Segoe UI Light" pitchFamily="34" charset="0"/>
+                <a:ea typeface="+mn-ea"/>
+                <a:cs typeface="+mn-cs"/>
+              </a:rPr>
+              <a:t>Use the ARM template extension to view metadata about resources in the template</a:t>
+            </a:r>
           </a:p>
         </p:txBody>
       </p:sp>
@@ -2643,7 +4074,7 @@
           <a:bodyPr/>
           <a:lstStyle/>
           <a:p>
-            <a:endParaRPr lang="en-US" dirty="0"/>
+            <a:endParaRPr lang="en-US"/>
           </a:p>
         </p:txBody>
       </p:sp>
@@ -2664,7 +4095,7 @@
           <a:p>
             <a:pPr defTabSz="914099" eaLnBrk="0" hangingPunct="0"/>
             <a:r>
-              <a:rPr lang="en-US" sz="400" dirty="0">
+              <a:rPr lang="en-US" sz="400">
                 <a:gradFill>
                   <a:gsLst>
                     <a:gs pos="0">
@@ -2702,9 +4133,9 @@
           <a:p>
             <a:fld id="{386CE63F-9E7F-4C04-9D0D-FCA25A8E9E86}" type="datetime8">
               <a:rPr lang="en-US" smtClean="0"/>
-              <a:t>9/17/2019 12:50 PM</a:t>
+              <a:t>1/31/2020 1:39 PM</a:t>
             </a:fld>
-            <a:endParaRPr lang="en-US" dirty="0"/>
+            <a:endParaRPr lang="en-US"/>
           </a:p>
         </p:txBody>
       </p:sp>
@@ -2726,16 +4157,16 @@
             <a:fld id="{B4008EB6-D09E-4580-8CD6-DDB14511944F}" type="slidenum">
               <a:rPr lang="en-US" smtClean="0"/>
               <a:pPr/>
-              <a:t>6</a:t>
+              <a:t>5</a:t>
             </a:fld>
-            <a:endParaRPr lang="en-US" dirty="0"/>
+            <a:endParaRPr lang="en-US"/>
           </a:p>
         </p:txBody>
       </p:sp>
     </p:spTree>
     <p:extLst>
       <p:ext uri="{BB962C8B-B14F-4D97-AF65-F5344CB8AC3E}">
-        <p14:creationId xmlns:p14="http://schemas.microsoft.com/office/powerpoint/2010/main" val="3703823651"/>
+        <p14:creationId xmlns:p14="http://schemas.microsoft.com/office/powerpoint/2010/main" val="2044876343"/>
       </p:ext>
     </p:extLst>
   </p:cSld>
@@ -2789,6 +4220,18 @@
           <a:bodyPr/>
           <a:lstStyle/>
           <a:p>
+            <a:r>
+              <a:rPr lang="en-US" sz="882" b="0" i="1" kern="1200" dirty="0">
+                <a:solidFill>
+                  <a:schemeClr val="tx1"/>
+                </a:solidFill>
+                <a:effectLst/>
+                <a:latin typeface="Segoe UI Light" pitchFamily="34" charset="0"/>
+                <a:ea typeface="+mn-ea"/>
+                <a:cs typeface="+mn-cs"/>
+              </a:rPr>
+              <a:t>https://docs.microsoft.com/en-us/azure/virtual-machines/windows/encrypt-disks</a:t>
+            </a:r>
             <a:endParaRPr lang="en-US" sz="882" b="0" i="0" kern="1200" dirty="0">
               <a:solidFill>
                 <a:schemeClr val="tx1"/>
@@ -2816,7 +4259,7 @@
           <a:bodyPr/>
           <a:lstStyle/>
           <a:p>
-            <a:endParaRPr lang="en-US" dirty="0"/>
+            <a:endParaRPr lang="en-US"/>
           </a:p>
         </p:txBody>
       </p:sp>
@@ -2837,7 +4280,7 @@
           <a:p>
             <a:pPr defTabSz="914099" eaLnBrk="0" hangingPunct="0"/>
             <a:r>
-              <a:rPr lang="en-US" sz="400" dirty="0">
+              <a:rPr lang="en-US" sz="400">
                 <a:gradFill>
                   <a:gsLst>
                     <a:gs pos="0">
@@ -2875,9 +4318,9 @@
           <a:p>
             <a:fld id="{386CE63F-9E7F-4C04-9D0D-FCA25A8E9E86}" type="datetime8">
               <a:rPr lang="en-US" smtClean="0"/>
-              <a:t>9/17/2019 12:50 PM</a:t>
+              <a:t>1/31/2020 1:39 PM</a:t>
             </a:fld>
-            <a:endParaRPr lang="en-US" dirty="0"/>
+            <a:endParaRPr lang="en-US"/>
           </a:p>
         </p:txBody>
       </p:sp>
@@ -2899,16 +4342,16 @@
             <a:fld id="{B4008EB6-D09E-4580-8CD6-DDB14511944F}" type="slidenum">
               <a:rPr lang="en-US" smtClean="0"/>
               <a:pPr/>
-              <a:t>7</a:t>
+              <a:t>6</a:t>
             </a:fld>
-            <a:endParaRPr lang="en-US" dirty="0"/>
+            <a:endParaRPr lang="en-US"/>
           </a:p>
         </p:txBody>
       </p:sp>
     </p:spTree>
     <p:extLst>
       <p:ext uri="{BB962C8B-B14F-4D97-AF65-F5344CB8AC3E}">
-        <p14:creationId xmlns:p14="http://schemas.microsoft.com/office/powerpoint/2010/main" val="3413265991"/>
+        <p14:creationId xmlns:p14="http://schemas.microsoft.com/office/powerpoint/2010/main" val="538355588"/>
       </p:ext>
     </p:extLst>
   </p:cSld>
@@ -2962,126 +4405,63 @@
           <a:bodyPr/>
           <a:lstStyle/>
           <a:p>
-            <a:endParaRPr lang="en-US" sz="882" b="0" i="0" kern="1200" dirty="0">
-              <a:solidFill>
-                <a:schemeClr val="tx1"/>
-              </a:solidFill>
-              <a:effectLst/>
-              <a:latin typeface="Segoe UI Light" pitchFamily="34" charset="0"/>
-              <a:ea typeface="+mn-ea"/>
-              <a:cs typeface="+mn-cs"/>
-            </a:endParaRPr>
-          </a:p>
-        </p:txBody>
-      </p:sp>
-      <p:sp>
-        <p:nvSpPr>
-          <p:cNvPr id="4" name="Header Placeholder 3"/>
-          <p:cNvSpPr>
-            <a:spLocks noGrp="1"/>
-          </p:cNvSpPr>
-          <p:nvPr>
-            <p:ph type="hdr" sz="quarter"/>
-          </p:nvPr>
-        </p:nvSpPr>
-        <p:spPr/>
-        <p:txBody>
-          <a:bodyPr/>
-          <a:lstStyle/>
-          <a:p>
+            <a:r>
+              <a:rPr lang="en-US" sz="1200" kern="1200" dirty="0">
+                <a:solidFill>
+                  <a:schemeClr val="tx1"/>
+                </a:solidFill>
+                <a:effectLst/>
+                <a:latin typeface="+mn-lt"/>
+                <a:ea typeface="+mn-ea"/>
+                <a:cs typeface="+mn-cs"/>
+              </a:rPr>
+              <a:t> </a:t>
+            </a:r>
+          </a:p>
+          <a:p>
+            <a:r>
+              <a:rPr lang="en-US" sz="1200" kern="1200" dirty="0">
+                <a:solidFill>
+                  <a:schemeClr val="tx1"/>
+                </a:solidFill>
+                <a:effectLst/>
+                <a:latin typeface="+mn-lt"/>
+                <a:ea typeface="+mn-ea"/>
+                <a:cs typeface="+mn-cs"/>
+              </a:rPr>
+              <a:t>This task literally launches a command prompt and just gathers generic information about the machine in the Azure batch processes running and then sits still for 90 seconds before it dumps the output out. </a:t>
+            </a:r>
             <a:endParaRPr lang="en-US" dirty="0"/>
           </a:p>
         </p:txBody>
       </p:sp>
       <p:sp>
         <p:nvSpPr>
-          <p:cNvPr id="5" name="Footer Placeholder 4"/>
-          <p:cNvSpPr>
-            <a:spLocks noGrp="1"/>
-          </p:cNvSpPr>
-          <p:nvPr>
-            <p:ph type="ftr" sz="quarter" idx="4"/>
-          </p:nvPr>
-        </p:nvSpPr>
-        <p:spPr/>
-        <p:txBody>
-          <a:bodyPr/>
-          <a:lstStyle/>
-          <a:p>
-            <a:pPr defTabSz="914099" eaLnBrk="0" hangingPunct="0"/>
-            <a:r>
-              <a:rPr lang="en-US" sz="400" dirty="0">
-                <a:gradFill>
-                  <a:gsLst>
-                    <a:gs pos="0">
-                      <a:prstClr val="black"/>
-                    </a:gs>
-                    <a:gs pos="100000">
-                      <a:prstClr val="black"/>
-                    </a:gs>
-                  </a:gsLst>
-                  <a:lin ang="5400000" scaled="0"/>
-                </a:gradFill>
-                <a:latin typeface="Segoe UI" pitchFamily="34" charset="0"/>
-                <a:ea typeface="Segoe UI" pitchFamily="34" charset="0"/>
-                <a:cs typeface="Segoe UI" pitchFamily="34" charset="0"/>
-              </a:rPr>
-              <a:t>© Microsoft Corporation. All rights reserved. MICROSOFT MAKES NO WARRANTIES, EXPRESS, IMPLIED OR STATUTORY, AS TO THE INFORMATION IN THIS PRESENTATION.</a:t>
-            </a:r>
-          </a:p>
-        </p:txBody>
-      </p:sp>
-      <p:sp>
-        <p:nvSpPr>
-          <p:cNvPr id="6" name="Date Placeholder 5"/>
-          <p:cNvSpPr>
-            <a:spLocks noGrp="1"/>
-          </p:cNvSpPr>
-          <p:nvPr>
-            <p:ph type="dt" idx="1"/>
-          </p:nvPr>
-        </p:nvSpPr>
-        <p:spPr/>
-        <p:txBody>
-          <a:bodyPr/>
-          <a:lstStyle/>
-          <a:p>
-            <a:fld id="{386CE63F-9E7F-4C04-9D0D-FCA25A8E9E86}" type="datetime8">
+          <p:cNvPr id="4" name="Slide Number Placeholder 3"/>
+          <p:cNvSpPr>
+            <a:spLocks noGrp="1"/>
+          </p:cNvSpPr>
+          <p:nvPr>
+            <p:ph type="sldNum" sz="quarter" idx="5"/>
+          </p:nvPr>
+        </p:nvSpPr>
+        <p:spPr/>
+        <p:txBody>
+          <a:bodyPr/>
+          <a:lstStyle/>
+          <a:p>
+            <a:fld id="{C36DE848-917B-4977-8FFB-D5973E30E536}" type="slidenum">
               <a:rPr lang="en-US" smtClean="0"/>
-              <a:t>9/17/2019 12:50 PM</a:t>
-            </a:fld>
-            <a:endParaRPr lang="en-US" dirty="0"/>
-          </a:p>
-        </p:txBody>
-      </p:sp>
-      <p:sp>
-        <p:nvSpPr>
-          <p:cNvPr id="7" name="Slide Number Placeholder 6"/>
-          <p:cNvSpPr>
-            <a:spLocks noGrp="1"/>
-          </p:cNvSpPr>
-          <p:nvPr>
-            <p:ph type="sldNum" sz="quarter" idx="5"/>
-          </p:nvPr>
-        </p:nvSpPr>
-        <p:spPr/>
-        <p:txBody>
-          <a:bodyPr/>
-          <a:lstStyle/>
-          <a:p>
-            <a:fld id="{B4008EB6-D09E-4580-8CD6-DDB14511944F}" type="slidenum">
-              <a:rPr lang="en-US" smtClean="0"/>
-              <a:pPr/>
               <a:t>8</a:t>
             </a:fld>
-            <a:endParaRPr lang="en-US" dirty="0"/>
+            <a:endParaRPr lang="en-US"/>
           </a:p>
         </p:txBody>
       </p:sp>
     </p:spTree>
     <p:extLst>
       <p:ext uri="{BB962C8B-B14F-4D97-AF65-F5344CB8AC3E}">
-        <p14:creationId xmlns:p14="http://schemas.microsoft.com/office/powerpoint/2010/main" val="2433567656"/>
+        <p14:creationId xmlns:p14="http://schemas.microsoft.com/office/powerpoint/2010/main" val="2760144700"/>
       </p:ext>
     </p:extLst>
   </p:cSld>
@@ -3135,108 +4515,116 @@
           <a:bodyPr/>
           <a:lstStyle/>
           <a:p>
-            <a:endParaRPr lang="en-US" dirty="0"/>
-          </a:p>
-        </p:txBody>
-      </p:sp>
-      <p:sp>
-        <p:nvSpPr>
-          <p:cNvPr id="4" name="Header Placeholder 3"/>
-          <p:cNvSpPr>
-            <a:spLocks noGrp="1"/>
-          </p:cNvSpPr>
-          <p:nvPr>
-            <p:ph type="hdr" sz="quarter"/>
-          </p:nvPr>
-        </p:nvSpPr>
-        <p:spPr/>
-        <p:txBody>
-          <a:bodyPr/>
-          <a:lstStyle/>
-          <a:p>
-            <a:endParaRPr lang="en-US"/>
-          </a:p>
-        </p:txBody>
-      </p:sp>
-      <p:sp>
-        <p:nvSpPr>
-          <p:cNvPr id="5" name="Footer Placeholder 4"/>
-          <p:cNvSpPr>
-            <a:spLocks noGrp="1"/>
-          </p:cNvSpPr>
-          <p:nvPr>
-            <p:ph type="ftr" sz="quarter" idx="4"/>
-          </p:nvPr>
-        </p:nvSpPr>
-        <p:spPr/>
-        <p:txBody>
-          <a:bodyPr/>
-          <a:lstStyle/>
-          <a:p>
-            <a:pPr defTabSz="914099" eaLnBrk="0" hangingPunct="0"/>
-            <a:r>
-              <a:rPr lang="en-US" sz="400">
-                <a:gradFill>
-                  <a:gsLst>
-                    <a:gs pos="0">
-                      <a:prstClr val="black"/>
-                    </a:gs>
-                    <a:gs pos="100000">
-                      <a:prstClr val="black"/>
-                    </a:gs>
-                  </a:gsLst>
-                  <a:lin ang="5400000" scaled="0"/>
-                </a:gradFill>
-                <a:latin typeface="Segoe UI" pitchFamily="34" charset="0"/>
-                <a:ea typeface="Segoe UI" pitchFamily="34" charset="0"/>
-                <a:cs typeface="Segoe UI" pitchFamily="34" charset="0"/>
+            <a:r>
+              <a:rPr lang="en-US" sz="1200" kern="1200" dirty="0">
+                <a:solidFill>
+                  <a:schemeClr val="tx1"/>
+                </a:solidFill>
+                <a:effectLst/>
+                <a:latin typeface="+mn-lt"/>
+                <a:ea typeface="+mn-ea"/>
+                <a:cs typeface="+mn-cs"/>
               </a:rPr>
-              <a:t>© Microsoft Corporation. All rights reserved. MICROSOFT MAKES NO WARRANTIES, EXPRESS, IMPLIED OR STATUTORY, AS TO THE INFORMATION IN THIS PRESENTATION.</a:t>
-            </a:r>
-          </a:p>
-        </p:txBody>
-      </p:sp>
-      <p:sp>
-        <p:nvSpPr>
-          <p:cNvPr id="6" name="Date Placeholder 5"/>
-          <p:cNvSpPr>
-            <a:spLocks noGrp="1"/>
-          </p:cNvSpPr>
-          <p:nvPr>
-            <p:ph type="dt" idx="1"/>
-          </p:nvPr>
-        </p:nvSpPr>
-        <p:spPr/>
-        <p:txBody>
-          <a:bodyPr/>
-          <a:lstStyle/>
-          <a:p>
-            <a:fld id="{386CE63F-9E7F-4C04-9D0D-FCA25A8E9E86}" type="datetime8">
+              <a:t>This revision of the course does not ship with demo instructions. For each demo, you will be given a list of specific tasks you should demonstrate to your students. The flow, content and structure of your demo is left to you to decide as an instructor.</a:t>
+            </a:r>
+          </a:p>
+          <a:p>
+            <a:r>
+              <a:rPr lang="en-US" sz="1200" kern="1200" dirty="0">
+                <a:solidFill>
+                  <a:schemeClr val="tx1"/>
+                </a:solidFill>
+                <a:effectLst/>
+                <a:latin typeface="+mn-lt"/>
+                <a:ea typeface="+mn-ea"/>
+                <a:cs typeface="+mn-cs"/>
+              </a:rPr>
+              <a:t> </a:t>
+            </a:r>
+          </a:p>
+          <a:p>
+            <a:r>
+              <a:rPr lang="en-US" sz="1200" kern="1200" dirty="0">
+                <a:solidFill>
+                  <a:schemeClr val="tx1"/>
+                </a:solidFill>
+                <a:effectLst/>
+                <a:latin typeface="+mn-lt"/>
+                <a:ea typeface="+mn-ea"/>
+                <a:cs typeface="+mn-cs"/>
+              </a:rPr>
+              <a:t>In this demo, you should show students how to:</a:t>
+            </a:r>
+          </a:p>
+          <a:p>
+            <a:pPr marL="171450" indent="-171450">
+              <a:buFont typeface="Arial" panose="020B0604020202020204" pitchFamily="34" charset="0"/>
+              <a:buChar char="•"/>
+            </a:pPr>
+            <a:r>
+              <a:rPr lang="en-US" dirty="0"/>
+              <a:t>Create a Batch account.</a:t>
+            </a:r>
+          </a:p>
+          <a:p>
+            <a:pPr marL="171450" indent="-171450">
+              <a:buFont typeface="Arial" panose="020B0604020202020204" pitchFamily="34" charset="0"/>
+              <a:buChar char="•"/>
+            </a:pPr>
+            <a:r>
+              <a:rPr lang="en-US" dirty="0"/>
+              <a:t>Create a pool of compute nodes.</a:t>
+            </a:r>
+          </a:p>
+          <a:p>
+            <a:pPr marL="171450" indent="-171450">
+              <a:buFont typeface="Arial" panose="020B0604020202020204" pitchFamily="34" charset="0"/>
+              <a:buChar char="•"/>
+            </a:pPr>
+            <a:r>
+              <a:rPr lang="en-US" dirty="0"/>
+              <a:t>Create a job.</a:t>
+            </a:r>
+          </a:p>
+          <a:p>
+            <a:pPr marL="171450" indent="-171450">
+              <a:buFont typeface="Arial" panose="020B0604020202020204" pitchFamily="34" charset="0"/>
+              <a:buChar char="•"/>
+            </a:pPr>
+            <a:r>
+              <a:rPr lang="en-US" dirty="0"/>
+              <a:t>Create tasks.</a:t>
+            </a:r>
+          </a:p>
+          <a:p>
+            <a:pPr marL="171450" indent="-171450">
+              <a:buFont typeface="Arial" panose="020B0604020202020204" pitchFamily="34" charset="0"/>
+              <a:buChar char="•"/>
+            </a:pPr>
+            <a:r>
+              <a:rPr lang="en-US" dirty="0"/>
+              <a:t>View task output.</a:t>
+            </a:r>
+          </a:p>
+        </p:txBody>
+      </p:sp>
+      <p:sp>
+        <p:nvSpPr>
+          <p:cNvPr id="4" name="Slide Number Placeholder 3"/>
+          <p:cNvSpPr>
+            <a:spLocks noGrp="1"/>
+          </p:cNvSpPr>
+          <p:nvPr>
+            <p:ph type="sldNum" sz="quarter" idx="5"/>
+          </p:nvPr>
+        </p:nvSpPr>
+        <p:spPr/>
+        <p:txBody>
+          <a:bodyPr/>
+          <a:lstStyle/>
+          <a:p>
+            <a:fld id="{C36DE848-917B-4977-8FFB-D5973E30E536}" type="slidenum">
               <a:rPr lang="en-US" smtClean="0"/>
-              <a:t>9/17/2019 12:50 PM</a:t>
-            </a:fld>
-            <a:endParaRPr lang="en-US"/>
-          </a:p>
-        </p:txBody>
-      </p:sp>
-      <p:sp>
-        <p:nvSpPr>
-          <p:cNvPr id="7" name="Slide Number Placeholder 6"/>
-          <p:cNvSpPr>
-            <a:spLocks noGrp="1"/>
-          </p:cNvSpPr>
-          <p:nvPr>
-            <p:ph type="sldNum" sz="quarter" idx="5"/>
-          </p:nvPr>
-        </p:nvSpPr>
-        <p:spPr/>
-        <p:txBody>
-          <a:bodyPr/>
-          <a:lstStyle/>
-          <a:p>
-            <a:fld id="{B4008EB6-D09E-4580-8CD6-DDB14511944F}" type="slidenum">
-              <a:rPr lang="en-US" smtClean="0"/>
-              <a:pPr/>
               <a:t>9</a:t>
             </a:fld>
             <a:endParaRPr lang="en-US"/>
@@ -3246,7 +4634,7 @@
     </p:spTree>
     <p:extLst>
       <p:ext uri="{BB962C8B-B14F-4D97-AF65-F5344CB8AC3E}">
-        <p14:creationId xmlns:p14="http://schemas.microsoft.com/office/powerpoint/2010/main" val="3441529736"/>
+        <p14:creationId xmlns:p14="http://schemas.microsoft.com/office/powerpoint/2010/main" val="1442294330"/>
       </p:ext>
     </p:extLst>
   </p:cSld>
@@ -3300,31 +4688,39 @@
           <a:bodyPr/>
           <a:lstStyle/>
           <a:p>
+            <a:endParaRPr lang="en-US" sz="1200" kern="1200" dirty="0">
+              <a:solidFill>
+                <a:schemeClr val="tx1"/>
+              </a:solidFill>
+              <a:effectLst/>
+              <a:latin typeface="+mn-lt"/>
+              <a:ea typeface="+mn-ea"/>
+              <a:cs typeface="+mn-cs"/>
+            </a:endParaRPr>
+          </a:p>
+        </p:txBody>
+      </p:sp>
+      <p:sp>
+        <p:nvSpPr>
+          <p:cNvPr id="4" name="Header Placeholder 3"/>
+          <p:cNvSpPr>
+            <a:spLocks noGrp="1"/>
+          </p:cNvSpPr>
+          <p:nvPr>
+            <p:ph type="hdr" sz="quarter"/>
+          </p:nvPr>
+        </p:nvSpPr>
+        <p:spPr/>
+        <p:txBody>
+          <a:bodyPr/>
+          <a:lstStyle/>
+          <a:p>
             <a:endParaRPr lang="en-US" dirty="0"/>
           </a:p>
         </p:txBody>
       </p:sp>
       <p:sp>
         <p:nvSpPr>
-          <p:cNvPr id="4" name="Header Placeholder 3"/>
-          <p:cNvSpPr>
-            <a:spLocks noGrp="1"/>
-          </p:cNvSpPr>
-          <p:nvPr>
-            <p:ph type="hdr" sz="quarter"/>
-          </p:nvPr>
-        </p:nvSpPr>
-        <p:spPr/>
-        <p:txBody>
-          <a:bodyPr/>
-          <a:lstStyle/>
-          <a:p>
-            <a:endParaRPr lang="en-US"/>
-          </a:p>
-        </p:txBody>
-      </p:sp>
-      <p:sp>
-        <p:nvSpPr>
           <p:cNvPr id="5" name="Footer Placeholder 4"/>
           <p:cNvSpPr>
             <a:spLocks noGrp="1"/>
@@ -3340,7 +4736,7 @@
           <a:p>
             <a:pPr defTabSz="914099" eaLnBrk="0" hangingPunct="0"/>
             <a:r>
-              <a:rPr lang="en-US" sz="400">
+              <a:rPr lang="en-US" sz="400" dirty="0">
                 <a:gradFill>
                   <a:gsLst>
                     <a:gs pos="0">
@@ -3378,9 +4774,9 @@
           <a:p>
             <a:fld id="{386CE63F-9E7F-4C04-9D0D-FCA25A8E9E86}" type="datetime8">
               <a:rPr lang="en-US" smtClean="0"/>
-              <a:t>9/17/2019 12:50 PM</a:t>
+              <a:t>1/31/2020 2:07 PM</a:t>
             </a:fld>
-            <a:endParaRPr lang="en-US"/>
+            <a:endParaRPr lang="en-US" dirty="0"/>
           </a:p>
         </p:txBody>
       </p:sp>
@@ -3404,14 +4800,14 @@
               <a:pPr/>
               <a:t>10</a:t>
             </a:fld>
-            <a:endParaRPr lang="en-US"/>
+            <a:endParaRPr lang="en-US" dirty="0"/>
           </a:p>
         </p:txBody>
       </p:sp>
     </p:spTree>
     <p:extLst>
       <p:ext uri="{BB962C8B-B14F-4D97-AF65-F5344CB8AC3E}">
-        <p14:creationId xmlns:p14="http://schemas.microsoft.com/office/powerpoint/2010/main" val="1672194018"/>
+        <p14:creationId xmlns:p14="http://schemas.microsoft.com/office/powerpoint/2010/main" val="829056225"/>
       </p:ext>
     </p:extLst>
   </p:cSld>
@@ -3465,125 +4861,7 @@
           <a:bodyPr/>
           <a:lstStyle/>
           <a:p>
-            <a:pPr marL="0" marR="0" lvl="0" indent="0" algn="l" defTabSz="914367" rtl="0" eaLnBrk="1" fontAlgn="auto" latinLnBrk="0" hangingPunct="1">
-              <a:lnSpc>
-                <a:spcPct val="90000"/>
-              </a:lnSpc>
-              <a:spcBef>
-                <a:spcPts val="0"/>
-              </a:spcBef>
-              <a:spcAft>
-                <a:spcPts val="333"/>
-              </a:spcAft>
-              <a:buClrTx/>
-              <a:buSzTx/>
-              <a:buFontTx/>
-              <a:buNone/>
-              <a:tabLst/>
-              <a:defRPr/>
-            </a:pPr>
-            <a:r>
-              <a:rPr lang="en-US" sz="882" b="0" i="1" kern="1200" dirty="0">
-                <a:solidFill>
-                  <a:schemeClr val="tx1"/>
-                </a:solidFill>
-                <a:effectLst/>
-                <a:latin typeface="Segoe UI Light" pitchFamily="34" charset="0"/>
-                <a:ea typeface="+mn-ea"/>
-                <a:cs typeface="+mn-cs"/>
-              </a:rPr>
-              <a:t>API Management provides the core competencies to ensure a successful API program through developer engagement, business insights, analytics, security, and protection. APIM enables you to create and manage modern API gateways for existing back-end services hosted anywhere.</a:t>
-            </a:r>
-            <a:endParaRPr lang="en-US" i="1" dirty="0"/>
-          </a:p>
-          <a:p>
-            <a:r>
-              <a:rPr lang="en-US" sz="1200" kern="1200" dirty="0">
-                <a:solidFill>
-                  <a:schemeClr val="tx1"/>
-                </a:solidFill>
-                <a:effectLst/>
-                <a:latin typeface="+mn-lt"/>
-                <a:ea typeface="+mn-ea"/>
-                <a:cs typeface="+mn-cs"/>
-              </a:rPr>
-              <a:t> </a:t>
-            </a:r>
-          </a:p>
-          <a:p>
-            <a:r>
-              <a:rPr lang="en-US" sz="1200" kern="1200" dirty="0">
-                <a:solidFill>
-                  <a:schemeClr val="tx1"/>
-                </a:solidFill>
-                <a:effectLst/>
-                <a:latin typeface="+mn-lt"/>
-                <a:ea typeface="+mn-ea"/>
-                <a:cs typeface="+mn-cs"/>
-              </a:rPr>
-              <a:t>This revision of the course does not ship with demo instructions. For each demo, you will be given a list of specific tasks you should demonstrate to your students. The flow, content and structure of your demo is left to you to decide as an instructor.</a:t>
-            </a:r>
-          </a:p>
-          <a:p>
-            <a:r>
-              <a:rPr lang="en-US" sz="1200" kern="1200" dirty="0">
-                <a:solidFill>
-                  <a:schemeClr val="tx1"/>
-                </a:solidFill>
-                <a:effectLst/>
-                <a:latin typeface="+mn-lt"/>
-                <a:ea typeface="+mn-ea"/>
-                <a:cs typeface="+mn-cs"/>
-              </a:rPr>
-              <a:t> </a:t>
-            </a:r>
-          </a:p>
-          <a:p>
-            <a:r>
-              <a:rPr lang="en-US" sz="1200" kern="1200" dirty="0">
-                <a:solidFill>
-                  <a:schemeClr val="tx1"/>
-                </a:solidFill>
-                <a:effectLst/>
-                <a:latin typeface="+mn-lt"/>
-                <a:ea typeface="+mn-ea"/>
-                <a:cs typeface="+mn-cs"/>
-              </a:rPr>
-              <a:t>In this demo, you should show students how to:</a:t>
-            </a:r>
-          </a:p>
-          <a:p>
-            <a:pPr marL="171450" marR="0" lvl="0" indent="-171450" algn="l" defTabSz="914400" rtl="0" eaLnBrk="1" fontAlgn="auto" latinLnBrk="0" hangingPunct="1">
-              <a:lnSpc>
-                <a:spcPct val="100000"/>
-              </a:lnSpc>
-              <a:spcBef>
-                <a:spcPts val="0"/>
-              </a:spcBef>
-              <a:spcAft>
-                <a:spcPts val="0"/>
-              </a:spcAft>
-              <a:buClrTx/>
-              <a:buSzTx/>
-              <a:buFont typeface="Arial" panose="020B0604020202020204" pitchFamily="34" charset="0"/>
-              <a:buChar char="•"/>
-              <a:tabLst/>
-              <a:defRPr/>
-            </a:pPr>
-            <a:r>
-              <a:rPr lang="en-US" dirty="0"/>
-              <a:t>Create a new API Management instance</a:t>
-            </a:r>
-          </a:p>
-          <a:p>
-            <a:pPr marL="171450" indent="-171450">
-              <a:buFont typeface="Arial" panose="020B0604020202020204" pitchFamily="34" charset="0"/>
-              <a:buChar char="•"/>
-            </a:pPr>
-            <a:r>
-              <a:rPr lang="en-US" dirty="0"/>
-              <a:t>Observe the developer and publisher portals</a:t>
-            </a:r>
+            <a:endParaRPr lang="en-US" i="0" dirty="0"/>
           </a:p>
         </p:txBody>
       </p:sp>
@@ -3661,7 +4939,7 @@
           <a:p>
             <a:fld id="{386CE63F-9E7F-4C04-9D0D-FCA25A8E9E86}" type="datetime8">
               <a:rPr lang="en-US" smtClean="0"/>
-              <a:t>9/17/2019 12:50 PM</a:t>
+              <a:t>1/31/2020 2:07 PM</a:t>
             </a:fld>
             <a:endParaRPr lang="en-US" dirty="0"/>
           </a:p>
@@ -3694,7 +4972,7 @@
     </p:spTree>
     <p:extLst>
       <p:ext uri="{BB962C8B-B14F-4D97-AF65-F5344CB8AC3E}">
-        <p14:creationId xmlns:p14="http://schemas.microsoft.com/office/powerpoint/2010/main" val="1209179156"/>
+        <p14:creationId xmlns:p14="http://schemas.microsoft.com/office/powerpoint/2010/main" val="196897214"/>
       </p:ext>
     </p:extLst>
   </p:cSld>
@@ -8739,10 +10017,10 @@
       </p:grpSpPr>
       <p:sp>
         <p:nvSpPr>
-          <p:cNvPr id="2" name="Title 1">
+          <p:cNvPr id="4" name="Title 3">
             <a:extLst>
               <a:ext uri="{FF2B5EF4-FFF2-40B4-BE49-F238E27FC236}">
-                <a16:creationId xmlns:a16="http://schemas.microsoft.com/office/drawing/2014/main" id="{1A1FFA05-256B-46F8-940B-6EB0CA853A1B}"/>
+                <a16:creationId xmlns:a16="http://schemas.microsoft.com/office/drawing/2014/main" id="{BD50F6E3-CB3C-4F41-BD58-DAF64886DAA5}"/>
               </a:ext>
             </a:extLst>
           </p:cNvPr>
@@ -8753,29 +10031,29 @@
             <p:ph type="title"/>
           </p:nvPr>
         </p:nvSpPr>
-        <p:spPr/>
+        <p:spPr>
+          <a:xfrm>
+            <a:off x="585216" y="2534625"/>
+            <a:ext cx="9144000" cy="997196"/>
+          </a:xfrm>
+        </p:spPr>
         <p:txBody>
           <a:bodyPr/>
           <a:lstStyle/>
           <a:p>
             <a:r>
               <a:rPr lang="en-US" dirty="0"/>
-              <a:t>Creating </a:t>
-            </a:r>
-            <a:r>
-              <a:rPr lang="en-US" dirty="0" err="1"/>
-              <a:t>WebJobs</a:t>
-            </a:r>
-            <a:endParaRPr lang="en-US" dirty="0"/>
-          </a:p>
-        </p:txBody>
-      </p:sp>
-      <p:sp>
-        <p:nvSpPr>
-          <p:cNvPr id="3" name="Text Placeholder 2">
+              <a:t>Guided Walkthrough: Deploying an AKS cluster by using the Azure portal</a:t>
+            </a:r>
+          </a:p>
+        </p:txBody>
+      </p:sp>
+      <p:sp>
+        <p:nvSpPr>
+          <p:cNvPr id="5" name="Text Placeholder 4">
             <a:extLst>
               <a:ext uri="{FF2B5EF4-FFF2-40B4-BE49-F238E27FC236}">
-                <a16:creationId xmlns:a16="http://schemas.microsoft.com/office/drawing/2014/main" id="{CB03B75A-AB98-45B2-8930-303FFEEBE76B}"/>
+                <a16:creationId xmlns:a16="http://schemas.microsoft.com/office/drawing/2014/main" id="{ED63109A-5C4B-41D7-ACF1-7A94DA4FAA4D}"/>
               </a:ext>
             </a:extLst>
           </p:cNvPr>
@@ -8793,7 +10071,7 @@
           <a:p>
             <a:r>
               <a:rPr lang="en-US" dirty="0"/>
-              <a:t>https://aka.ms/createWebJobGW</a:t>
+              <a:t>https://aka.ms/deployAKSGW2</a:t>
             </a:r>
           </a:p>
         </p:txBody>
@@ -8801,20 +10079,20 @@
     </p:spTree>
     <p:extLst>
       <p:ext uri="{BB962C8B-B14F-4D97-AF65-F5344CB8AC3E}">
-        <p14:creationId xmlns:p14="http://schemas.microsoft.com/office/powerpoint/2010/main" val="816267132"/>
+        <p14:creationId xmlns:p14="http://schemas.microsoft.com/office/powerpoint/2010/main" val="814406423"/>
       </p:ext>
     </p:extLst>
   </p:cSld>
   <p:clrMapOvr>
     <a:masterClrMapping/>
   </p:clrMapOvr>
-  <mc:AlternateContent xmlns:mc="http://schemas.openxmlformats.org/markup-compatibility/2006" xmlns:p14="http://schemas.microsoft.com/office/powerpoint/2010/main">
-    <mc:Choice Requires="p14">
+  <mc:AlternateContent xmlns:mc="http://schemas.openxmlformats.org/markup-compatibility/2006">
+    <mc:Choice xmlns:p14="http://schemas.microsoft.com/office/powerpoint/2010/main" Requires="p14">
       <p:transition spd="med" p14:dur="700">
         <p:fade/>
       </p:transition>
     </mc:Choice>
-    <mc:Fallback xmlns="">
+    <mc:Fallback>
       <p:transition spd="med">
         <p:fade/>
       </p:transition>
@@ -8845,7 +10123,7 @@
           <p:cNvPr id="2" name="Title 1">
             <a:extLst>
               <a:ext uri="{FF2B5EF4-FFF2-40B4-BE49-F238E27FC236}">
-                <a16:creationId xmlns:a16="http://schemas.microsoft.com/office/drawing/2014/main" id="{611A3B2A-058C-4FF8-82D5-4AFA7598AD0B}"/>
+                <a16:creationId xmlns:a16="http://schemas.microsoft.com/office/drawing/2014/main" id="{CED813E4-0F7A-4325-BEAB-31D5B86FF1C2}"/>
               </a:ext>
             </a:extLst>
           </p:cNvPr>
@@ -8868,7 +10146,7 @@
           <a:p>
             <a:r>
               <a:rPr lang="en-US" dirty="0"/>
-              <a:t>Create an Azure API Management Service Instance</a:t>
+              <a:t>Guided Walkthrough: Deploying to AKS by using Azure CLI</a:t>
             </a:r>
           </a:p>
         </p:txBody>
@@ -8878,7 +10156,7 @@
           <p:cNvPr id="3" name="Text Placeholder 2">
             <a:extLst>
               <a:ext uri="{FF2B5EF4-FFF2-40B4-BE49-F238E27FC236}">
-                <a16:creationId xmlns:a16="http://schemas.microsoft.com/office/drawing/2014/main" id="{9FFEA467-449F-4B99-A90A-02A6C4EC6557}"/>
+                <a16:creationId xmlns:a16="http://schemas.microsoft.com/office/drawing/2014/main" id="{D6E6AFA7-7F20-4311-B94C-44D5391304E6}"/>
               </a:ext>
             </a:extLst>
           </p:cNvPr>
@@ -8896,7 +10174,7 @@
           <a:p>
             <a:r>
               <a:rPr lang="en-US" dirty="0"/>
-              <a:t>https://aka.ms/createAPIMGW</a:t>
+              <a:t>https://aka.ms/deployAKSGW</a:t>
             </a:r>
           </a:p>
         </p:txBody>
@@ -8904,20 +10182,20 @@
     </p:spTree>
     <p:extLst>
       <p:ext uri="{BB962C8B-B14F-4D97-AF65-F5344CB8AC3E}">
-        <p14:creationId xmlns:p14="http://schemas.microsoft.com/office/powerpoint/2010/main" val="775949718"/>
+        <p14:creationId xmlns:p14="http://schemas.microsoft.com/office/powerpoint/2010/main" val="545863340"/>
       </p:ext>
     </p:extLst>
   </p:cSld>
   <p:clrMapOvr>
     <a:masterClrMapping/>
   </p:clrMapOvr>
-  <mc:AlternateContent xmlns:mc="http://schemas.openxmlformats.org/markup-compatibility/2006" xmlns:p14="http://schemas.microsoft.com/office/powerpoint/2010/main">
-    <mc:Choice Requires="p14">
+  <mc:AlternateContent xmlns:mc="http://schemas.openxmlformats.org/markup-compatibility/2006">
+    <mc:Choice xmlns:p14="http://schemas.microsoft.com/office/powerpoint/2010/main" Requires="p14">
       <p:transition spd="med" p14:dur="700">
         <p:fade/>
       </p:transition>
     </mc:Choice>
-    <mc:Fallback xmlns="">
+    <mc:Fallback>
       <p:transition spd="med">
         <p:fade/>
       </p:transition>
@@ -8948,7 +10226,7 @@
           <p:cNvPr id="2" name="Title 1">
             <a:extLst>
               <a:ext uri="{FF2B5EF4-FFF2-40B4-BE49-F238E27FC236}">
-                <a16:creationId xmlns:a16="http://schemas.microsoft.com/office/drawing/2014/main" id="{A1977A32-93FB-4627-9100-D25492547545}"/>
+                <a16:creationId xmlns:a16="http://schemas.microsoft.com/office/drawing/2014/main" id="{11FD8006-BB97-4222-ABC0-AB63BDF3D7C3}"/>
               </a:ext>
             </a:extLst>
           </p:cNvPr>
@@ -8959,24 +10237,29 @@
             <p:ph type="title"/>
           </p:nvPr>
         </p:nvSpPr>
-        <p:spPr/>
+        <p:spPr>
+          <a:xfrm>
+            <a:off x="585216" y="2534625"/>
+            <a:ext cx="9144000" cy="997196"/>
+          </a:xfrm>
+        </p:spPr>
         <p:txBody>
           <a:bodyPr/>
           <a:lstStyle/>
           <a:p>
             <a:r>
               <a:rPr lang="en-US" dirty="0"/>
-              <a:t>Import a new API</a:t>
-            </a:r>
-          </a:p>
-        </p:txBody>
-      </p:sp>
-      <p:sp>
-        <p:nvSpPr>
-          <p:cNvPr id="4" name="Text Placeholder 3">
+              <a:t>Deploy an image to Container Registry by using Azure Portal</a:t>
+            </a:r>
+          </a:p>
+        </p:txBody>
+      </p:sp>
+      <p:sp>
+        <p:nvSpPr>
+          <p:cNvPr id="3" name="Text Placeholder 2">
             <a:extLst>
               <a:ext uri="{FF2B5EF4-FFF2-40B4-BE49-F238E27FC236}">
-                <a16:creationId xmlns:a16="http://schemas.microsoft.com/office/drawing/2014/main" id="{D77E0380-A39A-4873-BD24-C258CC794839}"/>
+                <a16:creationId xmlns:a16="http://schemas.microsoft.com/office/drawing/2014/main" id="{4A9E93B1-A2E1-423C-9F74-2B9131B95C5F}"/>
               </a:ext>
             </a:extLst>
           </p:cNvPr>
@@ -8994,7 +10277,7 @@
           <a:p>
             <a:r>
               <a:rPr lang="en-US" dirty="0"/>
-              <a:t>https://aka.ms/importAPIGW</a:t>
+              <a:t>https://aka.ms/deployContainerRegPortalGW</a:t>
             </a:r>
           </a:p>
         </p:txBody>
@@ -9002,7 +10285,7 @@
     </p:spTree>
     <p:extLst>
       <p:ext uri="{BB962C8B-B14F-4D97-AF65-F5344CB8AC3E}">
-        <p14:creationId xmlns:p14="http://schemas.microsoft.com/office/powerpoint/2010/main" val="3435628350"/>
+        <p14:creationId xmlns:p14="http://schemas.microsoft.com/office/powerpoint/2010/main" val="2290567678"/>
       </p:ext>
     </p:extLst>
   </p:cSld>
@@ -9046,7 +10329,7 @@
           <p:cNvPr id="2" name="Title 1">
             <a:extLst>
               <a:ext uri="{FF2B5EF4-FFF2-40B4-BE49-F238E27FC236}">
-                <a16:creationId xmlns:a16="http://schemas.microsoft.com/office/drawing/2014/main" id="{302EC1DD-8DCA-4C24-9F41-2E99B0F09240}"/>
+                <a16:creationId xmlns:a16="http://schemas.microsoft.com/office/drawing/2014/main" id="{11FD8006-BB97-4222-ABC0-AB63BDF3D7C3}"/>
               </a:ext>
             </a:extLst>
           </p:cNvPr>
@@ -9059,8 +10342,8 @@
         </p:nvSpPr>
         <p:spPr>
           <a:xfrm>
-            <a:off x="585216" y="3033223"/>
-            <a:ext cx="9144000" cy="498598"/>
+            <a:off x="585216" y="2534625"/>
+            <a:ext cx="9144000" cy="997196"/>
           </a:xfrm>
         </p:spPr>
         <p:txBody>
@@ -9069,7 +10352,7 @@
           <a:p>
             <a:r>
               <a:rPr lang="en-US" dirty="0"/>
-              <a:t>Creating an Azure Function in the Portal</a:t>
+              <a:t>Deploy an image to Container Registry by using Azure CLI</a:t>
             </a:r>
           </a:p>
         </p:txBody>
@@ -9079,7 +10362,7 @@
           <p:cNvPr id="3" name="Text Placeholder 2">
             <a:extLst>
               <a:ext uri="{FF2B5EF4-FFF2-40B4-BE49-F238E27FC236}">
-                <a16:creationId xmlns:a16="http://schemas.microsoft.com/office/drawing/2014/main" id="{B07C42B5-4FFE-4983-8B0C-3DE1CF52C2CE}"/>
+                <a16:creationId xmlns:a16="http://schemas.microsoft.com/office/drawing/2014/main" id="{4A9E93B1-A2E1-423C-9F74-2B9131B95C5F}"/>
               </a:ext>
             </a:extLst>
           </p:cNvPr>
@@ -9097,7 +10380,7 @@
           <a:p>
             <a:r>
               <a:rPr lang="en-US" dirty="0"/>
-              <a:t>https://aka.ms/createFunctionPortalGW</a:t>
+              <a:t>https://aka.ms/deployContainerRegDemo</a:t>
             </a:r>
           </a:p>
         </p:txBody>
@@ -9105,7 +10388,7 @@
     </p:spTree>
     <p:extLst>
       <p:ext uri="{BB962C8B-B14F-4D97-AF65-F5344CB8AC3E}">
-        <p14:creationId xmlns:p14="http://schemas.microsoft.com/office/powerpoint/2010/main" val="1761744064"/>
+        <p14:creationId xmlns:p14="http://schemas.microsoft.com/office/powerpoint/2010/main" val="1786242961"/>
       </p:ext>
     </p:extLst>
   </p:cSld>
@@ -9149,7 +10432,7 @@
           <p:cNvPr id="2" name="Title 1">
             <a:extLst>
               <a:ext uri="{FF2B5EF4-FFF2-40B4-BE49-F238E27FC236}">
-                <a16:creationId xmlns:a16="http://schemas.microsoft.com/office/drawing/2014/main" id="{1F5DE0C9-9BE3-4659-8FAF-910905F2B371}"/>
+                <a16:creationId xmlns:a16="http://schemas.microsoft.com/office/drawing/2014/main" id="{D9954B23-0420-49E4-9F63-927E67A27CF3}"/>
               </a:ext>
             </a:extLst>
           </p:cNvPr>
@@ -9160,24 +10443,29 @@
             <p:ph type="title"/>
           </p:nvPr>
         </p:nvSpPr>
-        <p:spPr/>
+        <p:spPr>
+          <a:xfrm>
+            <a:off x="585216" y="2534625"/>
+            <a:ext cx="9144000" cy="997196"/>
+          </a:xfrm>
+        </p:spPr>
         <p:txBody>
           <a:bodyPr/>
           <a:lstStyle/>
           <a:p>
             <a:r>
               <a:rPr lang="en-US" dirty="0"/>
-              <a:t>Create a Durable Function in C#</a:t>
-            </a:r>
-          </a:p>
-        </p:txBody>
-      </p:sp>
-      <p:sp>
-        <p:nvSpPr>
-          <p:cNvPr id="4" name="Text Placeholder 3">
+              <a:t>Create a container for deployment to Container Instances</a:t>
+            </a:r>
+          </a:p>
+        </p:txBody>
+      </p:sp>
+      <p:sp>
+        <p:nvSpPr>
+          <p:cNvPr id="3" name="Text Placeholder 2">
             <a:extLst>
               <a:ext uri="{FF2B5EF4-FFF2-40B4-BE49-F238E27FC236}">
-                <a16:creationId xmlns:a16="http://schemas.microsoft.com/office/drawing/2014/main" id="{2A94D43A-39DE-46B3-B0CC-21FA014DA0C6}"/>
+                <a16:creationId xmlns:a16="http://schemas.microsoft.com/office/drawing/2014/main" id="{D133881C-31CC-4849-8429-6BDB3016499D}"/>
               </a:ext>
             </a:extLst>
           </p:cNvPr>
@@ -9195,7 +10483,7 @@
           <a:p>
             <a:r>
               <a:rPr lang="en-US" dirty="0"/>
-              <a:t>https://aka.ms/createDurableFuncDemo</a:t>
+              <a:t>https://aka.ms/createContDemo</a:t>
             </a:r>
           </a:p>
         </p:txBody>
@@ -9203,7 +10491,7 @@
     </p:spTree>
     <p:extLst>
       <p:ext uri="{BB962C8B-B14F-4D97-AF65-F5344CB8AC3E}">
-        <p14:creationId xmlns:p14="http://schemas.microsoft.com/office/powerpoint/2010/main" val="790621380"/>
+        <p14:creationId xmlns:p14="http://schemas.microsoft.com/office/powerpoint/2010/main" val="2847202690"/>
       </p:ext>
     </p:extLst>
   </p:cSld>
@@ -9247,7 +10535,7 @@
           <p:cNvPr id="2" name="Title 1">
             <a:extLst>
               <a:ext uri="{FF2B5EF4-FFF2-40B4-BE49-F238E27FC236}">
-                <a16:creationId xmlns:a16="http://schemas.microsoft.com/office/drawing/2014/main" id="{04B0058B-45D2-4295-A9BA-A3B0574D90E5}"/>
+                <a16:creationId xmlns:a16="http://schemas.microsoft.com/office/drawing/2014/main" id="{8BEF9F9B-260C-4A8B-9966-DD49114E91D4}"/>
               </a:ext>
             </a:extLst>
           </p:cNvPr>
@@ -9270,7 +10558,7 @@
           <a:p>
             <a:r>
               <a:rPr lang="en-US" dirty="0"/>
-              <a:t>Managing Azure Table storage by using .NET</a:t>
+              <a:t>Deploy a container to Container Instances</a:t>
             </a:r>
           </a:p>
         </p:txBody>
@@ -9280,7 +10568,7 @@
           <p:cNvPr id="3" name="Text Placeholder 2">
             <a:extLst>
               <a:ext uri="{FF2B5EF4-FFF2-40B4-BE49-F238E27FC236}">
-                <a16:creationId xmlns:a16="http://schemas.microsoft.com/office/drawing/2014/main" id="{12F18E70-76B8-4ACE-9E24-3707E6848195}"/>
+                <a16:creationId xmlns:a16="http://schemas.microsoft.com/office/drawing/2014/main" id="{D1997305-CACB-4D92-ADB7-64D048C4A7B0}"/>
               </a:ext>
             </a:extLst>
           </p:cNvPr>
@@ -9298,7 +10586,7 @@
           <a:p>
             <a:r>
               <a:rPr lang="en-US" dirty="0"/>
-              <a:t>https://aka.ms/tableStorageDemo</a:t>
+              <a:t>https://aka.ms/DeployContainerInstGW</a:t>
             </a:r>
           </a:p>
         </p:txBody>
@@ -9306,7 +10594,7 @@
     </p:spTree>
     <p:extLst>
       <p:ext uri="{BB962C8B-B14F-4D97-AF65-F5344CB8AC3E}">
-        <p14:creationId xmlns:p14="http://schemas.microsoft.com/office/powerpoint/2010/main" val="3446670352"/>
+        <p14:creationId xmlns:p14="http://schemas.microsoft.com/office/powerpoint/2010/main" val="639955559"/>
       </p:ext>
     </p:extLst>
   </p:cSld>
@@ -9350,7 +10638,7 @@
           <p:cNvPr id="2" name="Title 1">
             <a:extLst>
               <a:ext uri="{FF2B5EF4-FFF2-40B4-BE49-F238E27FC236}">
-                <a16:creationId xmlns:a16="http://schemas.microsoft.com/office/drawing/2014/main" id="{D762BFCB-781E-4B1D-90B3-C3854936DB34}"/>
+                <a16:creationId xmlns:a16="http://schemas.microsoft.com/office/drawing/2014/main" id="{1A1FFA05-256B-46F8-940B-6EB0CA853A1B}"/>
               </a:ext>
             </a:extLst>
           </p:cNvPr>
@@ -9363,8 +10651,8 @@
         </p:nvSpPr>
         <p:spPr>
           <a:xfrm>
-            <a:off x="585216" y="3033223"/>
-            <a:ext cx="9144000" cy="498598"/>
+            <a:off x="585216" y="2534625"/>
+            <a:ext cx="9144000" cy="997196"/>
           </a:xfrm>
         </p:spPr>
         <p:txBody>
@@ -9373,7 +10661,7 @@
           <a:p>
             <a:r>
               <a:rPr lang="en-US" dirty="0"/>
-              <a:t>Creating an Azure SQL Database</a:t>
+              <a:t>Guided Walkthrough: Creating an Azure WebApp</a:t>
             </a:r>
           </a:p>
         </p:txBody>
@@ -9383,7 +10671,7 @@
           <p:cNvPr id="3" name="Text Placeholder 2">
             <a:extLst>
               <a:ext uri="{FF2B5EF4-FFF2-40B4-BE49-F238E27FC236}">
-                <a16:creationId xmlns:a16="http://schemas.microsoft.com/office/drawing/2014/main" id="{C25DDC3C-A07A-482E-A127-7212B79C906B}"/>
+                <a16:creationId xmlns:a16="http://schemas.microsoft.com/office/drawing/2014/main" id="{CB03B75A-AB98-45B2-8930-303FFEEBE76B}"/>
               </a:ext>
             </a:extLst>
           </p:cNvPr>
@@ -9394,14 +10682,19 @@
             <p:ph type="body" sz="quarter" idx="12"/>
           </p:nvPr>
         </p:nvSpPr>
-        <p:spPr/>
+        <p:spPr>
+          <a:xfrm>
+            <a:off x="585216" y="3977319"/>
+            <a:ext cx="9144000" cy="307777"/>
+          </a:xfrm>
+        </p:spPr>
         <p:txBody>
           <a:bodyPr/>
           <a:lstStyle/>
           <a:p>
             <a:r>
               <a:rPr lang="en-US" dirty="0"/>
-              <a:t>https://aka.ms/createSQLDB</a:t>
+              <a:t>https://aka.ms/AZ203/CreateWebApp</a:t>
             </a:r>
           </a:p>
         </p:txBody>
@@ -9409,20 +10702,20 @@
     </p:spTree>
     <p:extLst>
       <p:ext uri="{BB962C8B-B14F-4D97-AF65-F5344CB8AC3E}">
-        <p14:creationId xmlns:p14="http://schemas.microsoft.com/office/powerpoint/2010/main" val="3319233768"/>
+        <p14:creationId xmlns:p14="http://schemas.microsoft.com/office/powerpoint/2010/main" val="3576077281"/>
       </p:ext>
     </p:extLst>
   </p:cSld>
   <p:clrMapOvr>
     <a:masterClrMapping/>
   </p:clrMapOvr>
-  <mc:AlternateContent xmlns:mc="http://schemas.openxmlformats.org/markup-compatibility/2006" xmlns:p14="http://schemas.microsoft.com/office/powerpoint/2010/main">
-    <mc:Choice Requires="p14">
+  <mc:AlternateContent xmlns:mc="http://schemas.openxmlformats.org/markup-compatibility/2006">
+    <mc:Choice xmlns:p14="http://schemas.microsoft.com/office/powerpoint/2010/main" Requires="p14">
       <p:transition spd="med" p14:dur="700">
         <p:fade/>
       </p:transition>
     </mc:Choice>
-    <mc:Fallback xmlns="">
+    <mc:Fallback>
       <p:transition spd="med">
         <p:fade/>
       </p:transition>
@@ -9453,7 +10746,7 @@
           <p:cNvPr id="2" name="Title 1">
             <a:extLst>
               <a:ext uri="{FF2B5EF4-FFF2-40B4-BE49-F238E27FC236}">
-                <a16:creationId xmlns:a16="http://schemas.microsoft.com/office/drawing/2014/main" id="{4C732CE8-4FAB-420B-9B28-FDA0511ACCFA}"/>
+                <a16:creationId xmlns:a16="http://schemas.microsoft.com/office/drawing/2014/main" id="{1A1FFA05-256B-46F8-940B-6EB0CA853A1B}"/>
               </a:ext>
             </a:extLst>
           </p:cNvPr>
@@ -9464,20 +10757,20 @@
             <p:ph type="title"/>
           </p:nvPr>
         </p:nvSpPr>
-        <p:spPr>
-          <a:xfrm>
-            <a:off x="585216" y="3033223"/>
-            <a:ext cx="9144000" cy="498598"/>
-          </a:xfrm>
-        </p:spPr>
+        <p:spPr/>
         <p:txBody>
           <a:bodyPr/>
           <a:lstStyle/>
           <a:p>
             <a:r>
               <a:rPr lang="en-US" dirty="0"/>
-              <a:t>Registering an app with AAD</a:t>
-            </a:r>
+              <a:t>Creating </a:t>
+            </a:r>
+            <a:r>
+              <a:rPr lang="en-US" dirty="0" err="1"/>
+              <a:t>WebJobs</a:t>
+            </a:r>
+            <a:endParaRPr lang="en-US" dirty="0"/>
           </a:p>
         </p:txBody>
       </p:sp>
@@ -9486,7 +10779,7 @@
           <p:cNvPr id="3" name="Text Placeholder 2">
             <a:extLst>
               <a:ext uri="{FF2B5EF4-FFF2-40B4-BE49-F238E27FC236}">
-                <a16:creationId xmlns:a16="http://schemas.microsoft.com/office/drawing/2014/main" id="{4A381EB0-AC1D-404B-BEC2-83982F677AE0}"/>
+                <a16:creationId xmlns:a16="http://schemas.microsoft.com/office/drawing/2014/main" id="{CB03B75A-AB98-45B2-8930-303FFEEBE76B}"/>
               </a:ext>
             </a:extLst>
           </p:cNvPr>
@@ -9504,7 +10797,7 @@
           <a:p>
             <a:r>
               <a:rPr lang="en-US" dirty="0"/>
-              <a:t>https://aka.ms/MSALDemo</a:t>
+              <a:t>https://aka.ms/createWebJobGW</a:t>
             </a:r>
           </a:p>
         </p:txBody>
@@ -9512,7 +10805,7 @@
     </p:spTree>
     <p:extLst>
       <p:ext uri="{BB962C8B-B14F-4D97-AF65-F5344CB8AC3E}">
-        <p14:creationId xmlns:p14="http://schemas.microsoft.com/office/powerpoint/2010/main" val="4219595130"/>
+        <p14:creationId xmlns:p14="http://schemas.microsoft.com/office/powerpoint/2010/main" val="816267132"/>
       </p:ext>
     </p:extLst>
   </p:cSld>
@@ -9556,6 +10849,820 @@
           <p:cNvPr id="2" name="Title 1">
             <a:extLst>
               <a:ext uri="{FF2B5EF4-FFF2-40B4-BE49-F238E27FC236}">
+                <a16:creationId xmlns:a16="http://schemas.microsoft.com/office/drawing/2014/main" id="{611A3B2A-058C-4FF8-82D5-4AFA7598AD0B}"/>
+              </a:ext>
+            </a:extLst>
+          </p:cNvPr>
+          <p:cNvSpPr>
+            <a:spLocks noGrp="1"/>
+          </p:cNvSpPr>
+          <p:nvPr>
+            <p:ph type="title"/>
+          </p:nvPr>
+        </p:nvSpPr>
+        <p:spPr>
+          <a:xfrm>
+            <a:off x="585216" y="2534625"/>
+            <a:ext cx="9144000" cy="997196"/>
+          </a:xfrm>
+        </p:spPr>
+        <p:txBody>
+          <a:bodyPr/>
+          <a:lstStyle/>
+          <a:p>
+            <a:r>
+              <a:rPr lang="en-US" dirty="0"/>
+              <a:t>Guided Walkthrough: Create an Azure API Management Service Instance</a:t>
+            </a:r>
+          </a:p>
+        </p:txBody>
+      </p:sp>
+      <p:sp>
+        <p:nvSpPr>
+          <p:cNvPr id="3" name="Text Placeholder 2">
+            <a:extLst>
+              <a:ext uri="{FF2B5EF4-FFF2-40B4-BE49-F238E27FC236}">
+                <a16:creationId xmlns:a16="http://schemas.microsoft.com/office/drawing/2014/main" id="{9FFEA467-449F-4B99-A90A-02A6C4EC6557}"/>
+              </a:ext>
+            </a:extLst>
+          </p:cNvPr>
+          <p:cNvSpPr>
+            <a:spLocks noGrp="1"/>
+          </p:cNvSpPr>
+          <p:nvPr>
+            <p:ph type="body" sz="quarter" idx="12"/>
+          </p:nvPr>
+        </p:nvSpPr>
+        <p:spPr/>
+        <p:txBody>
+          <a:bodyPr/>
+          <a:lstStyle/>
+          <a:p>
+            <a:r>
+              <a:rPr lang="en-US" dirty="0"/>
+              <a:t>https://aka.ms/AZ203/CreatAPIM</a:t>
+            </a:r>
+          </a:p>
+        </p:txBody>
+      </p:sp>
+    </p:spTree>
+    <p:extLst>
+      <p:ext uri="{BB962C8B-B14F-4D97-AF65-F5344CB8AC3E}">
+        <p14:creationId xmlns:p14="http://schemas.microsoft.com/office/powerpoint/2010/main" val="2047485902"/>
+      </p:ext>
+    </p:extLst>
+  </p:cSld>
+  <p:clrMapOvr>
+    <a:masterClrMapping/>
+  </p:clrMapOvr>
+  <mc:AlternateContent xmlns:mc="http://schemas.openxmlformats.org/markup-compatibility/2006">
+    <mc:Choice xmlns:p14="http://schemas.microsoft.com/office/powerpoint/2010/main" Requires="p14">
+      <p:transition spd="med" p14:dur="700">
+        <p:fade/>
+      </p:transition>
+    </mc:Choice>
+    <mc:Fallback>
+      <p:transition spd="med">
+        <p:fade/>
+      </p:transition>
+    </mc:Fallback>
+  </mc:AlternateContent>
+</p:sld>
+</file>
+
+<file path=ppt/slides/slide19.xml><?xml version="1.0" encoding="utf-8"?>
+<p:sld xmlns:a="http://schemas.openxmlformats.org/drawingml/2006/main" xmlns:r="http://schemas.openxmlformats.org/officeDocument/2006/relationships" xmlns:p="http://schemas.openxmlformats.org/presentationml/2006/main">
+  <p:cSld>
+    <p:spTree>
+      <p:nvGrpSpPr>
+        <p:cNvPr id="1" name=""/>
+        <p:cNvGrpSpPr/>
+        <p:nvPr/>
+      </p:nvGrpSpPr>
+      <p:grpSpPr>
+        <a:xfrm>
+          <a:off x="0" y="0"/>
+          <a:ext cx="0" cy="0"/>
+          <a:chOff x="0" y="0"/>
+          <a:chExt cx="0" cy="0"/>
+        </a:xfrm>
+      </p:grpSpPr>
+      <p:sp>
+        <p:nvSpPr>
+          <p:cNvPr id="2" name="Title 1">
+            <a:extLst>
+              <a:ext uri="{FF2B5EF4-FFF2-40B4-BE49-F238E27FC236}">
+                <a16:creationId xmlns:a16="http://schemas.microsoft.com/office/drawing/2014/main" id="{A1977A32-93FB-4627-9100-D25492547545}"/>
+              </a:ext>
+            </a:extLst>
+          </p:cNvPr>
+          <p:cNvSpPr>
+            <a:spLocks noGrp="1"/>
+          </p:cNvSpPr>
+          <p:nvPr>
+            <p:ph type="title"/>
+          </p:nvPr>
+        </p:nvSpPr>
+        <p:spPr/>
+        <p:txBody>
+          <a:bodyPr/>
+          <a:lstStyle/>
+          <a:p>
+            <a:r>
+              <a:rPr lang="en-US" dirty="0"/>
+              <a:t>Guided Walkthrough: Import a new API</a:t>
+            </a:r>
+          </a:p>
+        </p:txBody>
+      </p:sp>
+      <p:sp>
+        <p:nvSpPr>
+          <p:cNvPr id="4" name="Text Placeholder 3">
+            <a:extLst>
+              <a:ext uri="{FF2B5EF4-FFF2-40B4-BE49-F238E27FC236}">
+                <a16:creationId xmlns:a16="http://schemas.microsoft.com/office/drawing/2014/main" id="{D77E0380-A39A-4873-BD24-C258CC794839}"/>
+              </a:ext>
+            </a:extLst>
+          </p:cNvPr>
+          <p:cNvSpPr>
+            <a:spLocks noGrp="1"/>
+          </p:cNvSpPr>
+          <p:nvPr>
+            <p:ph type="body" sz="quarter" idx="12"/>
+          </p:nvPr>
+        </p:nvSpPr>
+        <p:spPr/>
+        <p:txBody>
+          <a:bodyPr/>
+          <a:lstStyle/>
+          <a:p>
+            <a:r>
+              <a:rPr lang="en-US" dirty="0"/>
+              <a:t>https://aka.ms/AZ203/ImportAPI</a:t>
+            </a:r>
+          </a:p>
+        </p:txBody>
+      </p:sp>
+    </p:spTree>
+    <p:extLst>
+      <p:ext uri="{BB962C8B-B14F-4D97-AF65-F5344CB8AC3E}">
+        <p14:creationId xmlns:p14="http://schemas.microsoft.com/office/powerpoint/2010/main" val="4010610693"/>
+      </p:ext>
+    </p:extLst>
+  </p:cSld>
+  <p:clrMapOvr>
+    <a:masterClrMapping/>
+  </p:clrMapOvr>
+  <mc:AlternateContent xmlns:mc="http://schemas.openxmlformats.org/markup-compatibility/2006">
+    <mc:Choice xmlns:p14="http://schemas.microsoft.com/office/powerpoint/2010/main" Requires="p14">
+      <p:transition spd="med" p14:dur="700">
+        <p:fade/>
+      </p:transition>
+    </mc:Choice>
+    <mc:Fallback>
+      <p:transition spd="med">
+        <p:fade/>
+      </p:transition>
+    </mc:Fallback>
+  </mc:AlternateContent>
+</p:sld>
+</file>
+
+<file path=ppt/slides/slide2.xml><?xml version="1.0" encoding="utf-8"?>
+<p:sld xmlns:a="http://schemas.openxmlformats.org/drawingml/2006/main" xmlns:r="http://schemas.openxmlformats.org/officeDocument/2006/relationships" xmlns:p="http://schemas.openxmlformats.org/presentationml/2006/main">
+  <p:cSld>
+    <p:spTree>
+      <p:nvGrpSpPr>
+        <p:cNvPr id="1" name=""/>
+        <p:cNvGrpSpPr/>
+        <p:nvPr/>
+      </p:nvGrpSpPr>
+      <p:grpSpPr>
+        <a:xfrm>
+          <a:off x="0" y="0"/>
+          <a:ext cx="0" cy="0"/>
+          <a:chOff x="0" y="0"/>
+          <a:chExt cx="0" cy="0"/>
+        </a:xfrm>
+      </p:grpSpPr>
+      <p:sp>
+        <p:nvSpPr>
+          <p:cNvPr id="2" name="Title 1">
+            <a:extLst>
+              <a:ext uri="{FF2B5EF4-FFF2-40B4-BE49-F238E27FC236}">
+                <a16:creationId xmlns:a16="http://schemas.microsoft.com/office/drawing/2014/main" id="{3DB2DCDC-E3EA-4577-917F-004729596A6B}"/>
+              </a:ext>
+            </a:extLst>
+          </p:cNvPr>
+          <p:cNvSpPr>
+            <a:spLocks noGrp="1"/>
+          </p:cNvSpPr>
+          <p:nvPr>
+            <p:ph type="title"/>
+          </p:nvPr>
+        </p:nvSpPr>
+        <p:spPr>
+          <a:xfrm>
+            <a:off x="585216" y="2534625"/>
+            <a:ext cx="9144000" cy="997196"/>
+          </a:xfrm>
+        </p:spPr>
+        <p:txBody>
+          <a:bodyPr/>
+          <a:lstStyle/>
+          <a:p>
+            <a:r>
+              <a:rPr lang="en-US" dirty="0"/>
+              <a:t>Guided Walkthrough: Create an Azure VM by using the Azure portal</a:t>
+            </a:r>
+          </a:p>
+        </p:txBody>
+      </p:sp>
+      <p:sp>
+        <p:nvSpPr>
+          <p:cNvPr id="3" name="Text Placeholder 2">
+            <a:extLst>
+              <a:ext uri="{FF2B5EF4-FFF2-40B4-BE49-F238E27FC236}">
+                <a16:creationId xmlns:a16="http://schemas.microsoft.com/office/drawing/2014/main" id="{0ABA31F3-079E-421C-AA8F-52D71BBDBB7D}"/>
+              </a:ext>
+            </a:extLst>
+          </p:cNvPr>
+          <p:cNvSpPr>
+            <a:spLocks noGrp="1"/>
+          </p:cNvSpPr>
+          <p:nvPr>
+            <p:ph type="body" sz="quarter" idx="12"/>
+          </p:nvPr>
+        </p:nvSpPr>
+        <p:spPr/>
+        <p:txBody>
+          <a:bodyPr/>
+          <a:lstStyle/>
+          <a:p>
+            <a:r>
+              <a:rPr lang="en-US" dirty="0"/>
+              <a:t>https://aka.ms/AZ300/CreateVM</a:t>
+            </a:r>
+          </a:p>
+        </p:txBody>
+      </p:sp>
+    </p:spTree>
+    <p:extLst>
+      <p:ext uri="{BB962C8B-B14F-4D97-AF65-F5344CB8AC3E}">
+        <p14:creationId xmlns:p14="http://schemas.microsoft.com/office/powerpoint/2010/main" val="3246722047"/>
+      </p:ext>
+    </p:extLst>
+  </p:cSld>
+  <p:clrMapOvr>
+    <a:masterClrMapping/>
+  </p:clrMapOvr>
+  <mc:AlternateContent xmlns:mc="http://schemas.openxmlformats.org/markup-compatibility/2006">
+    <mc:Choice xmlns:p14="http://schemas.microsoft.com/office/powerpoint/2010/main" Requires="p14">
+      <p:transition spd="med" p14:dur="700">
+        <p:fade/>
+      </p:transition>
+    </mc:Choice>
+    <mc:Fallback>
+      <p:transition spd="med">
+        <p:fade/>
+      </p:transition>
+    </mc:Fallback>
+  </mc:AlternateContent>
+</p:sld>
+</file>
+
+<file path=ppt/slides/slide20.xml><?xml version="1.0" encoding="utf-8"?>
+<p:sld xmlns:a="http://schemas.openxmlformats.org/drawingml/2006/main" xmlns:r="http://schemas.openxmlformats.org/officeDocument/2006/relationships" xmlns:p="http://schemas.openxmlformats.org/presentationml/2006/main">
+  <p:cSld>
+    <p:spTree>
+      <p:nvGrpSpPr>
+        <p:cNvPr id="1" name=""/>
+        <p:cNvGrpSpPr/>
+        <p:nvPr/>
+      </p:nvGrpSpPr>
+      <p:grpSpPr>
+        <a:xfrm>
+          <a:off x="0" y="0"/>
+          <a:ext cx="0" cy="0"/>
+          <a:chOff x="0" y="0"/>
+          <a:chExt cx="0" cy="0"/>
+        </a:xfrm>
+      </p:grpSpPr>
+      <p:sp>
+        <p:nvSpPr>
+          <p:cNvPr id="2" name="Title 1">
+            <a:extLst>
+              <a:ext uri="{FF2B5EF4-FFF2-40B4-BE49-F238E27FC236}">
+                <a16:creationId xmlns:a16="http://schemas.microsoft.com/office/drawing/2014/main" id="{302EC1DD-8DCA-4C24-9F41-2E99B0F09240}"/>
+              </a:ext>
+            </a:extLst>
+          </p:cNvPr>
+          <p:cNvSpPr>
+            <a:spLocks noGrp="1"/>
+          </p:cNvSpPr>
+          <p:nvPr>
+            <p:ph type="title"/>
+          </p:nvPr>
+        </p:nvSpPr>
+        <p:spPr>
+          <a:xfrm>
+            <a:off x="585216" y="2534625"/>
+            <a:ext cx="9144000" cy="997196"/>
+          </a:xfrm>
+        </p:spPr>
+        <p:txBody>
+          <a:bodyPr/>
+          <a:lstStyle/>
+          <a:p>
+            <a:r>
+              <a:rPr lang="en-US" dirty="0"/>
+              <a:t>Guided Walkthrough: Creating an Azure Function in the Portal</a:t>
+            </a:r>
+          </a:p>
+        </p:txBody>
+      </p:sp>
+      <p:sp>
+        <p:nvSpPr>
+          <p:cNvPr id="3" name="Text Placeholder 2">
+            <a:extLst>
+              <a:ext uri="{FF2B5EF4-FFF2-40B4-BE49-F238E27FC236}">
+                <a16:creationId xmlns:a16="http://schemas.microsoft.com/office/drawing/2014/main" id="{B07C42B5-4FFE-4983-8B0C-3DE1CF52C2CE}"/>
+              </a:ext>
+            </a:extLst>
+          </p:cNvPr>
+          <p:cNvSpPr>
+            <a:spLocks noGrp="1"/>
+          </p:cNvSpPr>
+          <p:nvPr>
+            <p:ph type="body" sz="quarter" idx="12"/>
+          </p:nvPr>
+        </p:nvSpPr>
+        <p:spPr/>
+        <p:txBody>
+          <a:bodyPr/>
+          <a:lstStyle/>
+          <a:p>
+            <a:r>
+              <a:rPr lang="en-US" dirty="0"/>
+              <a:t>https://aka.ms/AZ203/createFunction</a:t>
+            </a:r>
+          </a:p>
+        </p:txBody>
+      </p:sp>
+    </p:spTree>
+    <p:extLst>
+      <p:ext uri="{BB962C8B-B14F-4D97-AF65-F5344CB8AC3E}">
+        <p14:creationId xmlns:p14="http://schemas.microsoft.com/office/powerpoint/2010/main" val="620276238"/>
+      </p:ext>
+    </p:extLst>
+  </p:cSld>
+  <p:clrMapOvr>
+    <a:masterClrMapping/>
+  </p:clrMapOvr>
+  <mc:AlternateContent xmlns:mc="http://schemas.openxmlformats.org/markup-compatibility/2006">
+    <mc:Choice xmlns:p14="http://schemas.microsoft.com/office/powerpoint/2010/main" Requires="p14">
+      <p:transition spd="med" p14:dur="700">
+        <p:fade/>
+      </p:transition>
+    </mc:Choice>
+    <mc:Fallback>
+      <p:transition spd="med">
+        <p:fade/>
+      </p:transition>
+    </mc:Fallback>
+  </mc:AlternateContent>
+</p:sld>
+</file>
+
+<file path=ppt/slides/slide21.xml><?xml version="1.0" encoding="utf-8"?>
+<p:sld xmlns:a="http://schemas.openxmlformats.org/drawingml/2006/main" xmlns:r="http://schemas.openxmlformats.org/officeDocument/2006/relationships" xmlns:p="http://schemas.openxmlformats.org/presentationml/2006/main">
+  <p:cSld>
+    <p:spTree>
+      <p:nvGrpSpPr>
+        <p:cNvPr id="1" name=""/>
+        <p:cNvGrpSpPr/>
+        <p:nvPr/>
+      </p:nvGrpSpPr>
+      <p:grpSpPr>
+        <a:xfrm>
+          <a:off x="0" y="0"/>
+          <a:ext cx="0" cy="0"/>
+          <a:chOff x="0" y="0"/>
+          <a:chExt cx="0" cy="0"/>
+        </a:xfrm>
+      </p:grpSpPr>
+      <p:sp>
+        <p:nvSpPr>
+          <p:cNvPr id="2" name="Title 1">
+            <a:extLst>
+              <a:ext uri="{FF2B5EF4-FFF2-40B4-BE49-F238E27FC236}">
+                <a16:creationId xmlns:a16="http://schemas.microsoft.com/office/drawing/2014/main" id="{1F5DE0C9-9BE3-4659-8FAF-910905F2B371}"/>
+              </a:ext>
+            </a:extLst>
+          </p:cNvPr>
+          <p:cNvSpPr>
+            <a:spLocks noGrp="1"/>
+          </p:cNvSpPr>
+          <p:nvPr>
+            <p:ph type="title"/>
+          </p:nvPr>
+        </p:nvSpPr>
+        <p:spPr/>
+        <p:txBody>
+          <a:bodyPr/>
+          <a:lstStyle/>
+          <a:p>
+            <a:r>
+              <a:rPr lang="en-US" dirty="0"/>
+              <a:t>Demo: Create a Durable Function in C#</a:t>
+            </a:r>
+          </a:p>
+        </p:txBody>
+      </p:sp>
+      <p:sp>
+        <p:nvSpPr>
+          <p:cNvPr id="4" name="Text Placeholder 3">
+            <a:extLst>
+              <a:ext uri="{FF2B5EF4-FFF2-40B4-BE49-F238E27FC236}">
+                <a16:creationId xmlns:a16="http://schemas.microsoft.com/office/drawing/2014/main" id="{2A94D43A-39DE-46B3-B0CC-21FA014DA0C6}"/>
+              </a:ext>
+            </a:extLst>
+          </p:cNvPr>
+          <p:cNvSpPr>
+            <a:spLocks noGrp="1"/>
+          </p:cNvSpPr>
+          <p:nvPr>
+            <p:ph type="body" sz="quarter" idx="12"/>
+          </p:nvPr>
+        </p:nvSpPr>
+        <p:spPr/>
+        <p:txBody>
+          <a:bodyPr/>
+          <a:lstStyle/>
+          <a:p>
+            <a:r>
+              <a:rPr lang="en-US" dirty="0"/>
+              <a:t>https://aka.ms/AZ203/CreateDurableFunction</a:t>
+            </a:r>
+          </a:p>
+        </p:txBody>
+      </p:sp>
+    </p:spTree>
+    <p:extLst>
+      <p:ext uri="{BB962C8B-B14F-4D97-AF65-F5344CB8AC3E}">
+        <p14:creationId xmlns:p14="http://schemas.microsoft.com/office/powerpoint/2010/main" val="2778875095"/>
+      </p:ext>
+    </p:extLst>
+  </p:cSld>
+  <p:clrMapOvr>
+    <a:masterClrMapping/>
+  </p:clrMapOvr>
+  <mc:AlternateContent xmlns:mc="http://schemas.openxmlformats.org/markup-compatibility/2006">
+    <mc:Choice xmlns:p14="http://schemas.microsoft.com/office/powerpoint/2010/main" Requires="p14">
+      <p:transition spd="med" p14:dur="700">
+        <p:fade/>
+      </p:transition>
+    </mc:Choice>
+    <mc:Fallback>
+      <p:transition spd="med">
+        <p:fade/>
+      </p:transition>
+    </mc:Fallback>
+  </mc:AlternateContent>
+</p:sld>
+</file>
+
+<file path=ppt/slides/slide22.xml><?xml version="1.0" encoding="utf-8"?>
+<p:sld xmlns:a="http://schemas.openxmlformats.org/drawingml/2006/main" xmlns:r="http://schemas.openxmlformats.org/officeDocument/2006/relationships" xmlns:p="http://schemas.openxmlformats.org/presentationml/2006/main">
+  <p:cSld>
+    <p:spTree>
+      <p:nvGrpSpPr>
+        <p:cNvPr id="1" name=""/>
+        <p:cNvGrpSpPr/>
+        <p:nvPr/>
+      </p:nvGrpSpPr>
+      <p:grpSpPr>
+        <a:xfrm>
+          <a:off x="0" y="0"/>
+          <a:ext cx="0" cy="0"/>
+          <a:chOff x="0" y="0"/>
+          <a:chExt cx="0" cy="0"/>
+        </a:xfrm>
+      </p:grpSpPr>
+      <p:sp>
+        <p:nvSpPr>
+          <p:cNvPr id="2" name="Title 1">
+            <a:extLst>
+              <a:ext uri="{FF2B5EF4-FFF2-40B4-BE49-F238E27FC236}">
+                <a16:creationId xmlns:a16="http://schemas.microsoft.com/office/drawing/2014/main" id="{04B0058B-45D2-4295-A9BA-A3B0574D90E5}"/>
+              </a:ext>
+            </a:extLst>
+          </p:cNvPr>
+          <p:cNvSpPr>
+            <a:spLocks noGrp="1"/>
+          </p:cNvSpPr>
+          <p:nvPr>
+            <p:ph type="title"/>
+          </p:nvPr>
+        </p:nvSpPr>
+        <p:spPr>
+          <a:xfrm>
+            <a:off x="585216" y="3033223"/>
+            <a:ext cx="9144000" cy="498598"/>
+          </a:xfrm>
+        </p:spPr>
+        <p:txBody>
+          <a:bodyPr/>
+          <a:lstStyle/>
+          <a:p>
+            <a:r>
+              <a:rPr lang="en-US" dirty="0"/>
+              <a:t>Managing Azure Table storage by using .NET</a:t>
+            </a:r>
+          </a:p>
+        </p:txBody>
+      </p:sp>
+      <p:sp>
+        <p:nvSpPr>
+          <p:cNvPr id="3" name="Text Placeholder 2">
+            <a:extLst>
+              <a:ext uri="{FF2B5EF4-FFF2-40B4-BE49-F238E27FC236}">
+                <a16:creationId xmlns:a16="http://schemas.microsoft.com/office/drawing/2014/main" id="{12F18E70-76B8-4ACE-9E24-3707E6848195}"/>
+              </a:ext>
+            </a:extLst>
+          </p:cNvPr>
+          <p:cNvSpPr>
+            <a:spLocks noGrp="1"/>
+          </p:cNvSpPr>
+          <p:nvPr>
+            <p:ph type="body" sz="quarter" idx="12"/>
+          </p:nvPr>
+        </p:nvSpPr>
+        <p:spPr/>
+        <p:txBody>
+          <a:bodyPr/>
+          <a:lstStyle/>
+          <a:p>
+            <a:r>
+              <a:rPr lang="en-US" dirty="0"/>
+              <a:t>https://aka.ms/tableStorageDemo</a:t>
+            </a:r>
+          </a:p>
+        </p:txBody>
+      </p:sp>
+    </p:spTree>
+    <p:extLst>
+      <p:ext uri="{BB962C8B-B14F-4D97-AF65-F5344CB8AC3E}">
+        <p14:creationId xmlns:p14="http://schemas.microsoft.com/office/powerpoint/2010/main" val="3446670352"/>
+      </p:ext>
+    </p:extLst>
+  </p:cSld>
+  <p:clrMapOvr>
+    <a:masterClrMapping/>
+  </p:clrMapOvr>
+  <mc:AlternateContent xmlns:mc="http://schemas.openxmlformats.org/markup-compatibility/2006" xmlns:p14="http://schemas.microsoft.com/office/powerpoint/2010/main">
+    <mc:Choice Requires="p14">
+      <p:transition spd="med" p14:dur="700">
+        <p:fade/>
+      </p:transition>
+    </mc:Choice>
+    <mc:Fallback xmlns="">
+      <p:transition spd="med">
+        <p:fade/>
+      </p:transition>
+    </mc:Fallback>
+  </mc:AlternateContent>
+</p:sld>
+</file>
+
+<file path=ppt/slides/slide23.xml><?xml version="1.0" encoding="utf-8"?>
+<p:sld xmlns:a="http://schemas.openxmlformats.org/drawingml/2006/main" xmlns:r="http://schemas.openxmlformats.org/officeDocument/2006/relationships" xmlns:p="http://schemas.openxmlformats.org/presentationml/2006/main">
+  <p:cSld>
+    <p:spTree>
+      <p:nvGrpSpPr>
+        <p:cNvPr id="1" name=""/>
+        <p:cNvGrpSpPr/>
+        <p:nvPr/>
+      </p:nvGrpSpPr>
+      <p:grpSpPr>
+        <a:xfrm>
+          <a:off x="0" y="0"/>
+          <a:ext cx="0" cy="0"/>
+          <a:chOff x="0" y="0"/>
+          <a:chExt cx="0" cy="0"/>
+        </a:xfrm>
+      </p:grpSpPr>
+      <p:sp>
+        <p:nvSpPr>
+          <p:cNvPr id="2" name="Title 1">
+            <a:extLst>
+              <a:ext uri="{FF2B5EF4-FFF2-40B4-BE49-F238E27FC236}">
+                <a16:creationId xmlns:a16="http://schemas.microsoft.com/office/drawing/2014/main" id="{D762BFCB-781E-4B1D-90B3-C3854936DB34}"/>
+              </a:ext>
+            </a:extLst>
+          </p:cNvPr>
+          <p:cNvSpPr>
+            <a:spLocks noGrp="1"/>
+          </p:cNvSpPr>
+          <p:nvPr>
+            <p:ph type="title"/>
+          </p:nvPr>
+        </p:nvSpPr>
+        <p:spPr>
+          <a:xfrm>
+            <a:off x="585216" y="3033223"/>
+            <a:ext cx="9144000" cy="498598"/>
+          </a:xfrm>
+        </p:spPr>
+        <p:txBody>
+          <a:bodyPr/>
+          <a:lstStyle/>
+          <a:p>
+            <a:r>
+              <a:rPr lang="en-US" dirty="0"/>
+              <a:t>Creating an Azure SQL Database</a:t>
+            </a:r>
+          </a:p>
+        </p:txBody>
+      </p:sp>
+      <p:sp>
+        <p:nvSpPr>
+          <p:cNvPr id="3" name="Text Placeholder 2">
+            <a:extLst>
+              <a:ext uri="{FF2B5EF4-FFF2-40B4-BE49-F238E27FC236}">
+                <a16:creationId xmlns:a16="http://schemas.microsoft.com/office/drawing/2014/main" id="{C25DDC3C-A07A-482E-A127-7212B79C906B}"/>
+              </a:ext>
+            </a:extLst>
+          </p:cNvPr>
+          <p:cNvSpPr>
+            <a:spLocks noGrp="1"/>
+          </p:cNvSpPr>
+          <p:nvPr>
+            <p:ph type="body" sz="quarter" idx="12"/>
+          </p:nvPr>
+        </p:nvSpPr>
+        <p:spPr/>
+        <p:txBody>
+          <a:bodyPr/>
+          <a:lstStyle/>
+          <a:p>
+            <a:r>
+              <a:rPr lang="en-US" dirty="0"/>
+              <a:t>https://aka.ms/createSQLDB</a:t>
+            </a:r>
+          </a:p>
+        </p:txBody>
+      </p:sp>
+    </p:spTree>
+    <p:extLst>
+      <p:ext uri="{BB962C8B-B14F-4D97-AF65-F5344CB8AC3E}">
+        <p14:creationId xmlns:p14="http://schemas.microsoft.com/office/powerpoint/2010/main" val="3319233768"/>
+      </p:ext>
+    </p:extLst>
+  </p:cSld>
+  <p:clrMapOvr>
+    <a:masterClrMapping/>
+  </p:clrMapOvr>
+  <mc:AlternateContent xmlns:mc="http://schemas.openxmlformats.org/markup-compatibility/2006" xmlns:p14="http://schemas.microsoft.com/office/powerpoint/2010/main">
+    <mc:Choice Requires="p14">
+      <p:transition spd="med" p14:dur="700">
+        <p:fade/>
+      </p:transition>
+    </mc:Choice>
+    <mc:Fallback xmlns="">
+      <p:transition spd="med">
+        <p:fade/>
+      </p:transition>
+    </mc:Fallback>
+  </mc:AlternateContent>
+</p:sld>
+</file>
+
+<file path=ppt/slides/slide24.xml><?xml version="1.0" encoding="utf-8"?>
+<p:sld xmlns:a="http://schemas.openxmlformats.org/drawingml/2006/main" xmlns:r="http://schemas.openxmlformats.org/officeDocument/2006/relationships" xmlns:p="http://schemas.openxmlformats.org/presentationml/2006/main">
+  <p:cSld>
+    <p:spTree>
+      <p:nvGrpSpPr>
+        <p:cNvPr id="1" name=""/>
+        <p:cNvGrpSpPr/>
+        <p:nvPr/>
+      </p:nvGrpSpPr>
+      <p:grpSpPr>
+        <a:xfrm>
+          <a:off x="0" y="0"/>
+          <a:ext cx="0" cy="0"/>
+          <a:chOff x="0" y="0"/>
+          <a:chExt cx="0" cy="0"/>
+        </a:xfrm>
+      </p:grpSpPr>
+      <p:sp>
+        <p:nvSpPr>
+          <p:cNvPr id="2" name="Title 1">
+            <a:extLst>
+              <a:ext uri="{FF2B5EF4-FFF2-40B4-BE49-F238E27FC236}">
+                <a16:creationId xmlns:a16="http://schemas.microsoft.com/office/drawing/2014/main" id="{4C732CE8-4FAB-420B-9B28-FDA0511ACCFA}"/>
+              </a:ext>
+            </a:extLst>
+          </p:cNvPr>
+          <p:cNvSpPr>
+            <a:spLocks noGrp="1"/>
+          </p:cNvSpPr>
+          <p:nvPr>
+            <p:ph type="title"/>
+          </p:nvPr>
+        </p:nvSpPr>
+        <p:spPr>
+          <a:xfrm>
+            <a:off x="585216" y="3033223"/>
+            <a:ext cx="9144000" cy="498598"/>
+          </a:xfrm>
+        </p:spPr>
+        <p:txBody>
+          <a:bodyPr/>
+          <a:lstStyle/>
+          <a:p>
+            <a:r>
+              <a:rPr lang="en-US" dirty="0"/>
+              <a:t>Registering an app with AAD</a:t>
+            </a:r>
+          </a:p>
+        </p:txBody>
+      </p:sp>
+      <p:sp>
+        <p:nvSpPr>
+          <p:cNvPr id="3" name="Text Placeholder 2">
+            <a:extLst>
+              <a:ext uri="{FF2B5EF4-FFF2-40B4-BE49-F238E27FC236}">
+                <a16:creationId xmlns:a16="http://schemas.microsoft.com/office/drawing/2014/main" id="{4A381EB0-AC1D-404B-BEC2-83982F677AE0}"/>
+              </a:ext>
+            </a:extLst>
+          </p:cNvPr>
+          <p:cNvSpPr>
+            <a:spLocks noGrp="1"/>
+          </p:cNvSpPr>
+          <p:nvPr>
+            <p:ph type="body" sz="quarter" idx="12"/>
+          </p:nvPr>
+        </p:nvSpPr>
+        <p:spPr/>
+        <p:txBody>
+          <a:bodyPr/>
+          <a:lstStyle/>
+          <a:p>
+            <a:r>
+              <a:rPr lang="en-US" dirty="0"/>
+              <a:t>https://aka.ms/MSALDemo</a:t>
+            </a:r>
+          </a:p>
+        </p:txBody>
+      </p:sp>
+    </p:spTree>
+    <p:extLst>
+      <p:ext uri="{BB962C8B-B14F-4D97-AF65-F5344CB8AC3E}">
+        <p14:creationId xmlns:p14="http://schemas.microsoft.com/office/powerpoint/2010/main" val="4219595130"/>
+      </p:ext>
+    </p:extLst>
+  </p:cSld>
+  <p:clrMapOvr>
+    <a:masterClrMapping/>
+  </p:clrMapOvr>
+  <mc:AlternateContent xmlns:mc="http://schemas.openxmlformats.org/markup-compatibility/2006" xmlns:p14="http://schemas.microsoft.com/office/powerpoint/2010/main">
+    <mc:Choice Requires="p14">
+      <p:transition spd="med" p14:dur="700">
+        <p:fade/>
+      </p:transition>
+    </mc:Choice>
+    <mc:Fallback xmlns="">
+      <p:transition spd="med">
+        <p:fade/>
+      </p:transition>
+    </mc:Fallback>
+  </mc:AlternateContent>
+</p:sld>
+</file>
+
+<file path=ppt/slides/slide25.xml><?xml version="1.0" encoding="utf-8"?>
+<p:sld xmlns:a="http://schemas.openxmlformats.org/drawingml/2006/main" xmlns:r="http://schemas.openxmlformats.org/officeDocument/2006/relationships" xmlns:p="http://schemas.openxmlformats.org/presentationml/2006/main">
+  <p:cSld>
+    <p:spTree>
+      <p:nvGrpSpPr>
+        <p:cNvPr id="1" name=""/>
+        <p:cNvGrpSpPr/>
+        <p:nvPr/>
+      </p:nvGrpSpPr>
+      <p:grpSpPr>
+        <a:xfrm>
+          <a:off x="0" y="0"/>
+          <a:ext cx="0" cy="0"/>
+          <a:chOff x="0" y="0"/>
+          <a:chExt cx="0" cy="0"/>
+        </a:xfrm>
+      </p:grpSpPr>
+      <p:sp>
+        <p:nvSpPr>
+          <p:cNvPr id="2" name="Title 1">
+            <a:extLst>
+              <a:ext uri="{FF2B5EF4-FFF2-40B4-BE49-F238E27FC236}">
                 <a16:creationId xmlns:a16="http://schemas.microsoft.com/office/drawing/2014/main" id="{4C732CE8-4FAB-420B-9B28-FDA0511ACCFA}"/>
               </a:ext>
             </a:extLst>
@@ -9637,7 +11744,7 @@
 </p:sld>
 </file>
 
-<file path=ppt/slides/slide19.xml><?xml version="1.0" encoding="utf-8"?>
+<file path=ppt/slides/slide26.xml><?xml version="1.0" encoding="utf-8"?>
 <p:sld xmlns:a="http://schemas.openxmlformats.org/drawingml/2006/main" xmlns:r="http://schemas.openxmlformats.org/officeDocument/2006/relationships" xmlns:p="http://schemas.openxmlformats.org/presentationml/2006/main">
   <p:cSld>
     <p:spTree>
@@ -9739,105 +11846,7 @@
 </p:sld>
 </file>
 
-<file path=ppt/slides/slide2.xml><?xml version="1.0" encoding="utf-8"?>
-<p:sld xmlns:a="http://schemas.openxmlformats.org/drawingml/2006/main" xmlns:r="http://schemas.openxmlformats.org/officeDocument/2006/relationships" xmlns:p="http://schemas.openxmlformats.org/presentationml/2006/main">
-  <p:cSld>
-    <p:spTree>
-      <p:nvGrpSpPr>
-        <p:cNvPr id="1" name=""/>
-        <p:cNvGrpSpPr/>
-        <p:nvPr/>
-      </p:nvGrpSpPr>
-      <p:grpSpPr>
-        <a:xfrm>
-          <a:off x="0" y="0"/>
-          <a:ext cx="0" cy="0"/>
-          <a:chOff x="0" y="0"/>
-          <a:chExt cx="0" cy="0"/>
-        </a:xfrm>
-      </p:grpSpPr>
-      <p:sp>
-        <p:nvSpPr>
-          <p:cNvPr id="2" name="Title 1">
-            <a:extLst>
-              <a:ext uri="{FF2B5EF4-FFF2-40B4-BE49-F238E27FC236}">
-                <a16:creationId xmlns:a16="http://schemas.microsoft.com/office/drawing/2014/main" id="{121FF2BA-2AFD-4FA0-AD0C-21CACD6F0C56}"/>
-              </a:ext>
-            </a:extLst>
-          </p:cNvPr>
-          <p:cNvSpPr>
-            <a:spLocks noGrp="1"/>
-          </p:cNvSpPr>
-          <p:nvPr>
-            <p:ph type="title"/>
-          </p:nvPr>
-        </p:nvSpPr>
-        <p:spPr/>
-        <p:txBody>
-          <a:bodyPr/>
-          <a:lstStyle/>
-          <a:p>
-            <a:r>
-              <a:rPr lang="en-US" dirty="0"/>
-              <a:t>Learning Path for Kubernetes</a:t>
-            </a:r>
-          </a:p>
-        </p:txBody>
-      </p:sp>
-      <p:sp>
-        <p:nvSpPr>
-          <p:cNvPr id="3" name="Text Placeholder 2">
-            <a:extLst>
-              <a:ext uri="{FF2B5EF4-FFF2-40B4-BE49-F238E27FC236}">
-                <a16:creationId xmlns:a16="http://schemas.microsoft.com/office/drawing/2014/main" id="{E589FBEC-DC34-4F03-9575-E13489788F9A}"/>
-              </a:ext>
-            </a:extLst>
-          </p:cNvPr>
-          <p:cNvSpPr>
-            <a:spLocks noGrp="1"/>
-          </p:cNvSpPr>
-          <p:nvPr>
-            <p:ph type="body" sz="quarter" idx="12"/>
-          </p:nvPr>
-        </p:nvSpPr>
-        <p:spPr/>
-        <p:txBody>
-          <a:bodyPr/>
-          <a:lstStyle/>
-          <a:p>
-            <a:r>
-              <a:rPr lang="en-US" dirty="0"/>
-              <a:t>https://aka.ms/KubeLearningPath</a:t>
-            </a:r>
-          </a:p>
-        </p:txBody>
-      </p:sp>
-    </p:spTree>
-    <p:extLst>
-      <p:ext uri="{BB962C8B-B14F-4D97-AF65-F5344CB8AC3E}">
-        <p14:creationId xmlns:p14="http://schemas.microsoft.com/office/powerpoint/2010/main" val="70275684"/>
-      </p:ext>
-    </p:extLst>
-  </p:cSld>
-  <p:clrMapOvr>
-    <a:masterClrMapping/>
-  </p:clrMapOvr>
-  <mc:AlternateContent xmlns:mc="http://schemas.openxmlformats.org/markup-compatibility/2006" xmlns:p14="http://schemas.microsoft.com/office/powerpoint/2010/main">
-    <mc:Choice Requires="p14">
-      <p:transition spd="med" p14:dur="700">
-        <p:fade/>
-      </p:transition>
-    </mc:Choice>
-    <mc:Fallback xmlns="">
-      <p:transition spd="med">
-        <p:fade/>
-      </p:transition>
-    </mc:Fallback>
-  </mc:AlternateContent>
-</p:sld>
-</file>
-
-<file path=ppt/slides/slide20.xml><?xml version="1.0" encoding="utf-8"?>
+<file path=ppt/slides/slide27.xml><?xml version="1.0" encoding="utf-8"?>
 <p:sld xmlns:a="http://schemas.openxmlformats.org/drawingml/2006/main" xmlns:r="http://schemas.openxmlformats.org/officeDocument/2006/relationships" xmlns:p="http://schemas.openxmlformats.org/presentationml/2006/main">
   <p:cSld>
     <p:spTree>
@@ -9959,10 +11968,10 @@
       </p:grpSpPr>
       <p:sp>
         <p:nvSpPr>
-          <p:cNvPr id="4" name="Title 3">
+          <p:cNvPr id="2" name="Title 1">
             <a:extLst>
               <a:ext uri="{FF2B5EF4-FFF2-40B4-BE49-F238E27FC236}">
-                <a16:creationId xmlns:a16="http://schemas.microsoft.com/office/drawing/2014/main" id="{BD50F6E3-CB3C-4F41-BD58-DAF64886DAA5}"/>
+                <a16:creationId xmlns:a16="http://schemas.microsoft.com/office/drawing/2014/main" id="{3E872F1A-C404-4530-86EB-4DF833590560}"/>
               </a:ext>
             </a:extLst>
           </p:cNvPr>
@@ -9985,17 +11994,17 @@
           <a:p>
             <a:r>
               <a:rPr lang="en-US" dirty="0"/>
-              <a:t>Deploying an AKS cluster by using the Azure portal</a:t>
-            </a:r>
-          </a:p>
-        </p:txBody>
-      </p:sp>
-      <p:sp>
-        <p:nvSpPr>
-          <p:cNvPr id="5" name="Text Placeholder 4">
+              <a:t>Guided Walkthrough: Create an Azure VM by using PowerShell</a:t>
+            </a:r>
+          </a:p>
+        </p:txBody>
+      </p:sp>
+      <p:sp>
+        <p:nvSpPr>
+          <p:cNvPr id="6" name="Text Placeholder 5">
             <a:extLst>
               <a:ext uri="{FF2B5EF4-FFF2-40B4-BE49-F238E27FC236}">
-                <a16:creationId xmlns:a16="http://schemas.microsoft.com/office/drawing/2014/main" id="{ED63109A-5C4B-41D7-ACF1-7A94DA4FAA4D}"/>
+                <a16:creationId xmlns:a16="http://schemas.microsoft.com/office/drawing/2014/main" id="{2790FEEF-4F19-49B7-BF28-0EAC9DA2264F}"/>
               </a:ext>
             </a:extLst>
           </p:cNvPr>
@@ -10013,7 +12022,7 @@
           <a:p>
             <a:r>
               <a:rPr lang="en-US" dirty="0"/>
-              <a:t>https://aka.ms/deployAKSGW2</a:t>
+              <a:t>https://aka.ms/vmPSGW</a:t>
             </a:r>
           </a:p>
         </p:txBody>
@@ -10021,20 +12030,20 @@
     </p:spTree>
     <p:extLst>
       <p:ext uri="{BB962C8B-B14F-4D97-AF65-F5344CB8AC3E}">
-        <p14:creationId xmlns:p14="http://schemas.microsoft.com/office/powerpoint/2010/main" val="4202012512"/>
+        <p14:creationId xmlns:p14="http://schemas.microsoft.com/office/powerpoint/2010/main" val="1646585029"/>
       </p:ext>
     </p:extLst>
   </p:cSld>
   <p:clrMapOvr>
     <a:masterClrMapping/>
   </p:clrMapOvr>
-  <mc:AlternateContent xmlns:mc="http://schemas.openxmlformats.org/markup-compatibility/2006" xmlns:p14="http://schemas.microsoft.com/office/powerpoint/2010/main">
-    <mc:Choice Requires="p14">
+  <mc:AlternateContent xmlns:mc="http://schemas.openxmlformats.org/markup-compatibility/2006">
+    <mc:Choice xmlns:p14="http://schemas.microsoft.com/office/powerpoint/2010/main" Requires="p14">
       <p:transition spd="med" p14:dur="700">
         <p:fade/>
       </p:transition>
     </mc:Choice>
-    <mc:Fallback xmlns="">
+    <mc:Fallback>
       <p:transition spd="med">
         <p:fade/>
       </p:transition>
@@ -10065,7 +12074,7 @@
           <p:cNvPr id="2" name="Title 1">
             <a:extLst>
               <a:ext uri="{FF2B5EF4-FFF2-40B4-BE49-F238E27FC236}">
-                <a16:creationId xmlns:a16="http://schemas.microsoft.com/office/drawing/2014/main" id="{CED813E4-0F7A-4325-BEAB-31D5B86FF1C2}"/>
+                <a16:creationId xmlns:a16="http://schemas.microsoft.com/office/drawing/2014/main" id="{34BC6BFD-FBB2-4311-AA39-E7DE00394FB5}"/>
               </a:ext>
             </a:extLst>
           </p:cNvPr>
@@ -10078,8 +12087,8 @@
         </p:nvSpPr>
         <p:spPr>
           <a:xfrm>
-            <a:off x="585216" y="3033223"/>
-            <a:ext cx="9144000" cy="498598"/>
+            <a:off x="585216" y="2036027"/>
+            <a:ext cx="9144000" cy="1495794"/>
           </a:xfrm>
         </p:spPr>
         <p:txBody>
@@ -10088,7 +12097,14 @@
           <a:p>
             <a:r>
               <a:rPr lang="en-US" dirty="0"/>
-              <a:t>Deploying to AKS by using Azure CLI</a:t>
+              <a:t>Guided Walkthrough: </a:t>
+            </a:r>
+            <a:br>
+              <a:rPr lang="en-US" dirty="0"/>
+            </a:br>
+            <a:r>
+              <a:rPr lang="en-US" dirty="0"/>
+              <a:t>Create Resource Manager templates by using the Azure portal</a:t>
             </a:r>
           </a:p>
         </p:txBody>
@@ -10098,7 +12114,7 @@
           <p:cNvPr id="3" name="Text Placeholder 2">
             <a:extLst>
               <a:ext uri="{FF2B5EF4-FFF2-40B4-BE49-F238E27FC236}">
-                <a16:creationId xmlns:a16="http://schemas.microsoft.com/office/drawing/2014/main" id="{D6E6AFA7-7F20-4311-B94C-44D5391304E6}"/>
+                <a16:creationId xmlns:a16="http://schemas.microsoft.com/office/drawing/2014/main" id="{FCB05E87-9C10-42DC-A4BC-0621C71626D1}"/>
               </a:ext>
             </a:extLst>
           </p:cNvPr>
@@ -10116,7 +12132,7 @@
           <a:p>
             <a:r>
               <a:rPr lang="en-US" dirty="0"/>
-              <a:t>https://aka.ms/deployAKSGW</a:t>
+              <a:t>https://aka.ms/armTempGW</a:t>
             </a:r>
           </a:p>
         </p:txBody>
@@ -10124,20 +12140,20 @@
     </p:spTree>
     <p:extLst>
       <p:ext uri="{BB962C8B-B14F-4D97-AF65-F5344CB8AC3E}">
-        <p14:creationId xmlns:p14="http://schemas.microsoft.com/office/powerpoint/2010/main" val="2020093450"/>
+        <p14:creationId xmlns:p14="http://schemas.microsoft.com/office/powerpoint/2010/main" val="130936326"/>
       </p:ext>
     </p:extLst>
   </p:cSld>
   <p:clrMapOvr>
     <a:masterClrMapping/>
   </p:clrMapOvr>
-  <mc:AlternateContent xmlns:mc="http://schemas.openxmlformats.org/markup-compatibility/2006" xmlns:p14="http://schemas.microsoft.com/office/powerpoint/2010/main">
-    <mc:Choice Requires="p14">
+  <mc:AlternateContent xmlns:mc="http://schemas.openxmlformats.org/markup-compatibility/2006">
+    <mc:Choice xmlns:p14="http://schemas.microsoft.com/office/powerpoint/2010/main" Requires="p14">
       <p:transition spd="med" p14:dur="700">
         <p:fade/>
       </p:transition>
     </mc:Choice>
-    <mc:Fallback xmlns="">
+    <mc:Fallback>
       <p:transition spd="med">
         <p:fade/>
       </p:transition>
@@ -10168,7 +12184,7 @@
           <p:cNvPr id="2" name="Title 1">
             <a:extLst>
               <a:ext uri="{FF2B5EF4-FFF2-40B4-BE49-F238E27FC236}">
-                <a16:creationId xmlns:a16="http://schemas.microsoft.com/office/drawing/2014/main" id="{11FD8006-BB97-4222-ABC0-AB63BDF3D7C3}"/>
+                <a16:creationId xmlns:a16="http://schemas.microsoft.com/office/drawing/2014/main" id="{E978984C-605E-45FB-8087-9F5E49154535}"/>
               </a:ext>
             </a:extLst>
           </p:cNvPr>
@@ -10191,7 +12207,7 @@
           <a:p>
             <a:r>
               <a:rPr lang="en-US" dirty="0"/>
-              <a:t>Deploy an image to Container Registry by using Azure Portal</a:t>
+              <a:t>Demo: Create Resource Manager templates by using Visual Studio Code</a:t>
             </a:r>
           </a:p>
         </p:txBody>
@@ -10201,7 +12217,7 @@
           <p:cNvPr id="3" name="Text Placeholder 2">
             <a:extLst>
               <a:ext uri="{FF2B5EF4-FFF2-40B4-BE49-F238E27FC236}">
-                <a16:creationId xmlns:a16="http://schemas.microsoft.com/office/drawing/2014/main" id="{4A9E93B1-A2E1-423C-9F74-2B9131B95C5F}"/>
+                <a16:creationId xmlns:a16="http://schemas.microsoft.com/office/drawing/2014/main" id="{C2CE1C72-40DF-475C-AFC8-A6B68799C0AC}"/>
               </a:ext>
             </a:extLst>
           </p:cNvPr>
@@ -10217,30 +12233,27 @@
           <a:bodyPr/>
           <a:lstStyle/>
           <a:p>
-            <a:r>
-              <a:rPr lang="en-US" dirty="0"/>
-              <a:t>https://aka.ms/deployContainerRegPortalGW</a:t>
-            </a:r>
+            <a:endParaRPr lang="en-US"/>
           </a:p>
         </p:txBody>
       </p:sp>
     </p:spTree>
     <p:extLst>
       <p:ext uri="{BB962C8B-B14F-4D97-AF65-F5344CB8AC3E}">
-        <p14:creationId xmlns:p14="http://schemas.microsoft.com/office/powerpoint/2010/main" val="2290567678"/>
+        <p14:creationId xmlns:p14="http://schemas.microsoft.com/office/powerpoint/2010/main" val="193722002"/>
       </p:ext>
     </p:extLst>
   </p:cSld>
   <p:clrMapOvr>
     <a:masterClrMapping/>
   </p:clrMapOvr>
-  <mc:AlternateContent xmlns:mc="http://schemas.openxmlformats.org/markup-compatibility/2006" xmlns:p14="http://schemas.microsoft.com/office/powerpoint/2010/main">
-    <mc:Choice Requires="p14">
+  <mc:AlternateContent xmlns:mc="http://schemas.openxmlformats.org/markup-compatibility/2006">
+    <mc:Choice xmlns:p14="http://schemas.microsoft.com/office/powerpoint/2010/main" Requires="p14">
       <p:transition spd="med" p14:dur="700">
         <p:fade/>
       </p:transition>
     </mc:Choice>
-    <mc:Fallback xmlns="">
+    <mc:Fallback>
       <p:transition spd="med">
         <p:fade/>
       </p:transition>
@@ -10268,10 +12281,10 @@
       </p:grpSpPr>
       <p:sp>
         <p:nvSpPr>
-          <p:cNvPr id="2" name="Title 1">
+          <p:cNvPr id="4" name="Title 3">
             <a:extLst>
               <a:ext uri="{FF2B5EF4-FFF2-40B4-BE49-F238E27FC236}">
-                <a16:creationId xmlns:a16="http://schemas.microsoft.com/office/drawing/2014/main" id="{11FD8006-BB97-4222-ABC0-AB63BDF3D7C3}"/>
+                <a16:creationId xmlns:a16="http://schemas.microsoft.com/office/drawing/2014/main" id="{991310D8-F52C-437B-9EC3-DB765F6BE1BC}"/>
               </a:ext>
             </a:extLst>
           </p:cNvPr>
@@ -10294,17 +12307,17 @@
           <a:p>
             <a:r>
               <a:rPr lang="en-US" dirty="0"/>
-              <a:t>Deploy an image to Container Registry by using Azure CLI</a:t>
-            </a:r>
-          </a:p>
-        </p:txBody>
-      </p:sp>
-      <p:sp>
-        <p:nvSpPr>
-          <p:cNvPr id="3" name="Text Placeholder 2">
+              <a:t>Guided Walkthrough: Encrypt existing VM disks</a:t>
+            </a:r>
+          </a:p>
+        </p:txBody>
+      </p:sp>
+      <p:sp>
+        <p:nvSpPr>
+          <p:cNvPr id="5" name="Text Placeholder 4">
             <a:extLst>
               <a:ext uri="{FF2B5EF4-FFF2-40B4-BE49-F238E27FC236}">
-                <a16:creationId xmlns:a16="http://schemas.microsoft.com/office/drawing/2014/main" id="{4A9E93B1-A2E1-423C-9F74-2B9131B95C5F}"/>
+                <a16:creationId xmlns:a16="http://schemas.microsoft.com/office/drawing/2014/main" id="{1A50E2FB-CB93-4C84-ABB1-ECFA2A842214}"/>
               </a:ext>
             </a:extLst>
           </p:cNvPr>
@@ -10315,14 +12328,19 @@
             <p:ph type="body" sz="quarter" idx="12"/>
           </p:nvPr>
         </p:nvSpPr>
-        <p:spPr/>
+        <p:spPr>
+          <a:xfrm>
+            <a:off x="585216" y="3880043"/>
+            <a:ext cx="9144000" cy="307777"/>
+          </a:xfrm>
+        </p:spPr>
         <p:txBody>
           <a:bodyPr/>
           <a:lstStyle/>
           <a:p>
             <a:r>
               <a:rPr lang="en-US" dirty="0"/>
-              <a:t>https://aka.ms/deployContainerRegDemo</a:t>
+              <a:t>https://aka.ms/encryptVMGW</a:t>
             </a:r>
           </a:p>
         </p:txBody>
@@ -10330,20 +12348,20 @@
     </p:spTree>
     <p:extLst>
       <p:ext uri="{BB962C8B-B14F-4D97-AF65-F5344CB8AC3E}">
-        <p14:creationId xmlns:p14="http://schemas.microsoft.com/office/powerpoint/2010/main" val="1786242961"/>
+        <p14:creationId xmlns:p14="http://schemas.microsoft.com/office/powerpoint/2010/main" val="2473948287"/>
       </p:ext>
     </p:extLst>
   </p:cSld>
   <p:clrMapOvr>
     <a:masterClrMapping/>
   </p:clrMapOvr>
-  <mc:AlternateContent xmlns:mc="http://schemas.openxmlformats.org/markup-compatibility/2006" xmlns:p14="http://schemas.microsoft.com/office/powerpoint/2010/main">
-    <mc:Choice Requires="p14">
+  <mc:AlternateContent xmlns:mc="http://schemas.openxmlformats.org/markup-compatibility/2006">
+    <mc:Choice xmlns:p14="http://schemas.microsoft.com/office/powerpoint/2010/main" Requires="p14">
       <p:transition spd="med" p14:dur="700">
         <p:fade/>
       </p:transition>
     </mc:Choice>
-    <mc:Fallback xmlns="">
+    <mc:Fallback>
       <p:transition spd="med">
         <p:fade/>
       </p:transition>
@@ -10374,7 +12392,7 @@
           <p:cNvPr id="2" name="Title 1">
             <a:extLst>
               <a:ext uri="{FF2B5EF4-FFF2-40B4-BE49-F238E27FC236}">
-                <a16:creationId xmlns:a16="http://schemas.microsoft.com/office/drawing/2014/main" id="{D9954B23-0420-49E4-9F63-927E67A27CF3}"/>
+                <a16:creationId xmlns:a16="http://schemas.microsoft.com/office/drawing/2014/main" id="{121FF2BA-2AFD-4FA0-AD0C-21CACD6F0C56}"/>
               </a:ext>
             </a:extLst>
           </p:cNvPr>
@@ -10385,19 +12403,14 @@
             <p:ph type="title"/>
           </p:nvPr>
         </p:nvSpPr>
-        <p:spPr>
-          <a:xfrm>
-            <a:off x="585216" y="2534625"/>
-            <a:ext cx="9144000" cy="997196"/>
-          </a:xfrm>
-        </p:spPr>
+        <p:spPr/>
         <p:txBody>
           <a:bodyPr/>
           <a:lstStyle/>
           <a:p>
             <a:r>
               <a:rPr lang="en-US" dirty="0"/>
-              <a:t>Create a container for deployment to Container Instances</a:t>
+              <a:t>Learning Path for Kubernetes</a:t>
             </a:r>
           </a:p>
         </p:txBody>
@@ -10407,7 +12420,7 @@
           <p:cNvPr id="3" name="Text Placeholder 2">
             <a:extLst>
               <a:ext uri="{FF2B5EF4-FFF2-40B4-BE49-F238E27FC236}">
-                <a16:creationId xmlns:a16="http://schemas.microsoft.com/office/drawing/2014/main" id="{D133881C-31CC-4849-8429-6BDB3016499D}"/>
+                <a16:creationId xmlns:a16="http://schemas.microsoft.com/office/drawing/2014/main" id="{E589FBEC-DC34-4F03-9575-E13489788F9A}"/>
               </a:ext>
             </a:extLst>
           </p:cNvPr>
@@ -10425,7 +12438,7 @@
           <a:p>
             <a:r>
               <a:rPr lang="en-US" dirty="0"/>
-              <a:t>https://aka.ms/createContDemo</a:t>
+              <a:t>https://aka.ms/KubeLearningPath</a:t>
             </a:r>
           </a:p>
         </p:txBody>
@@ -10433,7 +12446,7 @@
     </p:spTree>
     <p:extLst>
       <p:ext uri="{BB962C8B-B14F-4D97-AF65-F5344CB8AC3E}">
-        <p14:creationId xmlns:p14="http://schemas.microsoft.com/office/powerpoint/2010/main" val="2847202690"/>
+        <p14:creationId xmlns:p14="http://schemas.microsoft.com/office/powerpoint/2010/main" val="70275684"/>
       </p:ext>
     </p:extLst>
   </p:cSld>
@@ -10477,7 +12490,7 @@
           <p:cNvPr id="2" name="Title 1">
             <a:extLst>
               <a:ext uri="{FF2B5EF4-FFF2-40B4-BE49-F238E27FC236}">
-                <a16:creationId xmlns:a16="http://schemas.microsoft.com/office/drawing/2014/main" id="{8BEF9F9B-260C-4A8B-9966-DD49114E91D4}"/>
+                <a16:creationId xmlns:a16="http://schemas.microsoft.com/office/drawing/2014/main" id="{710093F6-4471-4812-9505-7E84FD592EEF}"/>
               </a:ext>
             </a:extLst>
           </p:cNvPr>
@@ -10488,29 +12501,24 @@
             <p:ph type="title"/>
           </p:nvPr>
         </p:nvSpPr>
-        <p:spPr>
-          <a:xfrm>
-            <a:off x="585216" y="3033223"/>
-            <a:ext cx="9144000" cy="498598"/>
-          </a:xfrm>
-        </p:spPr>
+        <p:spPr/>
         <p:txBody>
           <a:bodyPr/>
           <a:lstStyle/>
           <a:p>
             <a:r>
               <a:rPr lang="en-US" dirty="0"/>
-              <a:t>Deploy a container to Container Instances</a:t>
-            </a:r>
-          </a:p>
-        </p:txBody>
-      </p:sp>
-      <p:sp>
-        <p:nvSpPr>
-          <p:cNvPr id="3" name="Text Placeholder 2">
+              <a:t>Demo: Running Batch jobs with Azure portal</a:t>
+            </a:r>
+          </a:p>
+        </p:txBody>
+      </p:sp>
+      <p:sp>
+        <p:nvSpPr>
+          <p:cNvPr id="4" name="Text Placeholder 3">
             <a:extLst>
               <a:ext uri="{FF2B5EF4-FFF2-40B4-BE49-F238E27FC236}">
-                <a16:creationId xmlns:a16="http://schemas.microsoft.com/office/drawing/2014/main" id="{D1997305-CACB-4D92-ADB7-64D048C4A7B0}"/>
+                <a16:creationId xmlns:a16="http://schemas.microsoft.com/office/drawing/2014/main" id="{5964357D-9356-4C33-8C52-C17B0885E532}"/>
               </a:ext>
             </a:extLst>
           </p:cNvPr>
@@ -10528,7 +12536,7 @@
           <a:p>
             <a:r>
               <a:rPr lang="en-US" dirty="0"/>
-              <a:t>https://aka.ms/DeployContainerInstGW</a:t>
+              <a:t>https://aka.ms/CreateBatchGW</a:t>
             </a:r>
           </a:p>
         </p:txBody>
@@ -10536,20 +12544,20 @@
     </p:spTree>
     <p:extLst>
       <p:ext uri="{BB962C8B-B14F-4D97-AF65-F5344CB8AC3E}">
-        <p14:creationId xmlns:p14="http://schemas.microsoft.com/office/powerpoint/2010/main" val="639955559"/>
+        <p14:creationId xmlns:p14="http://schemas.microsoft.com/office/powerpoint/2010/main" val="4035757023"/>
       </p:ext>
     </p:extLst>
   </p:cSld>
   <p:clrMapOvr>
     <a:masterClrMapping/>
   </p:clrMapOvr>
-  <mc:AlternateContent xmlns:mc="http://schemas.openxmlformats.org/markup-compatibility/2006" xmlns:p14="http://schemas.microsoft.com/office/powerpoint/2010/main">
-    <mc:Choice Requires="p14">
+  <mc:AlternateContent xmlns:mc="http://schemas.openxmlformats.org/markup-compatibility/2006">
+    <mc:Choice xmlns:p14="http://schemas.microsoft.com/office/powerpoint/2010/main" Requires="p14">
       <p:transition spd="med" p14:dur="700">
         <p:fade/>
       </p:transition>
     </mc:Choice>
-    <mc:Fallback xmlns="">
+    <mc:Fallback>
       <p:transition spd="med">
         <p:fade/>
       </p:transition>
@@ -10580,7 +12588,7 @@
           <p:cNvPr id="2" name="Title 1">
             <a:extLst>
               <a:ext uri="{FF2B5EF4-FFF2-40B4-BE49-F238E27FC236}">
-                <a16:creationId xmlns:a16="http://schemas.microsoft.com/office/drawing/2014/main" id="{1A1FFA05-256B-46F8-940B-6EB0CA853A1B}"/>
+                <a16:creationId xmlns:a16="http://schemas.microsoft.com/office/drawing/2014/main" id="{710093F6-4471-4812-9505-7E84FD592EEF}"/>
               </a:ext>
             </a:extLst>
           </p:cNvPr>
@@ -10591,29 +12599,24 @@
             <p:ph type="title"/>
           </p:nvPr>
         </p:nvSpPr>
-        <p:spPr>
-          <a:xfrm>
-            <a:off x="585216" y="3033223"/>
-            <a:ext cx="9144000" cy="498598"/>
-          </a:xfrm>
-        </p:spPr>
+        <p:spPr/>
         <p:txBody>
           <a:bodyPr/>
           <a:lstStyle/>
           <a:p>
             <a:r>
               <a:rPr lang="en-US" dirty="0"/>
-              <a:t>Creating an Azure WebApp</a:t>
-            </a:r>
-          </a:p>
-        </p:txBody>
-      </p:sp>
-      <p:sp>
-        <p:nvSpPr>
-          <p:cNvPr id="3" name="Text Placeholder 2">
+              <a:t>Demo: Running Batch jobs with Code</a:t>
+            </a:r>
+          </a:p>
+        </p:txBody>
+      </p:sp>
+      <p:sp>
+        <p:nvSpPr>
+          <p:cNvPr id="4" name="Text Placeholder 3">
             <a:extLst>
               <a:ext uri="{FF2B5EF4-FFF2-40B4-BE49-F238E27FC236}">
-                <a16:creationId xmlns:a16="http://schemas.microsoft.com/office/drawing/2014/main" id="{CB03B75A-AB98-45B2-8930-303FFEEBE76B}"/>
+                <a16:creationId xmlns:a16="http://schemas.microsoft.com/office/drawing/2014/main" id="{5964357D-9356-4C33-8C52-C17B0885E532}"/>
               </a:ext>
             </a:extLst>
           </p:cNvPr>
@@ -10624,19 +12627,14 @@
             <p:ph type="body" sz="quarter" idx="12"/>
           </p:nvPr>
         </p:nvSpPr>
-        <p:spPr>
-          <a:xfrm>
-            <a:off x="585216" y="3977319"/>
-            <a:ext cx="9144000" cy="307777"/>
-          </a:xfrm>
-        </p:spPr>
+        <p:spPr/>
         <p:txBody>
           <a:bodyPr/>
           <a:lstStyle/>
           <a:p>
             <a:r>
               <a:rPr lang="en-US" dirty="0"/>
-              <a:t>https://aka.ms/webappqs</a:t>
+              <a:t>https://aka.ms/RunBatchCodeGW</a:t>
             </a:r>
           </a:p>
         </p:txBody>
@@ -10644,20 +12642,20 @@
     </p:spTree>
     <p:extLst>
       <p:ext uri="{BB962C8B-B14F-4D97-AF65-F5344CB8AC3E}">
-        <p14:creationId xmlns:p14="http://schemas.microsoft.com/office/powerpoint/2010/main" val="4192024770"/>
+        <p14:creationId xmlns:p14="http://schemas.microsoft.com/office/powerpoint/2010/main" val="161311095"/>
       </p:ext>
     </p:extLst>
   </p:cSld>
   <p:clrMapOvr>
     <a:masterClrMapping/>
   </p:clrMapOvr>
-  <mc:AlternateContent xmlns:mc="http://schemas.openxmlformats.org/markup-compatibility/2006" xmlns:p14="http://schemas.microsoft.com/office/powerpoint/2010/main">
-    <mc:Choice Requires="p14">
+  <mc:AlternateContent xmlns:mc="http://schemas.openxmlformats.org/markup-compatibility/2006">
+    <mc:Choice xmlns:p14="http://schemas.microsoft.com/office/powerpoint/2010/main" Requires="p14">
       <p:transition spd="med" p14:dur="700">
         <p:fade/>
       </p:transition>
     </mc:Choice>
-    <mc:Fallback xmlns="">
+    <mc:Fallback>
       <p:transition spd="med">
         <p:fade/>
       </p:transition>
